--- a/doc/Workshop2015_Webperformance.pptx
+++ b/doc/Workshop2015_Webperformance.pptx
@@ -9229,29 +9229,13 @@
           <a:p>
             <a:r>
               <a:rPr lang="de-DE" dirty="0" smtClean="0"/>
-              <a:t>Gutes Antwortzeitverhalten </a:t>
-            </a:r>
+              <a:t>Gutes Antwortzeitverhalten des Systems ist Voraussetzung für hohe Benutzerakzeptanz und gute Prozessunterstützung.</a:t>
+            </a:r>
+          </a:p>
+          <a:p>
             <a:r>
               <a:rPr lang="de-DE" dirty="0" smtClean="0"/>
-              <a:t>des Systems ist Voraussetzung für hohe Benutzerakzeptanz und gute </a:t>
-            </a:r>
-            <a:r>
-              <a:rPr lang="de-DE" dirty="0" smtClean="0"/>
-              <a:t>Prozessunterstützung.</a:t>
-            </a:r>
-          </a:p>
-          <a:p>
-            <a:r>
-              <a:rPr lang="de-DE" dirty="0" smtClean="0"/>
-              <a:t>A</a:t>
-            </a:r>
-            <a:r>
-              <a:rPr lang="de-DE" dirty="0" smtClean="0"/>
-              <a:t>lles </a:t>
-            </a:r>
-            <a:r>
-              <a:rPr lang="de-DE" dirty="0" smtClean="0"/>
-              <a:t>andere kostet Traffic, </a:t>
+              <a:t>Alles andere kostet Traffic, </a:t>
             </a:r>
             <a:r>
               <a:rPr lang="de-DE" dirty="0" err="1" smtClean="0"/>
@@ -10945,7 +10929,6 @@
                 <a:rPr lang="de-DE" sz="1100" b="1" dirty="0" smtClean="0"/>
                 <a:t>Windows</a:t>
               </a:r>
-              <a:endParaRPr lang="de-DE" sz="1100" b="1" dirty="0" smtClean="0"/>
             </a:p>
           </p:txBody>
         </p:sp>
@@ -11946,11 +11929,6 @@
                 </a:rPr>
                 <a:t>http://prod.server01.wpt.iteratec.de</a:t>
               </a:r>
-              <a:endParaRPr lang="de-DE" sz="1200" b="1" dirty="0" smtClean="0">
-                <a:solidFill>
-                  <a:srgbClr val="2C2C2C"/>
-                </a:solidFill>
-              </a:endParaRPr>
             </a:p>
           </p:txBody>
         </p:sp>
@@ -12108,11 +12086,6 @@
                 </a:rPr>
                 <a:t>http://openspeedmonitor.wpt.iteratec.de</a:t>
               </a:r>
-              <a:endParaRPr lang="de-DE" sz="1000" b="1" dirty="0" smtClean="0">
-                <a:solidFill>
-                  <a:srgbClr val="2C2C2C"/>
-                </a:solidFill>
-              </a:endParaRPr>
             </a:p>
           </p:txBody>
         </p:sp>
@@ -12298,11 +12271,6 @@
               </a:rPr>
               <a:t>MESSUNG</a:t>
             </a:r>
-            <a:endParaRPr lang="de-DE" sz="1200" b="1" dirty="0" smtClean="0">
-              <a:solidFill>
-                <a:schemeClr val="tx2"/>
-              </a:solidFill>
-            </a:endParaRPr>
           </a:p>
         </p:txBody>
       </p:sp>
@@ -12347,11 +12315,6 @@
               </a:rPr>
               <a:t>WEBANWENDUNG</a:t>
             </a:r>
-            <a:endParaRPr lang="de-DE" sz="1200" b="1" dirty="0" smtClean="0">
-              <a:solidFill>
-                <a:schemeClr val="tx2"/>
-              </a:solidFill>
-            </a:endParaRPr>
           </a:p>
         </p:txBody>
       </p:sp>

--- a/doc/Workshop2015_Webperformance.pptx
+++ b/doc/Workshop2015_Webperformance.pptx
@@ -4,10 +4,15 @@
   <p:sldMasterIdLst>
     <p:sldMasterId id="2147483762" r:id="rId1"/>
   </p:sldMasterIdLst>
+  <p:notesMasterIdLst>
+    <p:notesMasterId r:id="rId7"/>
+  </p:notesMasterIdLst>
   <p:sldIdLst>
     <p:sldId id="256" r:id="rId2"/>
     <p:sldId id="258" r:id="rId3"/>
     <p:sldId id="257" r:id="rId4"/>
+    <p:sldId id="259" r:id="rId5"/>
+    <p:sldId id="260" r:id="rId6"/>
   </p:sldIdLst>
   <p:sldSz cx="9144000" cy="6858000" type="screen4x3"/>
   <p:notesSz cx="6797675" cy="9926638"/>
@@ -107,6 +112,440 @@
     </a:lvl9pPr>
   </p:defaultTextStyle>
 </p:presentation>
+</file>
+
+<file path=ppt/notesMasters/notesMaster1.xml><?xml version="1.0" encoding="utf-8"?>
+<p:notesMaster xmlns:a="http://schemas.openxmlformats.org/drawingml/2006/main" xmlns:r="http://schemas.openxmlformats.org/officeDocument/2006/relationships" xmlns:p="http://schemas.openxmlformats.org/presentationml/2006/main">
+  <p:cSld>
+    <p:bg>
+      <p:bgRef idx="1001">
+        <a:schemeClr val="bg1"/>
+      </p:bgRef>
+    </p:bg>
+    <p:spTree>
+      <p:nvGrpSpPr>
+        <p:cNvPr id="1" name=""/>
+        <p:cNvGrpSpPr/>
+        <p:nvPr/>
+      </p:nvGrpSpPr>
+      <p:grpSpPr>
+        <a:xfrm>
+          <a:off x="0" y="0"/>
+          <a:ext cx="0" cy="0"/>
+          <a:chOff x="0" y="0"/>
+          <a:chExt cx="0" cy="0"/>
+        </a:xfrm>
+      </p:grpSpPr>
+      <p:sp>
+        <p:nvSpPr>
+          <p:cNvPr id="2" name="Kopfzeilenplatzhalter 1"/>
+          <p:cNvSpPr>
+            <a:spLocks noGrp="1"/>
+          </p:cNvSpPr>
+          <p:nvPr>
+            <p:ph type="hdr" sz="quarter"/>
+          </p:nvPr>
+        </p:nvSpPr>
+        <p:spPr>
+          <a:xfrm>
+            <a:off x="0" y="0"/>
+            <a:ext cx="2946400" cy="496888"/>
+          </a:xfrm>
+          <a:prstGeom prst="rect">
+            <a:avLst/>
+          </a:prstGeom>
+        </p:spPr>
+        <p:txBody>
+          <a:bodyPr vert="horz" lIns="91440" tIns="45720" rIns="91440" bIns="45720" rtlCol="0"/>
+          <a:lstStyle>
+            <a:lvl1pPr algn="l">
+              <a:defRPr sz="1200"/>
+            </a:lvl1pPr>
+          </a:lstStyle>
+          <a:p>
+            <a:endParaRPr lang="de-DE"/>
+          </a:p>
+        </p:txBody>
+      </p:sp>
+      <p:sp>
+        <p:nvSpPr>
+          <p:cNvPr id="3" name="Datumsplatzhalter 2"/>
+          <p:cNvSpPr>
+            <a:spLocks noGrp="1"/>
+          </p:cNvSpPr>
+          <p:nvPr>
+            <p:ph type="dt" idx="1"/>
+          </p:nvPr>
+        </p:nvSpPr>
+        <p:spPr>
+          <a:xfrm>
+            <a:off x="3849688" y="0"/>
+            <a:ext cx="2946400" cy="496888"/>
+          </a:xfrm>
+          <a:prstGeom prst="rect">
+            <a:avLst/>
+          </a:prstGeom>
+        </p:spPr>
+        <p:txBody>
+          <a:bodyPr vert="horz" lIns="91440" tIns="45720" rIns="91440" bIns="45720" rtlCol="0"/>
+          <a:lstStyle>
+            <a:lvl1pPr algn="r">
+              <a:defRPr sz="1200"/>
+            </a:lvl1pPr>
+          </a:lstStyle>
+          <a:p>
+            <a:fld id="{E59B349A-C721-4934-9DA3-4F19BB882D91}" type="datetimeFigureOut">
+              <a:rPr lang="de-DE" smtClean="0"/>
+              <a:t>17.03.2015</a:t>
+            </a:fld>
+            <a:endParaRPr lang="de-DE"/>
+          </a:p>
+        </p:txBody>
+      </p:sp>
+      <p:sp>
+        <p:nvSpPr>
+          <p:cNvPr id="4" name="Folienbildplatzhalter 3"/>
+          <p:cNvSpPr>
+            <a:spLocks noGrp="1" noRot="1" noChangeAspect="1"/>
+          </p:cNvSpPr>
+          <p:nvPr>
+            <p:ph type="sldImg" idx="2"/>
+          </p:nvPr>
+        </p:nvSpPr>
+        <p:spPr>
+          <a:xfrm>
+            <a:off x="917575" y="744538"/>
+            <a:ext cx="4962525" cy="3722687"/>
+          </a:xfrm>
+          <a:prstGeom prst="rect">
+            <a:avLst/>
+          </a:prstGeom>
+          <a:noFill/>
+          <a:ln w="12700">
+            <a:solidFill>
+              <a:prstClr val="black"/>
+            </a:solidFill>
+          </a:ln>
+        </p:spPr>
+        <p:txBody>
+          <a:bodyPr vert="horz" lIns="91440" tIns="45720" rIns="91440" bIns="45720" rtlCol="0" anchor="ctr"/>
+          <a:lstStyle/>
+          <a:p>
+            <a:endParaRPr lang="de-DE"/>
+          </a:p>
+        </p:txBody>
+      </p:sp>
+      <p:sp>
+        <p:nvSpPr>
+          <p:cNvPr id="5" name="Notizenplatzhalter 4"/>
+          <p:cNvSpPr>
+            <a:spLocks noGrp="1"/>
+          </p:cNvSpPr>
+          <p:nvPr>
+            <p:ph type="body" sz="quarter" idx="3"/>
+          </p:nvPr>
+        </p:nvSpPr>
+        <p:spPr>
+          <a:xfrm>
+            <a:off x="679450" y="4714875"/>
+            <a:ext cx="5438775" cy="4467225"/>
+          </a:xfrm>
+          <a:prstGeom prst="rect">
+            <a:avLst/>
+          </a:prstGeom>
+        </p:spPr>
+        <p:txBody>
+          <a:bodyPr vert="horz" lIns="91440" tIns="45720" rIns="91440" bIns="45720" rtlCol="0"/>
+          <a:lstStyle/>
+          <a:p>
+            <a:pPr lvl="0"/>
+            <a:r>
+              <a:rPr lang="de-DE" smtClean="0"/>
+              <a:t>Textmasterformat bearbeiten</a:t>
+            </a:r>
+          </a:p>
+          <a:p>
+            <a:pPr lvl="1"/>
+            <a:r>
+              <a:rPr lang="de-DE" smtClean="0"/>
+              <a:t>Zweite Ebene</a:t>
+            </a:r>
+          </a:p>
+          <a:p>
+            <a:pPr lvl="2"/>
+            <a:r>
+              <a:rPr lang="de-DE" smtClean="0"/>
+              <a:t>Dritte Ebene</a:t>
+            </a:r>
+          </a:p>
+          <a:p>
+            <a:pPr lvl="3"/>
+            <a:r>
+              <a:rPr lang="de-DE" smtClean="0"/>
+              <a:t>Vierte Ebene</a:t>
+            </a:r>
+          </a:p>
+          <a:p>
+            <a:pPr lvl="4"/>
+            <a:r>
+              <a:rPr lang="de-DE" smtClean="0"/>
+              <a:t>Fünfte Ebene</a:t>
+            </a:r>
+            <a:endParaRPr lang="de-DE"/>
+          </a:p>
+        </p:txBody>
+      </p:sp>
+      <p:sp>
+        <p:nvSpPr>
+          <p:cNvPr id="6" name="Fußzeilenplatzhalter 5"/>
+          <p:cNvSpPr>
+            <a:spLocks noGrp="1"/>
+          </p:cNvSpPr>
+          <p:nvPr>
+            <p:ph type="ftr" sz="quarter" idx="4"/>
+          </p:nvPr>
+        </p:nvSpPr>
+        <p:spPr>
+          <a:xfrm>
+            <a:off x="0" y="9428163"/>
+            <a:ext cx="2946400" cy="496887"/>
+          </a:xfrm>
+          <a:prstGeom prst="rect">
+            <a:avLst/>
+          </a:prstGeom>
+        </p:spPr>
+        <p:txBody>
+          <a:bodyPr vert="horz" lIns="91440" tIns="45720" rIns="91440" bIns="45720" rtlCol="0" anchor="b"/>
+          <a:lstStyle>
+            <a:lvl1pPr algn="l">
+              <a:defRPr sz="1200"/>
+            </a:lvl1pPr>
+          </a:lstStyle>
+          <a:p>
+            <a:endParaRPr lang="de-DE"/>
+          </a:p>
+        </p:txBody>
+      </p:sp>
+      <p:sp>
+        <p:nvSpPr>
+          <p:cNvPr id="7" name="Foliennummernplatzhalter 6"/>
+          <p:cNvSpPr>
+            <a:spLocks noGrp="1"/>
+          </p:cNvSpPr>
+          <p:nvPr>
+            <p:ph type="sldNum" sz="quarter" idx="5"/>
+          </p:nvPr>
+        </p:nvSpPr>
+        <p:spPr>
+          <a:xfrm>
+            <a:off x="3849688" y="9428163"/>
+            <a:ext cx="2946400" cy="496887"/>
+          </a:xfrm>
+          <a:prstGeom prst="rect">
+            <a:avLst/>
+          </a:prstGeom>
+        </p:spPr>
+        <p:txBody>
+          <a:bodyPr vert="horz" lIns="91440" tIns="45720" rIns="91440" bIns="45720" rtlCol="0" anchor="b"/>
+          <a:lstStyle>
+            <a:lvl1pPr algn="r">
+              <a:defRPr sz="1200"/>
+            </a:lvl1pPr>
+          </a:lstStyle>
+          <a:p>
+            <a:fld id="{79046BD4-571A-4C5F-8187-E5D74AC74527}" type="slidenum">
+              <a:rPr lang="de-DE" smtClean="0"/>
+              <a:t>‹Nr.›</a:t>
+            </a:fld>
+            <a:endParaRPr lang="de-DE"/>
+          </a:p>
+        </p:txBody>
+      </p:sp>
+    </p:spTree>
+    <p:extLst>
+      <p:ext uri="{BB962C8B-B14F-4D97-AF65-F5344CB8AC3E}">
+        <p14:creationId xmlns:p14="http://schemas.microsoft.com/office/powerpoint/2010/main" val="2005783783"/>
+      </p:ext>
+    </p:extLst>
+  </p:cSld>
+  <p:clrMap bg1="lt1" tx1="dk1" bg2="lt2" tx2="dk2" accent1="accent1" accent2="accent2" accent3="accent3" accent4="accent4" accent5="accent5" accent6="accent6" hlink="hlink" folHlink="folHlink"/>
+  <p:notesStyle>
+    <a:lvl1pPr marL="0" algn="l" defTabSz="914400" rtl="0" eaLnBrk="1" latinLnBrk="0" hangingPunct="1">
+      <a:defRPr sz="1200" kern="1200">
+        <a:solidFill>
+          <a:schemeClr val="tx1"/>
+        </a:solidFill>
+        <a:latin typeface="+mn-lt"/>
+        <a:ea typeface="+mn-ea"/>
+        <a:cs typeface="+mn-cs"/>
+      </a:defRPr>
+    </a:lvl1pPr>
+    <a:lvl2pPr marL="457200" algn="l" defTabSz="914400" rtl="0" eaLnBrk="1" latinLnBrk="0" hangingPunct="1">
+      <a:defRPr sz="1200" kern="1200">
+        <a:solidFill>
+          <a:schemeClr val="tx1"/>
+        </a:solidFill>
+        <a:latin typeface="+mn-lt"/>
+        <a:ea typeface="+mn-ea"/>
+        <a:cs typeface="+mn-cs"/>
+      </a:defRPr>
+    </a:lvl2pPr>
+    <a:lvl3pPr marL="914400" algn="l" defTabSz="914400" rtl="0" eaLnBrk="1" latinLnBrk="0" hangingPunct="1">
+      <a:defRPr sz="1200" kern="1200">
+        <a:solidFill>
+          <a:schemeClr val="tx1"/>
+        </a:solidFill>
+        <a:latin typeface="+mn-lt"/>
+        <a:ea typeface="+mn-ea"/>
+        <a:cs typeface="+mn-cs"/>
+      </a:defRPr>
+    </a:lvl3pPr>
+    <a:lvl4pPr marL="1371600" algn="l" defTabSz="914400" rtl="0" eaLnBrk="1" latinLnBrk="0" hangingPunct="1">
+      <a:defRPr sz="1200" kern="1200">
+        <a:solidFill>
+          <a:schemeClr val="tx1"/>
+        </a:solidFill>
+        <a:latin typeface="+mn-lt"/>
+        <a:ea typeface="+mn-ea"/>
+        <a:cs typeface="+mn-cs"/>
+      </a:defRPr>
+    </a:lvl4pPr>
+    <a:lvl5pPr marL="1828800" algn="l" defTabSz="914400" rtl="0" eaLnBrk="1" latinLnBrk="0" hangingPunct="1">
+      <a:defRPr sz="1200" kern="1200">
+        <a:solidFill>
+          <a:schemeClr val="tx1"/>
+        </a:solidFill>
+        <a:latin typeface="+mn-lt"/>
+        <a:ea typeface="+mn-ea"/>
+        <a:cs typeface="+mn-cs"/>
+      </a:defRPr>
+    </a:lvl5pPr>
+    <a:lvl6pPr marL="2286000" algn="l" defTabSz="914400" rtl="0" eaLnBrk="1" latinLnBrk="0" hangingPunct="1">
+      <a:defRPr sz="1200" kern="1200">
+        <a:solidFill>
+          <a:schemeClr val="tx1"/>
+        </a:solidFill>
+        <a:latin typeface="+mn-lt"/>
+        <a:ea typeface="+mn-ea"/>
+        <a:cs typeface="+mn-cs"/>
+      </a:defRPr>
+    </a:lvl6pPr>
+    <a:lvl7pPr marL="2743200" algn="l" defTabSz="914400" rtl="0" eaLnBrk="1" latinLnBrk="0" hangingPunct="1">
+      <a:defRPr sz="1200" kern="1200">
+        <a:solidFill>
+          <a:schemeClr val="tx1"/>
+        </a:solidFill>
+        <a:latin typeface="+mn-lt"/>
+        <a:ea typeface="+mn-ea"/>
+        <a:cs typeface="+mn-cs"/>
+      </a:defRPr>
+    </a:lvl7pPr>
+    <a:lvl8pPr marL="3200400" algn="l" defTabSz="914400" rtl="0" eaLnBrk="1" latinLnBrk="0" hangingPunct="1">
+      <a:defRPr sz="1200" kern="1200">
+        <a:solidFill>
+          <a:schemeClr val="tx1"/>
+        </a:solidFill>
+        <a:latin typeface="+mn-lt"/>
+        <a:ea typeface="+mn-ea"/>
+        <a:cs typeface="+mn-cs"/>
+      </a:defRPr>
+    </a:lvl8pPr>
+    <a:lvl9pPr marL="3657600" algn="l" defTabSz="914400" rtl="0" eaLnBrk="1" latinLnBrk="0" hangingPunct="1">
+      <a:defRPr sz="1200" kern="1200">
+        <a:solidFill>
+          <a:schemeClr val="tx1"/>
+        </a:solidFill>
+        <a:latin typeface="+mn-lt"/>
+        <a:ea typeface="+mn-ea"/>
+        <a:cs typeface="+mn-cs"/>
+      </a:defRPr>
+    </a:lvl9pPr>
+  </p:notesStyle>
+</p:notesMaster>
+</file>
+
+<file path=ppt/notesSlides/notesSlide1.xml><?xml version="1.0" encoding="utf-8"?>
+<p:notes xmlns:a="http://schemas.openxmlformats.org/drawingml/2006/main" xmlns:r="http://schemas.openxmlformats.org/officeDocument/2006/relationships" xmlns:p="http://schemas.openxmlformats.org/presentationml/2006/main">
+  <p:cSld>
+    <p:spTree>
+      <p:nvGrpSpPr>
+        <p:cNvPr id="1" name=""/>
+        <p:cNvGrpSpPr/>
+        <p:nvPr/>
+      </p:nvGrpSpPr>
+      <p:grpSpPr>
+        <a:xfrm>
+          <a:off x="0" y="0"/>
+          <a:ext cx="0" cy="0"/>
+          <a:chOff x="0" y="0"/>
+          <a:chExt cx="0" cy="0"/>
+        </a:xfrm>
+      </p:grpSpPr>
+      <p:sp>
+        <p:nvSpPr>
+          <p:cNvPr id="2" name="Folienbildplatzhalter 1"/>
+          <p:cNvSpPr>
+            <a:spLocks noGrp="1" noRot="1" noChangeAspect="1"/>
+          </p:cNvSpPr>
+          <p:nvPr>
+            <p:ph type="sldImg"/>
+          </p:nvPr>
+        </p:nvSpPr>
+        <p:spPr/>
+      </p:sp>
+      <p:sp>
+        <p:nvSpPr>
+          <p:cNvPr id="3" name="Notizenplatzhalter 2"/>
+          <p:cNvSpPr>
+            <a:spLocks noGrp="1"/>
+          </p:cNvSpPr>
+          <p:nvPr>
+            <p:ph type="body" idx="1"/>
+          </p:nvPr>
+        </p:nvSpPr>
+        <p:spPr/>
+        <p:txBody>
+          <a:bodyPr/>
+          <a:lstStyle/>
+          <a:p>
+            <a:endParaRPr lang="de-DE" dirty="0"/>
+          </a:p>
+        </p:txBody>
+      </p:sp>
+      <p:sp>
+        <p:nvSpPr>
+          <p:cNvPr id="4" name="Foliennummernplatzhalter 3"/>
+          <p:cNvSpPr>
+            <a:spLocks noGrp="1"/>
+          </p:cNvSpPr>
+          <p:nvPr>
+            <p:ph type="sldNum" sz="quarter" idx="10"/>
+          </p:nvPr>
+        </p:nvSpPr>
+        <p:spPr/>
+        <p:txBody>
+          <a:bodyPr/>
+          <a:lstStyle/>
+          <a:p>
+            <a:fld id="{E2310F1F-3D49-41D8-A938-C5163B68A510}" type="slidenum">
+              <a:rPr lang="de-DE" smtClean="0"/>
+              <a:t>4</a:t>
+            </a:fld>
+            <a:endParaRPr lang="de-DE"/>
+          </a:p>
+        </p:txBody>
+      </p:sp>
+    </p:spTree>
+    <p:extLst>
+      <p:ext uri="{BB962C8B-B14F-4D97-AF65-F5344CB8AC3E}">
+        <p14:creationId xmlns:p14="http://schemas.microsoft.com/office/powerpoint/2010/main" val="1650761550"/>
+      </p:ext>
+    </p:extLst>
+  </p:cSld>
+  <p:clrMapOvr>
+    <a:masterClrMapping/>
+  </p:clrMapOvr>
+</p:notes>
 </file>
 
 <file path=ppt/slideLayouts/slideLayout1.xml><?xml version="1.0" encoding="utf-8"?>
@@ -10586,15 +11025,15 @@
           <a:p>
             <a:r>
               <a:rPr lang="de-DE" dirty="0" err="1" smtClean="0"/>
+              <a:t>OpenSpeedMonitor</a:t>
+            </a:r>
+            <a:r>
+              <a:rPr lang="de-DE" dirty="0" smtClean="0"/>
+              <a:t> und </a:t>
+            </a:r>
+            <a:r>
+              <a:rPr lang="de-DE" dirty="0" err="1" smtClean="0"/>
               <a:t>WebPagetest</a:t>
-            </a:r>
-            <a:r>
-              <a:rPr lang="de-DE" dirty="0" smtClean="0"/>
-              <a:t> – Instanz </a:t>
-            </a:r>
-            <a:r>
-              <a:rPr lang="de-DE" dirty="0" err="1" smtClean="0"/>
-              <a:t>iteratec</a:t>
             </a:r>
             <a:endParaRPr lang="de-DE" dirty="0"/>
           </a:p>
@@ -10634,7 +11073,15 @@
           <a:bodyPr/>
           <a:lstStyle/>
           <a:p>
-            <a:endParaRPr lang="de-DE"/>
+            <a:r>
+              <a:rPr lang="de-DE" dirty="0" smtClean="0"/>
+              <a:t>Instanz </a:t>
+            </a:r>
+            <a:r>
+              <a:rPr lang="de-DE" dirty="0" err="1" smtClean="0"/>
+              <a:t>iteratec</a:t>
+            </a:r>
+            <a:endParaRPr lang="de-DE" dirty="0"/>
           </a:p>
         </p:txBody>
       </p:sp>
@@ -10693,7 +11140,7 @@
               <a:buNone/>
             </a:pPr>
             <a:r>
-              <a:rPr lang="de-DE" smtClean="0"/>
+              <a:rPr lang="de-DE" dirty="0" smtClean="0"/>
               <a:t>Optional: Präsentationstitel</a:t>
             </a:r>
             <a:endParaRPr lang="de-DE" dirty="0"/>
@@ -11037,7 +11484,9 @@
           </a:prstGeom>
           <a:ln w="25400" cmpd="sng">
             <a:solidFill>
-              <a:schemeClr val="tx1"/>
+              <a:schemeClr val="tx1">
+                <a:alpha val="12000"/>
+              </a:schemeClr>
             </a:solidFill>
             <a:tailEnd type="none"/>
           </a:ln>
@@ -11120,6 +11569,7 @@
           </p:nvPicPr>
           <p:blipFill>
             <a:blip r:embed="rId7" cstate="print">
+              <a:lum bright="70000" contrast="-70000"/>
               <a:extLst>
                 <a:ext uri="{28A0092B-C50C-407E-A947-70E740481C1C}">
                   <a14:useLocalDpi xmlns:a14="http://schemas.microsoft.com/office/drawing/2010/main" val="0"/>
@@ -11150,6 +11600,7 @@
           </p:nvPicPr>
           <p:blipFill>
             <a:blip r:embed="rId8" cstate="print">
+              <a:lum bright="70000" contrast="-70000"/>
               <a:extLst>
                 <a:ext uri="{28A0092B-C50C-407E-A947-70E740481C1C}">
                   <a14:useLocalDpi xmlns:a14="http://schemas.microsoft.com/office/drawing/2010/main" val="0"/>
@@ -11180,6 +11631,7 @@
           </p:nvPicPr>
           <p:blipFill>
             <a:blip r:embed="rId9" cstate="print">
+              <a:lum bright="70000" contrast="-70000"/>
               <a:extLst>
                 <a:ext uri="{28A0092B-C50C-407E-A947-70E740481C1C}">
                   <a14:useLocalDpi xmlns:a14="http://schemas.microsoft.com/office/drawing/2010/main" val="0"/>
@@ -11210,6 +11662,7 @@
           </p:nvPicPr>
           <p:blipFill>
             <a:blip r:embed="rId7" cstate="print">
+              <a:lum bright="70000" contrast="-70000"/>
               <a:extLst>
                 <a:ext uri="{28A0092B-C50C-407E-A947-70E740481C1C}">
                   <a14:useLocalDpi xmlns:a14="http://schemas.microsoft.com/office/drawing/2010/main" val="0"/>
@@ -11240,6 +11693,7 @@
           </p:nvPicPr>
           <p:blipFill>
             <a:blip r:embed="rId10" cstate="print">
+              <a:lum bright="70000" contrast="-70000"/>
               <a:extLst>
                 <a:ext uri="{28A0092B-C50C-407E-A947-70E740481C1C}">
                   <a14:useLocalDpi xmlns:a14="http://schemas.microsoft.com/office/drawing/2010/main" val="0"/>
@@ -11270,6 +11724,7 @@
           </p:nvPicPr>
           <p:blipFill>
             <a:blip r:embed="rId10" cstate="print">
+              <a:lum bright="70000" contrast="-70000"/>
               <a:extLst>
                 <a:ext uri="{28A0092B-C50C-407E-A947-70E740481C1C}">
                   <a14:useLocalDpi xmlns:a14="http://schemas.microsoft.com/office/drawing/2010/main" val="0"/>
@@ -11291,18 +11746,48 @@
           </p:spPr>
         </p:pic>
       </p:grpSp>
+      <p:pic>
+        <p:nvPicPr>
+          <p:cNvPr id="100" name="Grafik 99"/>
+          <p:cNvPicPr>
+            <a:picLocks noChangeAspect="1"/>
+          </p:cNvPicPr>
+          <p:nvPr/>
+        </p:nvPicPr>
+        <p:blipFill>
+          <a:blip r:embed="rId11" cstate="print">
+            <a:extLst>
+              <a:ext uri="{28A0092B-C50C-407E-A947-70E740481C1C}">
+                <a14:useLocalDpi xmlns:a14="http://schemas.microsoft.com/office/drawing/2010/main" val="0"/>
+              </a:ext>
+            </a:extLst>
+          </a:blip>
+          <a:stretch>
+            <a:fillRect/>
+          </a:stretch>
+        </p:blipFill>
+        <p:spPr>
+          <a:xfrm>
+            <a:off x="6009613" y="4198297"/>
+            <a:ext cx="494541" cy="504042"/>
+          </a:xfrm>
+          <a:prstGeom prst="rect">
+            <a:avLst/>
+          </a:prstGeom>
+        </p:spPr>
+      </p:pic>
       <p:grpSp>
         <p:nvGrpSpPr>
-          <p:cNvPr id="98" name="Gruppieren 97"/>
+          <p:cNvPr id="15" name="Gruppieren 14"/>
           <p:cNvGrpSpPr/>
           <p:nvPr/>
         </p:nvGrpSpPr>
         <p:grpSpPr>
           <a:xfrm>
             <a:off x="5887999" y="3780397"/>
-            <a:ext cx="1169548" cy="921942"/>
-            <a:chOff x="12551189" y="15459369"/>
-            <a:chExt cx="2764750" cy="1949667"/>
+            <a:ext cx="1163614" cy="414443"/>
+            <a:chOff x="5887999" y="3780397"/>
+            <a:chExt cx="1163614" cy="414443"/>
           </a:xfrm>
         </p:grpSpPr>
         <p:pic>
@@ -11315,6 +11800,7 @@
           </p:nvPicPr>
           <p:blipFill>
             <a:blip r:embed="rId7" cstate="print">
+              <a:lum bright="70000" contrast="-70000"/>
               <a:extLst>
                 <a:ext uri="{28A0092B-C50C-407E-A947-70E740481C1C}">
                   <a14:useLocalDpi xmlns:a14="http://schemas.microsoft.com/office/drawing/2010/main" val="0"/>
@@ -11327,38 +11813,8 @@
           </p:blipFill>
           <p:spPr>
             <a:xfrm>
-              <a:off x="13861752" y="15524489"/>
-              <a:ext cx="1440160" cy="746197"/>
-            </a:xfrm>
-            <a:prstGeom prst="rect">
-              <a:avLst/>
-            </a:prstGeom>
-          </p:spPr>
-        </p:pic>
-        <p:pic>
-          <p:nvPicPr>
-            <p:cNvPr id="100" name="Grafik 99"/>
-            <p:cNvPicPr>
-              <a:picLocks noChangeAspect="1"/>
-            </p:cNvPicPr>
-            <p:nvPr/>
-          </p:nvPicPr>
-          <p:blipFill>
-            <a:blip r:embed="rId11" cstate="print">
-              <a:extLst>
-                <a:ext uri="{28A0092B-C50C-407E-A947-70E740481C1C}">
-                  <a14:useLocalDpi xmlns:a14="http://schemas.microsoft.com/office/drawing/2010/main" val="0"/>
-                </a:ext>
-              </a:extLst>
-            </a:blip>
-            <a:stretch>
-              <a:fillRect/>
-            </a:stretch>
-          </p:blipFill>
-          <p:spPr>
-            <a:xfrm>
-              <a:off x="12838678" y="16343119"/>
-              <a:ext cx="1169070" cy="1065917"/>
+              <a:off x="6442395" y="3811190"/>
+              <a:ext cx="609218" cy="352855"/>
             </a:xfrm>
             <a:prstGeom prst="rect">
               <a:avLst/>
@@ -11375,6 +11831,7 @@
           </p:nvPicPr>
           <p:blipFill>
             <a:blip r:embed="rId12" cstate="print">
+              <a:lum bright="70000" contrast="-70000"/>
               <a:extLst>
                 <a:ext uri="{28A0092B-C50C-407E-A947-70E740481C1C}">
                   <a14:useLocalDpi xmlns:a14="http://schemas.microsoft.com/office/drawing/2010/main" val="0"/>
@@ -11387,98 +11844,8 @@
           </p:blipFill>
           <p:spPr>
             <a:xfrm>
-              <a:off x="12551189" y="15459369"/>
-              <a:ext cx="1253982" cy="876439"/>
-            </a:xfrm>
-            <a:prstGeom prst="rect">
-              <a:avLst/>
-            </a:prstGeom>
-          </p:spPr>
-        </p:pic>
-        <p:pic>
-          <p:nvPicPr>
-            <p:cNvPr id="102" name="Grafik 101"/>
-            <p:cNvPicPr>
-              <a:picLocks noChangeAspect="1"/>
-            </p:cNvPicPr>
-            <p:nvPr/>
-          </p:nvPicPr>
-          <p:blipFill>
-            <a:blip r:embed="rId7" cstate="print">
-              <a:extLst>
-                <a:ext uri="{28A0092B-C50C-407E-A947-70E740481C1C}">
-                  <a14:useLocalDpi xmlns:a14="http://schemas.microsoft.com/office/drawing/2010/main" val="0"/>
-                </a:ext>
-              </a:extLst>
-            </a:blip>
-            <a:stretch>
-              <a:fillRect/>
-            </a:stretch>
-          </p:blipFill>
-          <p:spPr>
-            <a:xfrm>
-              <a:off x="13875779" y="16533027"/>
-              <a:ext cx="1440160" cy="746197"/>
-            </a:xfrm>
-            <a:prstGeom prst="rect">
-              <a:avLst/>
-            </a:prstGeom>
-          </p:spPr>
-        </p:pic>
-        <p:pic>
-          <p:nvPicPr>
-            <p:cNvPr id="103" name="Grafik 102"/>
-            <p:cNvPicPr>
-              <a:picLocks noChangeAspect="1"/>
-            </p:cNvPicPr>
-            <p:nvPr/>
-          </p:nvPicPr>
-          <p:blipFill>
-            <a:blip r:embed="rId13" cstate="print">
-              <a:extLst>
-                <a:ext uri="{28A0092B-C50C-407E-A947-70E740481C1C}">
-                  <a14:useLocalDpi xmlns:a14="http://schemas.microsoft.com/office/drawing/2010/main" val="0"/>
-                </a:ext>
-              </a:extLst>
-            </a:blip>
-            <a:stretch>
-              <a:fillRect/>
-            </a:stretch>
-          </p:blipFill>
-          <p:spPr>
-            <a:xfrm>
-              <a:off x="13287236" y="16592667"/>
-              <a:ext cx="252000" cy="252000"/>
-            </a:xfrm>
-            <a:prstGeom prst="rect">
-              <a:avLst/>
-            </a:prstGeom>
-          </p:spPr>
-        </p:pic>
-        <p:pic>
-          <p:nvPicPr>
-            <p:cNvPr id="104" name="Grafik 103"/>
-            <p:cNvPicPr>
-              <a:picLocks noChangeAspect="1"/>
-            </p:cNvPicPr>
-            <p:nvPr/>
-          </p:nvPicPr>
-          <p:blipFill>
-            <a:blip r:embed="rId13" cstate="print">
-              <a:extLst>
-                <a:ext uri="{28A0092B-C50C-407E-A947-70E740481C1C}">
-                  <a14:useLocalDpi xmlns:a14="http://schemas.microsoft.com/office/drawing/2010/main" val="0"/>
-                </a:ext>
-              </a:extLst>
-            </a:blip>
-            <a:stretch>
-              <a:fillRect/>
-            </a:stretch>
-          </p:blipFill>
-          <p:spPr>
-            <a:xfrm>
-              <a:off x="12807472" y="15639985"/>
-              <a:ext cx="252000" cy="252000"/>
+              <a:off x="5887999" y="3780397"/>
+              <a:ext cx="530461" cy="414443"/>
             </a:xfrm>
             <a:prstGeom prst="rect">
               <a:avLst/>
@@ -11486,6 +11853,97 @@
           </p:spPr>
         </p:pic>
       </p:grpSp>
+      <p:pic>
+        <p:nvPicPr>
+          <p:cNvPr id="102" name="Grafik 101"/>
+          <p:cNvPicPr>
+            <a:picLocks noChangeAspect="1"/>
+          </p:cNvPicPr>
+          <p:nvPr/>
+        </p:nvPicPr>
+        <p:blipFill>
+          <a:blip r:embed="rId7" cstate="print">
+            <a:extLst>
+              <a:ext uri="{28A0092B-C50C-407E-A947-70E740481C1C}">
+                <a14:useLocalDpi xmlns:a14="http://schemas.microsoft.com/office/drawing/2010/main" val="0"/>
+              </a:ext>
+            </a:extLst>
+          </a:blip>
+          <a:stretch>
+            <a:fillRect/>
+          </a:stretch>
+        </p:blipFill>
+        <p:spPr>
+          <a:xfrm>
+            <a:off x="6448329" y="4288099"/>
+            <a:ext cx="609218" cy="352855"/>
+          </a:xfrm>
+          <a:prstGeom prst="rect">
+            <a:avLst/>
+          </a:prstGeom>
+        </p:spPr>
+      </p:pic>
+      <p:pic>
+        <p:nvPicPr>
+          <p:cNvPr id="103" name="Grafik 102"/>
+          <p:cNvPicPr>
+            <a:picLocks noChangeAspect="1"/>
+          </p:cNvPicPr>
+          <p:nvPr/>
+        </p:nvPicPr>
+        <p:blipFill>
+          <a:blip r:embed="rId13" cstate="print">
+            <a:extLst>
+              <a:ext uri="{28A0092B-C50C-407E-A947-70E740481C1C}">
+                <a14:useLocalDpi xmlns:a14="http://schemas.microsoft.com/office/drawing/2010/main" val="0"/>
+              </a:ext>
+            </a:extLst>
+          </a:blip>
+          <a:stretch>
+            <a:fillRect/>
+          </a:stretch>
+        </p:blipFill>
+        <p:spPr>
+          <a:xfrm>
+            <a:off x="6199363" y="4316301"/>
+            <a:ext cx="106601" cy="119164"/>
+          </a:xfrm>
+          <a:prstGeom prst="rect">
+            <a:avLst/>
+          </a:prstGeom>
+        </p:spPr>
+      </p:pic>
+      <p:pic>
+        <p:nvPicPr>
+          <p:cNvPr id="104" name="Grafik 103"/>
+          <p:cNvPicPr>
+            <a:picLocks noChangeAspect="1"/>
+          </p:cNvPicPr>
+          <p:nvPr/>
+        </p:nvPicPr>
+        <p:blipFill>
+          <a:blip r:embed="rId13" cstate="print">
+            <a:lum bright="70000" contrast="-70000"/>
+            <a:extLst>
+              <a:ext uri="{28A0092B-C50C-407E-A947-70E740481C1C}">
+                <a14:useLocalDpi xmlns:a14="http://schemas.microsoft.com/office/drawing/2010/main" val="0"/>
+              </a:ext>
+            </a:extLst>
+          </a:blip>
+          <a:stretch>
+            <a:fillRect/>
+          </a:stretch>
+        </p:blipFill>
+        <p:spPr>
+          <a:xfrm>
+            <a:off x="5996412" y="3865805"/>
+            <a:ext cx="106601" cy="119164"/>
+          </a:xfrm>
+          <a:prstGeom prst="rect">
+            <a:avLst/>
+          </a:prstGeom>
+        </p:spPr>
+      </p:pic>
       <p:grpSp>
         <p:nvGrpSpPr>
           <p:cNvPr id="108" name="Gruppieren 107"/>
@@ -11719,14 +12177,14 @@
         </p:nvSpPr>
         <p:spPr>
           <a:xfrm>
-            <a:off x="7267637" y="3693915"/>
-            <a:ext cx="472715" cy="325348"/>
+            <a:off x="7177540" y="3643777"/>
+            <a:ext cx="537993" cy="425624"/>
           </a:xfrm>
           <a:prstGeom prst="rightArrow">
             <a:avLst/>
           </a:prstGeom>
           <a:solidFill>
-            <a:schemeClr val="accent3"/>
+            <a:schemeClr val="tx2"/>
           </a:solidFill>
           <a:ln>
             <a:noFill/>
@@ -11841,7 +12299,7 @@
         </p:nvGrpSpPr>
         <p:grpSpPr>
           <a:xfrm>
-            <a:off x="1259632" y="4149080"/>
+            <a:off x="427788" y="4253137"/>
             <a:ext cx="2952328" cy="2056183"/>
             <a:chOff x="1187624" y="3753061"/>
             <a:chExt cx="2952328" cy="2056183"/>
@@ -12001,7 +12459,7 @@
         </p:nvGrpSpPr>
         <p:grpSpPr>
           <a:xfrm>
-            <a:off x="395536" y="1556792"/>
+            <a:off x="395536" y="1412776"/>
             <a:ext cx="3312368" cy="2027442"/>
             <a:chOff x="179512" y="1294405"/>
             <a:chExt cx="3312368" cy="2027442"/>
@@ -12313,8 +12771,366 @@
                   <a:schemeClr val="tx2"/>
                 </a:solidFill>
               </a:rPr>
-              <a:t>WEBANWENDUNG</a:t>
-            </a:r>
+              <a:t>WEBANWENDUNGEN</a:t>
+            </a:r>
+            <a:endParaRPr lang="de-DE" sz="1200" b="1" dirty="0" smtClean="0">
+              <a:solidFill>
+                <a:schemeClr val="tx2"/>
+              </a:solidFill>
+            </a:endParaRPr>
+          </a:p>
+        </p:txBody>
+      </p:sp>
+      <p:sp>
+        <p:nvSpPr>
+          <p:cNvPr id="11" name="Pfeil nach links 10"/>
+          <p:cNvSpPr/>
+          <p:nvPr/>
+        </p:nvSpPr>
+        <p:spPr>
+          <a:xfrm>
+            <a:off x="3230352" y="5008915"/>
+            <a:ext cx="1394028" cy="444990"/>
+          </a:xfrm>
+          <a:prstGeom prst="leftArrow">
+            <a:avLst/>
+          </a:prstGeom>
+          <a:solidFill>
+            <a:schemeClr val="tx2"/>
+          </a:solidFill>
+          <a:ln>
+            <a:noFill/>
+          </a:ln>
+        </p:spPr>
+        <p:style>
+          <a:lnRef idx="2">
+            <a:schemeClr val="accent1">
+              <a:shade val="50000"/>
+            </a:schemeClr>
+          </a:lnRef>
+          <a:fillRef idx="1">
+            <a:schemeClr val="accent1"/>
+          </a:fillRef>
+          <a:effectRef idx="0">
+            <a:schemeClr val="accent1"/>
+          </a:effectRef>
+          <a:fontRef idx="minor">
+            <a:schemeClr val="lt1"/>
+          </a:fontRef>
+        </p:style>
+        <p:txBody>
+          <a:bodyPr lIns="72000" rIns="72000" rtlCol="0" anchor="ctr"/>
+          <a:lstStyle/>
+          <a:p>
+            <a:pPr algn="ctr"/>
+            <a:endParaRPr lang="de-DE" sz="1600" dirty="0" smtClean="0">
+              <a:solidFill>
+                <a:schemeClr val="tx1"/>
+              </a:solidFill>
+            </a:endParaRPr>
+          </a:p>
+        </p:txBody>
+      </p:sp>
+      <p:sp>
+        <p:nvSpPr>
+          <p:cNvPr id="12" name="Textfeld 11"/>
+          <p:cNvSpPr txBox="1"/>
+          <p:nvPr/>
+        </p:nvSpPr>
+        <p:spPr>
+          <a:xfrm>
+            <a:off x="3569636" y="4837818"/>
+            <a:ext cx="1008112" cy="332626"/>
+          </a:xfrm>
+          <a:prstGeom prst="rect">
+            <a:avLst/>
+          </a:prstGeom>
+        </p:spPr>
+        <p:txBody>
+          <a:bodyPr vert="horz" wrap="none" lIns="0" tIns="0" rIns="0" bIns="0" rtlCol="0">
+            <a:noAutofit/>
+          </a:bodyPr>
+          <a:lstStyle/>
+          <a:p>
+            <a:pPr algn="r">
+              <a:lnSpc>
+                <a:spcPct val="110000"/>
+              </a:lnSpc>
+              <a:spcBef>
+                <a:spcPts val="800"/>
+              </a:spcBef>
+              <a:buClr>
+                <a:schemeClr val="tx2"/>
+              </a:buClr>
+              <a:buSzPct val="80000"/>
+            </a:pPr>
+            <a:r>
+              <a:rPr lang="de-DE" sz="1200" b="1" dirty="0" err="1" smtClean="0"/>
+              <a:t>getwork.php</a:t>
+            </a:r>
+            <a:endParaRPr lang="de-DE" sz="1200" b="1" dirty="0" smtClean="0"/>
+          </a:p>
+        </p:txBody>
+      </p:sp>
+      <p:sp>
+        <p:nvSpPr>
+          <p:cNvPr id="66" name="Textfeld 65"/>
+          <p:cNvSpPr txBox="1"/>
+          <p:nvPr/>
+        </p:nvSpPr>
+        <p:spPr>
+          <a:xfrm>
+            <a:off x="3569636" y="5400630"/>
+            <a:ext cx="1008112" cy="332626"/>
+          </a:xfrm>
+          <a:prstGeom prst="rect">
+            <a:avLst/>
+          </a:prstGeom>
+        </p:spPr>
+        <p:txBody>
+          <a:bodyPr vert="horz" wrap="none" lIns="0" tIns="0" rIns="0" bIns="0" rtlCol="0">
+            <a:noAutofit/>
+          </a:bodyPr>
+          <a:lstStyle/>
+          <a:p>
+            <a:pPr algn="r">
+              <a:lnSpc>
+                <a:spcPct val="110000"/>
+              </a:lnSpc>
+              <a:spcBef>
+                <a:spcPts val="800"/>
+              </a:spcBef>
+              <a:buClr>
+                <a:schemeClr val="tx2"/>
+              </a:buClr>
+              <a:buSzPct val="80000"/>
+            </a:pPr>
+            <a:r>
+              <a:rPr lang="de-DE" sz="1200" b="1" dirty="0" err="1" smtClean="0"/>
+              <a:t>workdone.php</a:t>
+            </a:r>
+            <a:endParaRPr lang="de-DE" sz="1200" b="1" dirty="0" smtClean="0"/>
+          </a:p>
+        </p:txBody>
+      </p:sp>
+      <p:sp>
+        <p:nvSpPr>
+          <p:cNvPr id="67" name="Textfeld 66"/>
+          <p:cNvSpPr txBox="1"/>
+          <p:nvPr/>
+        </p:nvSpPr>
+        <p:spPr>
+          <a:xfrm>
+            <a:off x="782080" y="3568178"/>
+            <a:ext cx="1008112" cy="332626"/>
+          </a:xfrm>
+          <a:prstGeom prst="rect">
+            <a:avLst/>
+          </a:prstGeom>
+        </p:spPr>
+        <p:txBody>
+          <a:bodyPr vert="horz" wrap="none" lIns="0" tIns="0" rIns="0" bIns="0" rtlCol="0">
+            <a:noAutofit/>
+          </a:bodyPr>
+          <a:lstStyle/>
+          <a:p>
+            <a:pPr algn="r">
+              <a:lnSpc>
+                <a:spcPct val="110000"/>
+              </a:lnSpc>
+              <a:spcBef>
+                <a:spcPts val="800"/>
+              </a:spcBef>
+              <a:buClr>
+                <a:schemeClr val="tx2"/>
+              </a:buClr>
+              <a:buSzPct val="80000"/>
+            </a:pPr>
+            <a:r>
+              <a:rPr lang="de-DE" sz="1200" b="1" dirty="0" err="1" smtClean="0"/>
+              <a:t>runtest.php</a:t>
+            </a:r>
+            <a:endParaRPr lang="de-DE" sz="1200" b="1" dirty="0" smtClean="0"/>
+          </a:p>
+        </p:txBody>
+      </p:sp>
+      <p:sp>
+        <p:nvSpPr>
+          <p:cNvPr id="68" name="Textfeld 67"/>
+          <p:cNvSpPr txBox="1"/>
+          <p:nvPr/>
+        </p:nvSpPr>
+        <p:spPr>
+          <a:xfrm>
+            <a:off x="2189988" y="3573016"/>
+            <a:ext cx="1008112" cy="332626"/>
+          </a:xfrm>
+          <a:prstGeom prst="rect">
+            <a:avLst/>
+          </a:prstGeom>
+        </p:spPr>
+        <p:txBody>
+          <a:bodyPr vert="horz" wrap="none" lIns="0" tIns="0" rIns="0" bIns="0" rtlCol="0">
+            <a:noAutofit/>
+          </a:bodyPr>
+          <a:lstStyle/>
+          <a:p>
+            <a:pPr algn="r">
+              <a:lnSpc>
+                <a:spcPct val="110000"/>
+              </a:lnSpc>
+              <a:spcBef>
+                <a:spcPts val="800"/>
+              </a:spcBef>
+              <a:buClr>
+                <a:schemeClr val="tx2"/>
+              </a:buClr>
+              <a:buSzPct val="80000"/>
+            </a:pPr>
+            <a:r>
+              <a:rPr lang="de-DE" sz="1200" b="1" dirty="0" err="1" smtClean="0"/>
+              <a:t>xmlResult.php</a:t>
+            </a:r>
+            <a:endParaRPr lang="de-DE" sz="1200" b="1" dirty="0" smtClean="0"/>
+          </a:p>
+        </p:txBody>
+      </p:sp>
+      <p:sp>
+        <p:nvSpPr>
+          <p:cNvPr id="69" name="Pfeil nach links 68"/>
+          <p:cNvSpPr/>
+          <p:nvPr/>
+        </p:nvSpPr>
+        <p:spPr>
+          <a:xfrm rot="16200000">
+            <a:off x="1514828" y="3589881"/>
+            <a:ext cx="910768" cy="444990"/>
+          </a:xfrm>
+          <a:prstGeom prst="leftArrow">
+            <a:avLst>
+              <a:gd name="adj1" fmla="val 50000"/>
+              <a:gd name="adj2" fmla="val 79781"/>
+            </a:avLst>
+          </a:prstGeom>
+          <a:solidFill>
+            <a:schemeClr val="tx2"/>
+          </a:solidFill>
+          <a:ln>
+            <a:noFill/>
+          </a:ln>
+        </p:spPr>
+        <p:style>
+          <a:lnRef idx="2">
+            <a:schemeClr val="accent1">
+              <a:shade val="50000"/>
+            </a:schemeClr>
+          </a:lnRef>
+          <a:fillRef idx="1">
+            <a:schemeClr val="accent1"/>
+          </a:fillRef>
+          <a:effectRef idx="0">
+            <a:schemeClr val="accent1"/>
+          </a:effectRef>
+          <a:fontRef idx="minor">
+            <a:schemeClr val="lt1"/>
+          </a:fontRef>
+        </p:style>
+        <p:txBody>
+          <a:bodyPr lIns="72000" rIns="72000" rtlCol="0" anchor="ctr"/>
+          <a:lstStyle/>
+          <a:p>
+            <a:pPr algn="ctr"/>
+            <a:endParaRPr lang="de-DE" sz="1600" dirty="0" smtClean="0">
+              <a:solidFill>
+                <a:schemeClr val="tx1"/>
+              </a:solidFill>
+            </a:endParaRPr>
+          </a:p>
+        </p:txBody>
+      </p:sp>
+      <p:sp>
+        <p:nvSpPr>
+          <p:cNvPr id="13" name="Textfeld 12"/>
+          <p:cNvSpPr txBox="1"/>
+          <p:nvPr/>
+        </p:nvSpPr>
+        <p:spPr>
+          <a:xfrm>
+            <a:off x="4781818" y="1772816"/>
+            <a:ext cx="536664" cy="503846"/>
+          </a:xfrm>
+          <a:prstGeom prst="rect">
+            <a:avLst/>
+          </a:prstGeom>
+        </p:spPr>
+        <p:txBody>
+          <a:bodyPr vert="horz" wrap="none" lIns="0" tIns="0" rIns="0" bIns="0" rtlCol="0">
+            <a:noAutofit/>
+          </a:bodyPr>
+          <a:lstStyle/>
+          <a:p>
+            <a:pPr>
+              <a:lnSpc>
+                <a:spcPct val="110000"/>
+              </a:lnSpc>
+              <a:spcBef>
+                <a:spcPts val="800"/>
+              </a:spcBef>
+              <a:buClr>
+                <a:schemeClr val="tx2"/>
+              </a:buClr>
+              <a:buSzPct val="80000"/>
+            </a:pPr>
+            <a:r>
+              <a:rPr lang="de-DE" sz="2800" b="1" dirty="0" smtClean="0"/>
+              <a:t>2x</a:t>
+            </a:r>
+            <a:endParaRPr lang="de-DE" sz="2800" b="1" dirty="0" smtClean="0"/>
+          </a:p>
+        </p:txBody>
+      </p:sp>
+      <p:sp>
+        <p:nvSpPr>
+          <p:cNvPr id="71" name="Textfeld 70"/>
+          <p:cNvSpPr txBox="1"/>
+          <p:nvPr/>
+        </p:nvSpPr>
+        <p:spPr>
+          <a:xfrm>
+            <a:off x="4839276" y="4609388"/>
+            <a:ext cx="1343516" cy="337340"/>
+          </a:xfrm>
+          <a:prstGeom prst="rect">
+            <a:avLst/>
+          </a:prstGeom>
+        </p:spPr>
+        <p:txBody>
+          <a:bodyPr vert="horz" wrap="none" lIns="0" tIns="0" rIns="0" bIns="0" rtlCol="0">
+            <a:noAutofit/>
+          </a:bodyPr>
+          <a:lstStyle/>
+          <a:p>
+            <a:pPr>
+              <a:lnSpc>
+                <a:spcPct val="110000"/>
+              </a:lnSpc>
+              <a:spcBef>
+                <a:spcPts val="800"/>
+              </a:spcBef>
+              <a:buClr>
+                <a:schemeClr val="tx2"/>
+              </a:buClr>
+              <a:buSzPct val="80000"/>
+            </a:pPr>
+            <a:r>
+              <a:rPr lang="de-DE" sz="2000" b="1" dirty="0" smtClean="0"/>
+              <a:t>1</a:t>
+            </a:r>
+            <a:r>
+              <a:rPr lang="de-DE" sz="2000" b="1" dirty="0" smtClean="0"/>
+              <a:t>x Nexus5</a:t>
+            </a:r>
+            <a:endParaRPr lang="de-DE" sz="2000" b="1" dirty="0" smtClean="0"/>
           </a:p>
         </p:txBody>
       </p:sp>
@@ -12322,6 +13138,5434 @@
     <p:extLst>
       <p:ext uri="{BB962C8B-B14F-4D97-AF65-F5344CB8AC3E}">
         <p14:creationId xmlns:p14="http://schemas.microsoft.com/office/powerpoint/2010/main" val="1088450606"/>
+      </p:ext>
+    </p:extLst>
+  </p:cSld>
+  <p:clrMapOvr>
+    <a:masterClrMapping/>
+  </p:clrMapOvr>
+  <mc:AlternateContent xmlns:mc="http://schemas.openxmlformats.org/markup-compatibility/2006" xmlns:p14="http://schemas.microsoft.com/office/powerpoint/2010/main">
+    <mc:Choice Requires="p14">
+      <p:transition spd="med" p14:dur="700">
+        <p:fade/>
+      </p:transition>
+    </mc:Choice>
+    <mc:Fallback xmlns="">
+      <p:transition spd="med">
+        <p:fade/>
+      </p:transition>
+    </mc:Fallback>
+  </mc:AlternateContent>
+  <p:timing>
+    <p:tnLst>
+      <p:par>
+        <p:cTn id="1" dur="indefinite" restart="never" nodeType="tmRoot"/>
+      </p:par>
+    </p:tnLst>
+  </p:timing>
+</p:sld>
+</file>
+
+<file path=ppt/slides/slide4.xml><?xml version="1.0" encoding="utf-8"?>
+<p:sld xmlns:a="http://schemas.openxmlformats.org/drawingml/2006/main" xmlns:r="http://schemas.openxmlformats.org/officeDocument/2006/relationships" xmlns:p="http://schemas.openxmlformats.org/presentationml/2006/main">
+  <p:cSld>
+    <p:spTree>
+      <p:nvGrpSpPr>
+        <p:cNvPr id="1" name=""/>
+        <p:cNvGrpSpPr/>
+        <p:nvPr/>
+      </p:nvGrpSpPr>
+      <p:grpSpPr>
+        <a:xfrm>
+          <a:off x="0" y="0"/>
+          <a:ext cx="0" cy="0"/>
+          <a:chOff x="0" y="0"/>
+          <a:chExt cx="0" cy="0"/>
+        </a:xfrm>
+      </p:grpSpPr>
+      <p:sp>
+        <p:nvSpPr>
+          <p:cNvPr id="2" name="Inhaltsplatzhalter 1"/>
+          <p:cNvSpPr>
+            <a:spLocks noGrp="1"/>
+          </p:cNvSpPr>
+          <p:nvPr>
+            <p:ph idx="1"/>
+          </p:nvPr>
+        </p:nvSpPr>
+        <p:spPr>
+          <a:xfrm>
+            <a:off x="249735" y="1063369"/>
+            <a:ext cx="8640762" cy="863873"/>
+          </a:xfrm>
+        </p:spPr>
+        <p:txBody>
+          <a:bodyPr/>
+          <a:lstStyle/>
+          <a:p>
+            <a:r>
+              <a:rPr lang="de-DE" dirty="0" smtClean="0"/>
+              <a:t>Grundidee: </a:t>
+            </a:r>
+            <a:endParaRPr lang="de-DE" dirty="0"/>
+          </a:p>
+          <a:p>
+            <a:pPr lvl="1"/>
+            <a:r>
+              <a:rPr lang="de-DE" dirty="0" smtClean="0"/>
+              <a:t>Bilder die initial sichtbar sind sollten direkt geladen werden </a:t>
+            </a:r>
+          </a:p>
+          <a:p>
+            <a:pPr lvl="1"/>
+            <a:r>
+              <a:rPr lang="de-DE" dirty="0" err="1"/>
+              <a:t>A</a:t>
+            </a:r>
+            <a:r>
+              <a:rPr lang="de-DE" dirty="0" err="1" smtClean="0"/>
+              <a:t>alle</a:t>
+            </a:r>
+            <a:r>
+              <a:rPr lang="de-DE" dirty="0" smtClean="0"/>
+              <a:t> anderen Bilder werden erst anschließend nachgeladen.</a:t>
+            </a:r>
+            <a:endParaRPr lang="de-DE" dirty="0"/>
+          </a:p>
+        </p:txBody>
+      </p:sp>
+      <p:sp>
+        <p:nvSpPr>
+          <p:cNvPr id="3" name="Titel 2"/>
+          <p:cNvSpPr>
+            <a:spLocks noGrp="1"/>
+          </p:cNvSpPr>
+          <p:nvPr>
+            <p:ph type="title"/>
+          </p:nvPr>
+        </p:nvSpPr>
+        <p:spPr/>
+        <p:txBody>
+          <a:bodyPr/>
+          <a:lstStyle/>
+          <a:p>
+            <a:r>
+              <a:rPr lang="de-DE" dirty="0" smtClean="0"/>
+              <a:t>Performance-Optimierung</a:t>
+            </a:r>
+            <a:endParaRPr lang="de-DE" dirty="0"/>
+          </a:p>
+        </p:txBody>
+      </p:sp>
+      <p:sp>
+        <p:nvSpPr>
+          <p:cNvPr id="4" name="Textplatzhalter 3"/>
+          <p:cNvSpPr>
+            <a:spLocks noGrp="1"/>
+          </p:cNvSpPr>
+          <p:nvPr>
+            <p:ph type="body" sz="quarter" idx="14"/>
+          </p:nvPr>
+        </p:nvSpPr>
+        <p:spPr>
+          <a:xfrm>
+            <a:off x="16906774" y="188913"/>
+            <a:ext cx="842690" cy="342900"/>
+          </a:xfrm>
+        </p:spPr>
+        <p:txBody>
+          <a:bodyPr/>
+          <a:lstStyle/>
+          <a:p>
+            <a:endParaRPr lang="de-DE" dirty="0"/>
+          </a:p>
+        </p:txBody>
+      </p:sp>
+      <p:sp>
+        <p:nvSpPr>
+          <p:cNvPr id="5" name="Textplatzhalter 4"/>
+          <p:cNvSpPr>
+            <a:spLocks noGrp="1"/>
+          </p:cNvSpPr>
+          <p:nvPr>
+            <p:ph type="body" sz="quarter" idx="13"/>
+          </p:nvPr>
+        </p:nvSpPr>
+        <p:spPr/>
+        <p:txBody>
+          <a:bodyPr/>
+          <a:lstStyle/>
+          <a:p>
+            <a:r>
+              <a:rPr lang="de-DE" dirty="0" smtClean="0"/>
+              <a:t>Nur </a:t>
+            </a:r>
+            <a:r>
+              <a:rPr lang="de-DE" dirty="0" err="1" smtClean="0"/>
+              <a:t>above</a:t>
+            </a:r>
+            <a:r>
+              <a:rPr lang="de-DE" dirty="0" smtClean="0"/>
+              <a:t> </a:t>
+            </a:r>
+            <a:r>
+              <a:rPr lang="de-DE" dirty="0" err="1" smtClean="0"/>
+              <a:t>the</a:t>
+            </a:r>
+            <a:r>
+              <a:rPr lang="de-DE" dirty="0" smtClean="0"/>
+              <a:t> </a:t>
+            </a:r>
+            <a:r>
+              <a:rPr lang="de-DE" dirty="0" err="1"/>
+              <a:t>fold</a:t>
+            </a:r>
+            <a:r>
+              <a:rPr lang="de-DE" dirty="0"/>
+              <a:t> </a:t>
+            </a:r>
+            <a:r>
+              <a:rPr lang="de-DE" dirty="0" err="1" smtClean="0"/>
+              <a:t>images</a:t>
+            </a:r>
+            <a:r>
+              <a:rPr lang="de-DE" dirty="0" smtClean="0"/>
+              <a:t> initial laden</a:t>
+            </a:r>
+            <a:endParaRPr lang="de-DE" dirty="0"/>
+          </a:p>
+        </p:txBody>
+      </p:sp>
+      <p:sp>
+        <p:nvSpPr>
+          <p:cNvPr id="6" name="Datumsplatzhalter 5"/>
+          <p:cNvSpPr>
+            <a:spLocks noGrp="1"/>
+          </p:cNvSpPr>
+          <p:nvPr>
+            <p:ph type="dt" sz="half" idx="15"/>
+          </p:nvPr>
+        </p:nvSpPr>
+        <p:spPr/>
+        <p:txBody>
+          <a:bodyPr/>
+          <a:lstStyle/>
+          <a:p>
+            <a:pPr>
+              <a:buClr>
+                <a:schemeClr val="tx2"/>
+              </a:buClr>
+              <a:buSzPct val="100000"/>
+              <a:buFont typeface="Wingdings" pitchFamily="2" charset="2"/>
+              <a:buNone/>
+            </a:pPr>
+            <a:r>
+              <a:rPr lang="de-DE" smtClean="0"/>
+              <a:t>© iteratec | Datum</a:t>
+            </a:r>
+            <a:endParaRPr lang="de-DE" dirty="0"/>
+          </a:p>
+        </p:txBody>
+      </p:sp>
+      <p:sp>
+        <p:nvSpPr>
+          <p:cNvPr id="7" name="Fußzeilenplatzhalter 6"/>
+          <p:cNvSpPr>
+            <a:spLocks noGrp="1"/>
+          </p:cNvSpPr>
+          <p:nvPr>
+            <p:ph type="ftr" sz="quarter" idx="16"/>
+          </p:nvPr>
+        </p:nvSpPr>
+        <p:spPr/>
+        <p:txBody>
+          <a:bodyPr/>
+          <a:lstStyle/>
+          <a:p>
+            <a:pPr algn="ctr">
+              <a:buClr>
+                <a:schemeClr val="tx2"/>
+              </a:buClr>
+              <a:buSzPct val="100000"/>
+              <a:buFont typeface="Wingdings" pitchFamily="2" charset="2"/>
+              <a:buNone/>
+            </a:pPr>
+            <a:r>
+              <a:rPr lang="de-DE" smtClean="0"/>
+              <a:t>Optional: Präsentationstitel</a:t>
+            </a:r>
+            <a:endParaRPr lang="de-DE" dirty="0"/>
+          </a:p>
+        </p:txBody>
+      </p:sp>
+      <p:sp>
+        <p:nvSpPr>
+          <p:cNvPr id="8" name="Foliennummernplatzhalter 7"/>
+          <p:cNvSpPr>
+            <a:spLocks noGrp="1"/>
+          </p:cNvSpPr>
+          <p:nvPr>
+            <p:ph type="sldNum" sz="quarter" idx="17"/>
+          </p:nvPr>
+        </p:nvSpPr>
+        <p:spPr/>
+        <p:txBody>
+          <a:bodyPr/>
+          <a:lstStyle/>
+          <a:p>
+            <a:pPr algn="r">
+              <a:buClr>
+                <a:schemeClr val="tx2"/>
+              </a:buClr>
+              <a:buSzPct val="100000"/>
+              <a:buFont typeface="Wingdings" pitchFamily="2" charset="2"/>
+              <a:buNone/>
+            </a:pPr>
+            <a:r>
+              <a:rPr lang="de-DE" smtClean="0"/>
+              <a:t>Seite </a:t>
+            </a:r>
+            <a:fld id="{26F0CC0A-7687-4B44-955F-AD67B8EF3E28}" type="slidenum">
+              <a:rPr lang="de-DE" smtClean="0"/>
+              <a:pPr algn="r">
+                <a:buClr>
+                  <a:schemeClr val="tx2"/>
+                </a:buClr>
+                <a:buSzPct val="100000"/>
+                <a:buFont typeface="Wingdings" pitchFamily="2" charset="2"/>
+                <a:buNone/>
+              </a:pPr>
+              <a:t>4</a:t>
+            </a:fld>
+            <a:endParaRPr lang="de-DE" dirty="0"/>
+          </a:p>
+        </p:txBody>
+      </p:sp>
+      <p:pic>
+        <p:nvPicPr>
+          <p:cNvPr id="1028" name="Picture 4"/>
+          <p:cNvPicPr>
+            <a:picLocks noChangeAspect="1" noChangeArrowheads="1"/>
+          </p:cNvPicPr>
+          <p:nvPr/>
+        </p:nvPicPr>
+        <p:blipFill>
+          <a:blip r:embed="rId3">
+            <a:extLst>
+              <a:ext uri="{28A0092B-C50C-407E-A947-70E740481C1C}">
+                <a14:useLocalDpi xmlns:a14="http://schemas.microsoft.com/office/drawing/2010/main" val="0"/>
+              </a:ext>
+            </a:extLst>
+          </a:blip>
+          <a:srcRect/>
+          <a:stretch>
+            <a:fillRect/>
+          </a:stretch>
+        </p:blipFill>
+        <p:spPr bwMode="auto">
+          <a:xfrm>
+            <a:off x="3350774" y="2377628"/>
+            <a:ext cx="2516937" cy="4723780"/>
+          </a:xfrm>
+          <a:prstGeom prst="rect">
+            <a:avLst/>
+          </a:prstGeom>
+          <a:noFill/>
+          <a:ln>
+            <a:noFill/>
+          </a:ln>
+          <a:extLst>
+            <a:ext uri="{909E8E84-426E-40DD-AFC4-6F175D3DCCD1}">
+              <a14:hiddenFill xmlns:a14="http://schemas.microsoft.com/office/drawing/2010/main">
+                <a:solidFill>
+                  <a:schemeClr val="accent1"/>
+                </a:solidFill>
+              </a14:hiddenFill>
+            </a:ext>
+            <a:ext uri="{91240B29-F687-4F45-9708-019B960494DF}">
+              <a14:hiddenLine xmlns:a14="http://schemas.microsoft.com/office/drawing/2010/main" w="9525">
+                <a:solidFill>
+                  <a:schemeClr val="tx1"/>
+                </a:solidFill>
+                <a:miter lim="800000"/>
+                <a:headEnd/>
+                <a:tailEnd/>
+              </a14:hiddenLine>
+            </a:ext>
+          </a:extLst>
+        </p:spPr>
+      </p:pic>
+      <p:pic>
+        <p:nvPicPr>
+          <p:cNvPr id="1030" name="Picture 6"/>
+          <p:cNvPicPr>
+            <a:picLocks noChangeAspect="1" noChangeArrowheads="1"/>
+          </p:cNvPicPr>
+          <p:nvPr/>
+        </p:nvPicPr>
+        <p:blipFill>
+          <a:blip r:embed="rId4" cstate="print">
+            <a:extLst>
+              <a:ext uri="{28A0092B-C50C-407E-A947-70E740481C1C}">
+                <a14:useLocalDpi xmlns:a14="http://schemas.microsoft.com/office/drawing/2010/main" val="0"/>
+              </a:ext>
+            </a:extLst>
+          </a:blip>
+          <a:srcRect/>
+          <a:stretch>
+            <a:fillRect/>
+          </a:stretch>
+        </p:blipFill>
+        <p:spPr bwMode="auto">
+          <a:xfrm>
+            <a:off x="3297262" y="2119008"/>
+            <a:ext cx="2664295" cy="2298957"/>
+          </a:xfrm>
+          <a:prstGeom prst="rect">
+            <a:avLst/>
+          </a:prstGeom>
+          <a:noFill/>
+          <a:ln>
+            <a:noFill/>
+          </a:ln>
+          <a:extLst>
+            <a:ext uri="{909E8E84-426E-40DD-AFC4-6F175D3DCCD1}">
+              <a14:hiddenFill xmlns:a14="http://schemas.microsoft.com/office/drawing/2010/main">
+                <a:solidFill>
+                  <a:schemeClr val="accent1"/>
+                </a:solidFill>
+              </a14:hiddenFill>
+            </a:ext>
+            <a:ext uri="{91240B29-F687-4F45-9708-019B960494DF}">
+              <a14:hiddenLine xmlns:a14="http://schemas.microsoft.com/office/drawing/2010/main" w="9525">
+                <a:solidFill>
+                  <a:schemeClr val="tx1"/>
+                </a:solidFill>
+                <a:miter lim="800000"/>
+                <a:headEnd/>
+                <a:tailEnd/>
+              </a14:hiddenLine>
+            </a:ext>
+          </a:extLst>
+        </p:spPr>
+      </p:pic>
+      <p:sp>
+        <p:nvSpPr>
+          <p:cNvPr id="13" name="Geschweifte Klammer rechts 12"/>
+          <p:cNvSpPr/>
+          <p:nvPr/>
+        </p:nvSpPr>
+        <p:spPr>
+          <a:xfrm>
+            <a:off x="5961557" y="2119008"/>
+            <a:ext cx="485561" cy="2298957"/>
+          </a:xfrm>
+          <a:prstGeom prst="rightBrace">
+            <a:avLst>
+              <a:gd name="adj1" fmla="val 8333"/>
+              <a:gd name="adj2" fmla="val 22158"/>
+            </a:avLst>
+          </a:prstGeom>
+          <a:ln w="19050">
+            <a:solidFill>
+              <a:schemeClr val="tx2"/>
+            </a:solidFill>
+            <a:tailEnd type="arrow"/>
+          </a:ln>
+        </p:spPr>
+        <p:style>
+          <a:lnRef idx="1">
+            <a:schemeClr val="accent1"/>
+          </a:lnRef>
+          <a:fillRef idx="0">
+            <a:schemeClr val="accent1"/>
+          </a:fillRef>
+          <a:effectRef idx="0">
+            <a:schemeClr val="accent1"/>
+          </a:effectRef>
+          <a:fontRef idx="minor">
+            <a:schemeClr val="tx1"/>
+          </a:fontRef>
+        </p:style>
+        <p:txBody>
+          <a:bodyPr rtlCol="0" anchor="ctr"/>
+          <a:lstStyle/>
+          <a:p>
+            <a:pPr algn="ctr"/>
+            <a:endParaRPr lang="de-DE"/>
+          </a:p>
+        </p:txBody>
+      </p:sp>
+      <p:sp>
+        <p:nvSpPr>
+          <p:cNvPr id="14" name="Rechteck 13"/>
+          <p:cNvSpPr/>
+          <p:nvPr/>
+        </p:nvSpPr>
+        <p:spPr>
+          <a:xfrm>
+            <a:off x="6447118" y="2298720"/>
+            <a:ext cx="1800200" cy="698232"/>
+          </a:xfrm>
+          <a:prstGeom prst="rect">
+            <a:avLst/>
+          </a:prstGeom>
+          <a:solidFill>
+            <a:schemeClr val="accent3"/>
+          </a:solidFill>
+          <a:ln>
+            <a:noFill/>
+          </a:ln>
+        </p:spPr>
+        <p:style>
+          <a:lnRef idx="2">
+            <a:schemeClr val="accent1">
+              <a:shade val="50000"/>
+            </a:schemeClr>
+          </a:lnRef>
+          <a:fillRef idx="1">
+            <a:schemeClr val="accent1"/>
+          </a:fillRef>
+          <a:effectRef idx="0">
+            <a:schemeClr val="accent1"/>
+          </a:effectRef>
+          <a:fontRef idx="minor">
+            <a:schemeClr val="lt1"/>
+          </a:fontRef>
+        </p:style>
+        <p:txBody>
+          <a:bodyPr lIns="72000" rIns="72000" rtlCol="0" anchor="ctr"/>
+          <a:lstStyle/>
+          <a:p>
+            <a:pPr algn="ctr"/>
+            <a:r>
+              <a:rPr lang="de-DE" sz="1600" dirty="0" err="1" smtClean="0">
+                <a:solidFill>
+                  <a:schemeClr val="tx1"/>
+                </a:solidFill>
+              </a:rPr>
+              <a:t>Above</a:t>
+            </a:r>
+            <a:r>
+              <a:rPr lang="de-DE" sz="1600" dirty="0" smtClean="0">
+                <a:solidFill>
+                  <a:schemeClr val="tx1"/>
+                </a:solidFill>
+              </a:rPr>
+              <a:t> </a:t>
+            </a:r>
+            <a:r>
+              <a:rPr lang="de-DE" sz="1600" dirty="0" err="1" smtClean="0">
+                <a:solidFill>
+                  <a:schemeClr val="tx1"/>
+                </a:solidFill>
+              </a:rPr>
+              <a:t>the</a:t>
+            </a:r>
+            <a:r>
+              <a:rPr lang="de-DE" sz="1600" dirty="0" smtClean="0">
+                <a:solidFill>
+                  <a:schemeClr val="tx1"/>
+                </a:solidFill>
+              </a:rPr>
+              <a:t> </a:t>
+            </a:r>
+            <a:r>
+              <a:rPr lang="de-DE" sz="1600" dirty="0" err="1" smtClean="0">
+                <a:solidFill>
+                  <a:schemeClr val="tx1"/>
+                </a:solidFill>
+              </a:rPr>
+              <a:t>fold</a:t>
+            </a:r>
+            <a:r>
+              <a:rPr lang="de-DE" sz="1600" dirty="0" smtClean="0">
+                <a:solidFill>
+                  <a:schemeClr val="tx1"/>
+                </a:solidFill>
+              </a:rPr>
+              <a:t> Bereich</a:t>
+            </a:r>
+          </a:p>
+        </p:txBody>
+      </p:sp>
+      <p:cxnSp>
+        <p:nvCxnSpPr>
+          <p:cNvPr id="16" name="Gerade Verbindung mit Pfeil 15"/>
+          <p:cNvCxnSpPr>
+            <a:stCxn id="18" idx="1"/>
+            <a:endCxn id="64" idx="3"/>
+          </p:cNvCxnSpPr>
+          <p:nvPr/>
+        </p:nvCxnSpPr>
+        <p:spPr>
+          <a:xfrm flipH="1" flipV="1">
+            <a:off x="5745534" y="3013845"/>
+            <a:ext cx="727080" cy="585421"/>
+          </a:xfrm>
+          <a:prstGeom prst="straightConnector1">
+            <a:avLst/>
+          </a:prstGeom>
+          <a:ln>
+            <a:tailEnd type="arrow"/>
+          </a:ln>
+        </p:spPr>
+        <p:style>
+          <a:lnRef idx="1">
+            <a:schemeClr val="dk1"/>
+          </a:lnRef>
+          <a:fillRef idx="0">
+            <a:schemeClr val="dk1"/>
+          </a:fillRef>
+          <a:effectRef idx="0">
+            <a:schemeClr val="dk1"/>
+          </a:effectRef>
+          <a:fontRef idx="minor">
+            <a:schemeClr val="tx1"/>
+          </a:fontRef>
+        </p:style>
+      </p:cxnSp>
+      <p:cxnSp>
+        <p:nvCxnSpPr>
+          <p:cNvPr id="22" name="Gerade Verbindung mit Pfeil 21"/>
+          <p:cNvCxnSpPr>
+            <a:stCxn id="18" idx="1"/>
+            <a:endCxn id="58" idx="0"/>
+          </p:cNvCxnSpPr>
+          <p:nvPr/>
+        </p:nvCxnSpPr>
+        <p:spPr>
+          <a:xfrm flipH="1">
+            <a:off x="4322929" y="3599266"/>
+            <a:ext cx="2149685" cy="314282"/>
+          </a:xfrm>
+          <a:prstGeom prst="straightConnector1">
+            <a:avLst/>
+          </a:prstGeom>
+          <a:ln>
+            <a:tailEnd type="arrow"/>
+          </a:ln>
+        </p:spPr>
+        <p:style>
+          <a:lnRef idx="1">
+            <a:schemeClr val="dk1"/>
+          </a:lnRef>
+          <a:fillRef idx="0">
+            <a:schemeClr val="dk1"/>
+          </a:fillRef>
+          <a:effectRef idx="0">
+            <a:schemeClr val="dk1"/>
+          </a:effectRef>
+          <a:fontRef idx="minor">
+            <a:schemeClr val="tx1"/>
+          </a:fontRef>
+        </p:style>
+      </p:cxnSp>
+      <p:sp>
+        <p:nvSpPr>
+          <p:cNvPr id="18" name="Rechteck 17"/>
+          <p:cNvSpPr/>
+          <p:nvPr/>
+        </p:nvSpPr>
+        <p:spPr>
+          <a:xfrm>
+            <a:off x="6472614" y="3131214"/>
+            <a:ext cx="1987818" cy="936104"/>
+          </a:xfrm>
+          <a:prstGeom prst="rect">
+            <a:avLst/>
+          </a:prstGeom>
+          <a:noFill/>
+          <a:ln>
+            <a:noFill/>
+          </a:ln>
+        </p:spPr>
+        <p:style>
+          <a:lnRef idx="2">
+            <a:schemeClr val="accent1">
+              <a:shade val="50000"/>
+            </a:schemeClr>
+          </a:lnRef>
+          <a:fillRef idx="1">
+            <a:schemeClr val="accent1"/>
+          </a:fillRef>
+          <a:effectRef idx="0">
+            <a:schemeClr val="accent1"/>
+          </a:effectRef>
+          <a:fontRef idx="minor">
+            <a:schemeClr val="lt1"/>
+          </a:fontRef>
+        </p:style>
+        <p:txBody>
+          <a:bodyPr lIns="72000" rIns="72000" rtlCol="0" anchor="ctr"/>
+          <a:lstStyle/>
+          <a:p>
+            <a:pPr algn="ctr"/>
+            <a:r>
+              <a:rPr lang="de-DE" sz="1400" dirty="0" smtClean="0">
+                <a:solidFill>
+                  <a:schemeClr val="tx1"/>
+                </a:solidFill>
+              </a:rPr>
+              <a:t>Bilder in diesem Bereich werden direkt geladen</a:t>
+            </a:r>
+          </a:p>
+        </p:txBody>
+      </p:sp>
+      <p:cxnSp>
+        <p:nvCxnSpPr>
+          <p:cNvPr id="27" name="Gerade Verbindung mit Pfeil 26"/>
+          <p:cNvCxnSpPr>
+            <a:stCxn id="18" idx="1"/>
+            <a:endCxn id="53" idx="0"/>
+          </p:cNvCxnSpPr>
+          <p:nvPr/>
+        </p:nvCxnSpPr>
+        <p:spPr>
+          <a:xfrm flipH="1">
+            <a:off x="3768027" y="3599266"/>
+            <a:ext cx="2704587" cy="314282"/>
+          </a:xfrm>
+          <a:prstGeom prst="straightConnector1">
+            <a:avLst/>
+          </a:prstGeom>
+          <a:ln>
+            <a:tailEnd type="arrow"/>
+          </a:ln>
+        </p:spPr>
+        <p:style>
+          <a:lnRef idx="1">
+            <a:schemeClr val="dk1"/>
+          </a:lnRef>
+          <a:fillRef idx="0">
+            <a:schemeClr val="dk1"/>
+          </a:fillRef>
+          <a:effectRef idx="0">
+            <a:schemeClr val="dk1"/>
+          </a:effectRef>
+          <a:fontRef idx="minor">
+            <a:schemeClr val="tx1"/>
+          </a:fontRef>
+        </p:style>
+      </p:cxnSp>
+      <p:cxnSp>
+        <p:nvCxnSpPr>
+          <p:cNvPr id="31" name="Gerade Verbindung mit Pfeil 30"/>
+          <p:cNvCxnSpPr>
+            <a:stCxn id="18" idx="1"/>
+            <a:endCxn id="59" idx="0"/>
+          </p:cNvCxnSpPr>
+          <p:nvPr/>
+        </p:nvCxnSpPr>
+        <p:spPr>
+          <a:xfrm flipH="1">
+            <a:off x="4878724" y="3599266"/>
+            <a:ext cx="1593890" cy="314282"/>
+          </a:xfrm>
+          <a:prstGeom prst="straightConnector1">
+            <a:avLst/>
+          </a:prstGeom>
+          <a:ln>
+            <a:tailEnd type="arrow"/>
+          </a:ln>
+        </p:spPr>
+        <p:style>
+          <a:lnRef idx="1">
+            <a:schemeClr val="dk1"/>
+          </a:lnRef>
+          <a:fillRef idx="0">
+            <a:schemeClr val="dk1"/>
+          </a:fillRef>
+          <a:effectRef idx="0">
+            <a:schemeClr val="dk1"/>
+          </a:effectRef>
+          <a:fontRef idx="minor">
+            <a:schemeClr val="tx1"/>
+          </a:fontRef>
+        </p:style>
+      </p:cxnSp>
+      <p:cxnSp>
+        <p:nvCxnSpPr>
+          <p:cNvPr id="34" name="Gerade Verbindung mit Pfeil 33"/>
+          <p:cNvCxnSpPr>
+            <a:stCxn id="18" idx="1"/>
+            <a:endCxn id="60" idx="0"/>
+          </p:cNvCxnSpPr>
+          <p:nvPr/>
+        </p:nvCxnSpPr>
+        <p:spPr>
+          <a:xfrm flipH="1">
+            <a:off x="5424211" y="3599266"/>
+            <a:ext cx="1048403" cy="312912"/>
+          </a:xfrm>
+          <a:prstGeom prst="straightConnector1">
+            <a:avLst/>
+          </a:prstGeom>
+          <a:ln>
+            <a:tailEnd type="arrow"/>
+          </a:ln>
+        </p:spPr>
+        <p:style>
+          <a:lnRef idx="1">
+            <a:schemeClr val="dk1"/>
+          </a:lnRef>
+          <a:fillRef idx="0">
+            <a:schemeClr val="dk1"/>
+          </a:fillRef>
+          <a:effectRef idx="0">
+            <a:schemeClr val="dk1"/>
+          </a:effectRef>
+          <a:fontRef idx="minor">
+            <a:schemeClr val="tx1"/>
+          </a:fontRef>
+        </p:style>
+      </p:cxnSp>
+      <p:sp>
+        <p:nvSpPr>
+          <p:cNvPr id="53" name="Rechteck 52"/>
+          <p:cNvSpPr/>
+          <p:nvPr/>
+        </p:nvSpPr>
+        <p:spPr>
+          <a:xfrm>
+            <a:off x="3518712" y="3913548"/>
+            <a:ext cx="498630" cy="307540"/>
+          </a:xfrm>
+          <a:prstGeom prst="rect">
+            <a:avLst/>
+          </a:prstGeom>
+          <a:noFill/>
+          <a:ln>
+            <a:noFill/>
+          </a:ln>
+        </p:spPr>
+        <p:style>
+          <a:lnRef idx="2">
+            <a:schemeClr val="accent1">
+              <a:shade val="50000"/>
+            </a:schemeClr>
+          </a:lnRef>
+          <a:fillRef idx="1">
+            <a:schemeClr val="accent1"/>
+          </a:fillRef>
+          <a:effectRef idx="0">
+            <a:schemeClr val="accent1"/>
+          </a:effectRef>
+          <a:fontRef idx="minor">
+            <a:schemeClr val="lt1"/>
+          </a:fontRef>
+        </p:style>
+        <p:txBody>
+          <a:bodyPr lIns="72000" rIns="72000" rtlCol="0" anchor="ctr"/>
+          <a:lstStyle/>
+          <a:p>
+            <a:pPr algn="ctr"/>
+            <a:endParaRPr lang="de-DE" sz="1600" dirty="0" smtClean="0">
+              <a:solidFill>
+                <a:schemeClr val="tx1"/>
+              </a:solidFill>
+            </a:endParaRPr>
+          </a:p>
+        </p:txBody>
+      </p:sp>
+      <p:sp>
+        <p:nvSpPr>
+          <p:cNvPr id="58" name="Rechteck 57"/>
+          <p:cNvSpPr/>
+          <p:nvPr/>
+        </p:nvSpPr>
+        <p:spPr>
+          <a:xfrm>
+            <a:off x="4073614" y="3913548"/>
+            <a:ext cx="498630" cy="307540"/>
+          </a:xfrm>
+          <a:prstGeom prst="rect">
+            <a:avLst/>
+          </a:prstGeom>
+          <a:noFill/>
+          <a:ln>
+            <a:noFill/>
+          </a:ln>
+        </p:spPr>
+        <p:style>
+          <a:lnRef idx="2">
+            <a:schemeClr val="accent1">
+              <a:shade val="50000"/>
+            </a:schemeClr>
+          </a:lnRef>
+          <a:fillRef idx="1">
+            <a:schemeClr val="accent1"/>
+          </a:fillRef>
+          <a:effectRef idx="0">
+            <a:schemeClr val="accent1"/>
+          </a:effectRef>
+          <a:fontRef idx="minor">
+            <a:schemeClr val="lt1"/>
+          </a:fontRef>
+        </p:style>
+        <p:txBody>
+          <a:bodyPr lIns="72000" rIns="72000" rtlCol="0" anchor="ctr"/>
+          <a:lstStyle/>
+          <a:p>
+            <a:pPr algn="ctr"/>
+            <a:endParaRPr lang="de-DE" sz="1600" dirty="0" smtClean="0">
+              <a:solidFill>
+                <a:schemeClr val="tx1"/>
+              </a:solidFill>
+            </a:endParaRPr>
+          </a:p>
+        </p:txBody>
+      </p:sp>
+      <p:sp>
+        <p:nvSpPr>
+          <p:cNvPr id="59" name="Rechteck 58"/>
+          <p:cNvSpPr/>
+          <p:nvPr/>
+        </p:nvSpPr>
+        <p:spPr>
+          <a:xfrm>
+            <a:off x="4629409" y="3913548"/>
+            <a:ext cx="498630" cy="307540"/>
+          </a:xfrm>
+          <a:prstGeom prst="rect">
+            <a:avLst/>
+          </a:prstGeom>
+          <a:noFill/>
+          <a:ln>
+            <a:noFill/>
+          </a:ln>
+        </p:spPr>
+        <p:style>
+          <a:lnRef idx="2">
+            <a:schemeClr val="accent1">
+              <a:shade val="50000"/>
+            </a:schemeClr>
+          </a:lnRef>
+          <a:fillRef idx="1">
+            <a:schemeClr val="accent1"/>
+          </a:fillRef>
+          <a:effectRef idx="0">
+            <a:schemeClr val="accent1"/>
+          </a:effectRef>
+          <a:fontRef idx="minor">
+            <a:schemeClr val="lt1"/>
+          </a:fontRef>
+        </p:style>
+        <p:txBody>
+          <a:bodyPr lIns="72000" rIns="72000" rtlCol="0" anchor="ctr"/>
+          <a:lstStyle/>
+          <a:p>
+            <a:pPr algn="ctr"/>
+            <a:endParaRPr lang="de-DE" sz="1600" dirty="0" smtClean="0">
+              <a:solidFill>
+                <a:schemeClr val="tx1"/>
+              </a:solidFill>
+            </a:endParaRPr>
+          </a:p>
+        </p:txBody>
+      </p:sp>
+      <p:sp>
+        <p:nvSpPr>
+          <p:cNvPr id="60" name="Rechteck 59"/>
+          <p:cNvSpPr/>
+          <p:nvPr/>
+        </p:nvSpPr>
+        <p:spPr>
+          <a:xfrm>
+            <a:off x="5174896" y="3912178"/>
+            <a:ext cx="498630" cy="307540"/>
+          </a:xfrm>
+          <a:prstGeom prst="rect">
+            <a:avLst/>
+          </a:prstGeom>
+          <a:noFill/>
+          <a:ln>
+            <a:noFill/>
+          </a:ln>
+        </p:spPr>
+        <p:style>
+          <a:lnRef idx="2">
+            <a:schemeClr val="accent1">
+              <a:shade val="50000"/>
+            </a:schemeClr>
+          </a:lnRef>
+          <a:fillRef idx="1">
+            <a:schemeClr val="accent1"/>
+          </a:fillRef>
+          <a:effectRef idx="0">
+            <a:schemeClr val="accent1"/>
+          </a:effectRef>
+          <a:fontRef idx="minor">
+            <a:schemeClr val="lt1"/>
+          </a:fontRef>
+        </p:style>
+        <p:txBody>
+          <a:bodyPr lIns="72000" rIns="72000" rtlCol="0" anchor="ctr"/>
+          <a:lstStyle/>
+          <a:p>
+            <a:pPr algn="ctr"/>
+            <a:endParaRPr lang="de-DE" sz="1600" dirty="0" smtClean="0">
+              <a:solidFill>
+                <a:schemeClr val="tx1"/>
+              </a:solidFill>
+            </a:endParaRPr>
+          </a:p>
+        </p:txBody>
+      </p:sp>
+      <p:sp>
+        <p:nvSpPr>
+          <p:cNvPr id="64" name="Rechteck 63"/>
+          <p:cNvSpPr/>
+          <p:nvPr/>
+        </p:nvSpPr>
+        <p:spPr>
+          <a:xfrm>
+            <a:off x="3493412" y="2624400"/>
+            <a:ext cx="2252122" cy="778890"/>
+          </a:xfrm>
+          <a:prstGeom prst="rect">
+            <a:avLst/>
+          </a:prstGeom>
+          <a:noFill/>
+          <a:ln>
+            <a:noFill/>
+          </a:ln>
+        </p:spPr>
+        <p:style>
+          <a:lnRef idx="2">
+            <a:schemeClr val="accent1">
+              <a:shade val="50000"/>
+            </a:schemeClr>
+          </a:lnRef>
+          <a:fillRef idx="1">
+            <a:schemeClr val="accent1"/>
+          </a:fillRef>
+          <a:effectRef idx="0">
+            <a:schemeClr val="accent1"/>
+          </a:effectRef>
+          <a:fontRef idx="minor">
+            <a:schemeClr val="lt1"/>
+          </a:fontRef>
+        </p:style>
+        <p:txBody>
+          <a:bodyPr lIns="72000" rIns="72000" rtlCol="0" anchor="ctr"/>
+          <a:lstStyle/>
+          <a:p>
+            <a:pPr algn="ctr"/>
+            <a:endParaRPr lang="de-DE" sz="1600" dirty="0" smtClean="0">
+              <a:solidFill>
+                <a:schemeClr val="tx1"/>
+              </a:solidFill>
+            </a:endParaRPr>
+          </a:p>
+        </p:txBody>
+      </p:sp>
+      <p:sp>
+        <p:nvSpPr>
+          <p:cNvPr id="143" name="Rechteck 142"/>
+          <p:cNvSpPr/>
+          <p:nvPr/>
+        </p:nvSpPr>
+        <p:spPr>
+          <a:xfrm>
+            <a:off x="3518712" y="4921660"/>
+            <a:ext cx="498630" cy="307540"/>
+          </a:xfrm>
+          <a:prstGeom prst="rect">
+            <a:avLst/>
+          </a:prstGeom>
+          <a:noFill/>
+          <a:ln>
+            <a:noFill/>
+          </a:ln>
+        </p:spPr>
+        <p:style>
+          <a:lnRef idx="2">
+            <a:schemeClr val="accent1">
+              <a:shade val="50000"/>
+            </a:schemeClr>
+          </a:lnRef>
+          <a:fillRef idx="1">
+            <a:schemeClr val="accent1"/>
+          </a:fillRef>
+          <a:effectRef idx="0">
+            <a:schemeClr val="accent1"/>
+          </a:effectRef>
+          <a:fontRef idx="minor">
+            <a:schemeClr val="lt1"/>
+          </a:fontRef>
+        </p:style>
+        <p:txBody>
+          <a:bodyPr lIns="72000" rIns="72000" rtlCol="0" anchor="ctr"/>
+          <a:lstStyle/>
+          <a:p>
+            <a:pPr algn="ctr"/>
+            <a:endParaRPr lang="de-DE" sz="1600" dirty="0" smtClean="0">
+              <a:solidFill>
+                <a:schemeClr val="tx1"/>
+              </a:solidFill>
+            </a:endParaRPr>
+          </a:p>
+        </p:txBody>
+      </p:sp>
+      <p:sp>
+        <p:nvSpPr>
+          <p:cNvPr id="144" name="Rechteck 143"/>
+          <p:cNvSpPr/>
+          <p:nvPr/>
+        </p:nvSpPr>
+        <p:spPr>
+          <a:xfrm>
+            <a:off x="4073614" y="4921660"/>
+            <a:ext cx="498630" cy="307540"/>
+          </a:xfrm>
+          <a:prstGeom prst="rect">
+            <a:avLst/>
+          </a:prstGeom>
+          <a:noFill/>
+          <a:ln>
+            <a:noFill/>
+          </a:ln>
+        </p:spPr>
+        <p:style>
+          <a:lnRef idx="2">
+            <a:schemeClr val="accent1">
+              <a:shade val="50000"/>
+            </a:schemeClr>
+          </a:lnRef>
+          <a:fillRef idx="1">
+            <a:schemeClr val="accent1"/>
+          </a:fillRef>
+          <a:effectRef idx="0">
+            <a:schemeClr val="accent1"/>
+          </a:effectRef>
+          <a:fontRef idx="minor">
+            <a:schemeClr val="lt1"/>
+          </a:fontRef>
+        </p:style>
+        <p:txBody>
+          <a:bodyPr lIns="72000" rIns="72000" rtlCol="0" anchor="ctr"/>
+          <a:lstStyle/>
+          <a:p>
+            <a:pPr algn="ctr"/>
+            <a:endParaRPr lang="de-DE" sz="1600" dirty="0" smtClean="0">
+              <a:solidFill>
+                <a:schemeClr val="tx1"/>
+              </a:solidFill>
+            </a:endParaRPr>
+          </a:p>
+        </p:txBody>
+      </p:sp>
+      <p:sp>
+        <p:nvSpPr>
+          <p:cNvPr id="145" name="Rechteck 144"/>
+          <p:cNvSpPr/>
+          <p:nvPr/>
+        </p:nvSpPr>
+        <p:spPr>
+          <a:xfrm>
+            <a:off x="4629409" y="4921660"/>
+            <a:ext cx="498630" cy="307540"/>
+          </a:xfrm>
+          <a:prstGeom prst="rect">
+            <a:avLst/>
+          </a:prstGeom>
+          <a:noFill/>
+          <a:ln>
+            <a:noFill/>
+          </a:ln>
+        </p:spPr>
+        <p:style>
+          <a:lnRef idx="2">
+            <a:schemeClr val="accent1">
+              <a:shade val="50000"/>
+            </a:schemeClr>
+          </a:lnRef>
+          <a:fillRef idx="1">
+            <a:schemeClr val="accent1"/>
+          </a:fillRef>
+          <a:effectRef idx="0">
+            <a:schemeClr val="accent1"/>
+          </a:effectRef>
+          <a:fontRef idx="minor">
+            <a:schemeClr val="lt1"/>
+          </a:fontRef>
+        </p:style>
+        <p:txBody>
+          <a:bodyPr lIns="72000" rIns="72000" rtlCol="0" anchor="ctr"/>
+          <a:lstStyle/>
+          <a:p>
+            <a:pPr algn="ctr"/>
+            <a:endParaRPr lang="de-DE" sz="1600" dirty="0" smtClean="0">
+              <a:solidFill>
+                <a:schemeClr val="tx1"/>
+              </a:solidFill>
+            </a:endParaRPr>
+          </a:p>
+        </p:txBody>
+      </p:sp>
+      <p:sp>
+        <p:nvSpPr>
+          <p:cNvPr id="146" name="Rechteck 145"/>
+          <p:cNvSpPr/>
+          <p:nvPr/>
+        </p:nvSpPr>
+        <p:spPr>
+          <a:xfrm>
+            <a:off x="5174896" y="4920290"/>
+            <a:ext cx="498630" cy="307540"/>
+          </a:xfrm>
+          <a:prstGeom prst="rect">
+            <a:avLst/>
+          </a:prstGeom>
+          <a:noFill/>
+          <a:ln>
+            <a:noFill/>
+          </a:ln>
+        </p:spPr>
+        <p:style>
+          <a:lnRef idx="2">
+            <a:schemeClr val="accent1">
+              <a:shade val="50000"/>
+            </a:schemeClr>
+          </a:lnRef>
+          <a:fillRef idx="1">
+            <a:schemeClr val="accent1"/>
+          </a:fillRef>
+          <a:effectRef idx="0">
+            <a:schemeClr val="accent1"/>
+          </a:effectRef>
+          <a:fontRef idx="minor">
+            <a:schemeClr val="lt1"/>
+          </a:fontRef>
+        </p:style>
+        <p:txBody>
+          <a:bodyPr lIns="72000" rIns="72000" rtlCol="0" anchor="ctr"/>
+          <a:lstStyle/>
+          <a:p>
+            <a:pPr algn="ctr"/>
+            <a:endParaRPr lang="de-DE" sz="1600" dirty="0" smtClean="0">
+              <a:solidFill>
+                <a:schemeClr val="tx1"/>
+              </a:solidFill>
+            </a:endParaRPr>
+          </a:p>
+        </p:txBody>
+      </p:sp>
+      <p:sp>
+        <p:nvSpPr>
+          <p:cNvPr id="147" name="Rechteck 146"/>
+          <p:cNvSpPr/>
+          <p:nvPr/>
+        </p:nvSpPr>
+        <p:spPr>
+          <a:xfrm>
+            <a:off x="3507814" y="5888914"/>
+            <a:ext cx="498630" cy="307540"/>
+          </a:xfrm>
+          <a:prstGeom prst="rect">
+            <a:avLst/>
+          </a:prstGeom>
+          <a:noFill/>
+          <a:ln>
+            <a:noFill/>
+          </a:ln>
+        </p:spPr>
+        <p:style>
+          <a:lnRef idx="2">
+            <a:schemeClr val="accent1">
+              <a:shade val="50000"/>
+            </a:schemeClr>
+          </a:lnRef>
+          <a:fillRef idx="1">
+            <a:schemeClr val="accent1"/>
+          </a:fillRef>
+          <a:effectRef idx="0">
+            <a:schemeClr val="accent1"/>
+          </a:effectRef>
+          <a:fontRef idx="minor">
+            <a:schemeClr val="lt1"/>
+          </a:fontRef>
+        </p:style>
+        <p:txBody>
+          <a:bodyPr lIns="72000" rIns="72000" rtlCol="0" anchor="ctr"/>
+          <a:lstStyle/>
+          <a:p>
+            <a:pPr algn="ctr"/>
+            <a:endParaRPr lang="de-DE" sz="1600" dirty="0" smtClean="0">
+              <a:solidFill>
+                <a:schemeClr val="tx1"/>
+              </a:solidFill>
+            </a:endParaRPr>
+          </a:p>
+        </p:txBody>
+      </p:sp>
+      <p:sp>
+        <p:nvSpPr>
+          <p:cNvPr id="148" name="Rechteck 147"/>
+          <p:cNvSpPr/>
+          <p:nvPr/>
+        </p:nvSpPr>
+        <p:spPr>
+          <a:xfrm>
+            <a:off x="4062716" y="5888914"/>
+            <a:ext cx="498630" cy="307540"/>
+          </a:xfrm>
+          <a:prstGeom prst="rect">
+            <a:avLst/>
+          </a:prstGeom>
+          <a:noFill/>
+          <a:ln>
+            <a:noFill/>
+          </a:ln>
+        </p:spPr>
+        <p:style>
+          <a:lnRef idx="2">
+            <a:schemeClr val="accent1">
+              <a:shade val="50000"/>
+            </a:schemeClr>
+          </a:lnRef>
+          <a:fillRef idx="1">
+            <a:schemeClr val="accent1"/>
+          </a:fillRef>
+          <a:effectRef idx="0">
+            <a:schemeClr val="accent1"/>
+          </a:effectRef>
+          <a:fontRef idx="minor">
+            <a:schemeClr val="lt1"/>
+          </a:fontRef>
+        </p:style>
+        <p:txBody>
+          <a:bodyPr lIns="72000" rIns="72000" rtlCol="0" anchor="ctr"/>
+          <a:lstStyle/>
+          <a:p>
+            <a:pPr algn="ctr"/>
+            <a:endParaRPr lang="de-DE" sz="1600" dirty="0" smtClean="0">
+              <a:solidFill>
+                <a:schemeClr val="tx1"/>
+              </a:solidFill>
+            </a:endParaRPr>
+          </a:p>
+        </p:txBody>
+      </p:sp>
+      <p:sp>
+        <p:nvSpPr>
+          <p:cNvPr id="149" name="Rechteck 148"/>
+          <p:cNvSpPr/>
+          <p:nvPr/>
+        </p:nvSpPr>
+        <p:spPr>
+          <a:xfrm>
+            <a:off x="4618511" y="5888914"/>
+            <a:ext cx="498630" cy="307540"/>
+          </a:xfrm>
+          <a:prstGeom prst="rect">
+            <a:avLst/>
+          </a:prstGeom>
+          <a:noFill/>
+          <a:ln>
+            <a:noFill/>
+          </a:ln>
+        </p:spPr>
+        <p:style>
+          <a:lnRef idx="2">
+            <a:schemeClr val="accent1">
+              <a:shade val="50000"/>
+            </a:schemeClr>
+          </a:lnRef>
+          <a:fillRef idx="1">
+            <a:schemeClr val="accent1"/>
+          </a:fillRef>
+          <a:effectRef idx="0">
+            <a:schemeClr val="accent1"/>
+          </a:effectRef>
+          <a:fontRef idx="minor">
+            <a:schemeClr val="lt1"/>
+          </a:fontRef>
+        </p:style>
+        <p:txBody>
+          <a:bodyPr lIns="72000" rIns="72000" rtlCol="0" anchor="ctr"/>
+          <a:lstStyle/>
+          <a:p>
+            <a:pPr algn="ctr"/>
+            <a:endParaRPr lang="de-DE" sz="1600" dirty="0" smtClean="0">
+              <a:solidFill>
+                <a:schemeClr val="tx1"/>
+              </a:solidFill>
+            </a:endParaRPr>
+          </a:p>
+        </p:txBody>
+      </p:sp>
+      <p:sp>
+        <p:nvSpPr>
+          <p:cNvPr id="150" name="Rechteck 149"/>
+          <p:cNvSpPr/>
+          <p:nvPr/>
+        </p:nvSpPr>
+        <p:spPr>
+          <a:xfrm>
+            <a:off x="5163998" y="5887544"/>
+            <a:ext cx="498630" cy="307540"/>
+          </a:xfrm>
+          <a:prstGeom prst="rect">
+            <a:avLst/>
+          </a:prstGeom>
+          <a:noFill/>
+          <a:ln>
+            <a:noFill/>
+          </a:ln>
+        </p:spPr>
+        <p:style>
+          <a:lnRef idx="2">
+            <a:schemeClr val="accent1">
+              <a:shade val="50000"/>
+            </a:schemeClr>
+          </a:lnRef>
+          <a:fillRef idx="1">
+            <a:schemeClr val="accent1"/>
+          </a:fillRef>
+          <a:effectRef idx="0">
+            <a:schemeClr val="accent1"/>
+          </a:effectRef>
+          <a:fontRef idx="minor">
+            <a:schemeClr val="lt1"/>
+          </a:fontRef>
+        </p:style>
+        <p:txBody>
+          <a:bodyPr lIns="72000" rIns="72000" rtlCol="0" anchor="ctr"/>
+          <a:lstStyle/>
+          <a:p>
+            <a:pPr algn="ctr"/>
+            <a:endParaRPr lang="de-DE" sz="1600" dirty="0" smtClean="0">
+              <a:solidFill>
+                <a:schemeClr val="tx1"/>
+              </a:solidFill>
+            </a:endParaRPr>
+          </a:p>
+        </p:txBody>
+      </p:sp>
+      <p:sp>
+        <p:nvSpPr>
+          <p:cNvPr id="151" name="Rechteck 150"/>
+          <p:cNvSpPr/>
+          <p:nvPr/>
+        </p:nvSpPr>
+        <p:spPr>
+          <a:xfrm>
+            <a:off x="934499" y="4943840"/>
+            <a:ext cx="2049016" cy="1440160"/>
+          </a:xfrm>
+          <a:prstGeom prst="rect">
+            <a:avLst/>
+          </a:prstGeom>
+          <a:noFill/>
+          <a:ln>
+            <a:noFill/>
+          </a:ln>
+        </p:spPr>
+        <p:style>
+          <a:lnRef idx="2">
+            <a:schemeClr val="accent1">
+              <a:shade val="50000"/>
+            </a:schemeClr>
+          </a:lnRef>
+          <a:fillRef idx="1">
+            <a:schemeClr val="accent1"/>
+          </a:fillRef>
+          <a:effectRef idx="0">
+            <a:schemeClr val="accent1"/>
+          </a:effectRef>
+          <a:fontRef idx="minor">
+            <a:schemeClr val="lt1"/>
+          </a:fontRef>
+        </p:style>
+        <p:txBody>
+          <a:bodyPr lIns="72000" rIns="72000" rtlCol="0" anchor="ctr"/>
+          <a:lstStyle/>
+          <a:p>
+            <a:pPr algn="ctr"/>
+            <a:r>
+              <a:rPr lang="de-DE" sz="1400" dirty="0" smtClean="0">
+                <a:solidFill>
+                  <a:schemeClr val="tx1"/>
+                </a:solidFill>
+              </a:rPr>
+              <a:t>Bilder in diesem Bereich werden erst geladen, wenn „</a:t>
+            </a:r>
+            <a:r>
+              <a:rPr lang="de-DE" sz="1400" dirty="0" err="1">
+                <a:solidFill>
+                  <a:schemeClr val="tx1"/>
+                </a:solidFill>
+              </a:rPr>
+              <a:t>A</a:t>
+            </a:r>
+            <a:r>
+              <a:rPr lang="de-DE" sz="1400" dirty="0" err="1" smtClean="0">
+                <a:solidFill>
+                  <a:schemeClr val="tx1"/>
+                </a:solidFill>
+              </a:rPr>
+              <a:t>bove</a:t>
+            </a:r>
+            <a:r>
+              <a:rPr lang="de-DE" sz="1400" dirty="0" smtClean="0">
+                <a:solidFill>
+                  <a:schemeClr val="tx1"/>
+                </a:solidFill>
+              </a:rPr>
+              <a:t> </a:t>
+            </a:r>
+            <a:r>
+              <a:rPr lang="de-DE" sz="1400" dirty="0" err="1" smtClean="0">
+                <a:solidFill>
+                  <a:schemeClr val="tx1"/>
+                </a:solidFill>
+              </a:rPr>
+              <a:t>the</a:t>
+            </a:r>
+            <a:r>
+              <a:rPr lang="de-DE" sz="1400" dirty="0" smtClean="0">
+                <a:solidFill>
+                  <a:schemeClr val="tx1"/>
+                </a:solidFill>
+              </a:rPr>
+              <a:t> </a:t>
+            </a:r>
+            <a:r>
+              <a:rPr lang="de-DE" sz="1400" dirty="0" err="1" smtClean="0">
+                <a:solidFill>
+                  <a:schemeClr val="tx1"/>
+                </a:solidFill>
+              </a:rPr>
+              <a:t>fold</a:t>
+            </a:r>
+            <a:r>
+              <a:rPr lang="de-DE" sz="1400" dirty="0" smtClean="0">
+                <a:solidFill>
+                  <a:schemeClr val="tx1"/>
+                </a:solidFill>
+              </a:rPr>
+              <a:t>“ Bereich geladen wurde</a:t>
+            </a:r>
+            <a:br>
+              <a:rPr lang="de-DE" sz="1400" dirty="0" smtClean="0">
+                <a:solidFill>
+                  <a:schemeClr val="tx1"/>
+                </a:solidFill>
+              </a:rPr>
+            </a:br>
+            <a:r>
+              <a:rPr lang="de-DE" sz="1400" dirty="0" smtClean="0">
+                <a:solidFill>
+                  <a:schemeClr val="tx1"/>
+                </a:solidFill>
+              </a:rPr>
+              <a:t>(</a:t>
+            </a:r>
+            <a:r>
+              <a:rPr lang="de-DE" sz="1400" dirty="0" err="1" smtClean="0">
+                <a:solidFill>
+                  <a:schemeClr val="tx1"/>
+                </a:solidFill>
+              </a:rPr>
+              <a:t>window.onload</a:t>
+            </a:r>
+            <a:r>
+              <a:rPr lang="de-DE" sz="1400" dirty="0" smtClean="0">
+                <a:solidFill>
+                  <a:schemeClr val="tx1"/>
+                </a:solidFill>
+              </a:rPr>
+              <a:t>)</a:t>
+            </a:r>
+          </a:p>
+        </p:txBody>
+      </p:sp>
+      <p:cxnSp>
+        <p:nvCxnSpPr>
+          <p:cNvPr id="152" name="Gerade Verbindung mit Pfeil 151"/>
+          <p:cNvCxnSpPr>
+            <a:endCxn id="143" idx="2"/>
+          </p:cNvCxnSpPr>
+          <p:nvPr/>
+        </p:nvCxnSpPr>
+        <p:spPr>
+          <a:xfrm flipV="1">
+            <a:off x="3186038" y="5229200"/>
+            <a:ext cx="581989" cy="359355"/>
+          </a:xfrm>
+          <a:prstGeom prst="straightConnector1">
+            <a:avLst/>
+          </a:prstGeom>
+          <a:ln>
+            <a:tailEnd type="arrow"/>
+          </a:ln>
+        </p:spPr>
+        <p:style>
+          <a:lnRef idx="1">
+            <a:schemeClr val="dk1"/>
+          </a:lnRef>
+          <a:fillRef idx="0">
+            <a:schemeClr val="dk1"/>
+          </a:fillRef>
+          <a:effectRef idx="0">
+            <a:schemeClr val="dk1"/>
+          </a:effectRef>
+          <a:fontRef idx="minor">
+            <a:schemeClr val="tx1"/>
+          </a:fontRef>
+        </p:style>
+      </p:cxnSp>
+      <p:cxnSp>
+        <p:nvCxnSpPr>
+          <p:cNvPr id="155" name="Gerade Verbindung mit Pfeil 154"/>
+          <p:cNvCxnSpPr>
+            <a:endCxn id="144" idx="2"/>
+          </p:cNvCxnSpPr>
+          <p:nvPr/>
+        </p:nvCxnSpPr>
+        <p:spPr>
+          <a:xfrm flipV="1">
+            <a:off x="3186038" y="5229200"/>
+            <a:ext cx="1136891" cy="359355"/>
+          </a:xfrm>
+          <a:prstGeom prst="straightConnector1">
+            <a:avLst/>
+          </a:prstGeom>
+          <a:ln>
+            <a:tailEnd type="arrow"/>
+          </a:ln>
+        </p:spPr>
+        <p:style>
+          <a:lnRef idx="1">
+            <a:schemeClr val="dk1"/>
+          </a:lnRef>
+          <a:fillRef idx="0">
+            <a:schemeClr val="dk1"/>
+          </a:fillRef>
+          <a:effectRef idx="0">
+            <a:schemeClr val="dk1"/>
+          </a:effectRef>
+          <a:fontRef idx="minor">
+            <a:schemeClr val="tx1"/>
+          </a:fontRef>
+        </p:style>
+      </p:cxnSp>
+      <p:cxnSp>
+        <p:nvCxnSpPr>
+          <p:cNvPr id="158" name="Gerade Verbindung mit Pfeil 157"/>
+          <p:cNvCxnSpPr>
+            <a:endCxn id="145" idx="2"/>
+          </p:cNvCxnSpPr>
+          <p:nvPr/>
+        </p:nvCxnSpPr>
+        <p:spPr>
+          <a:xfrm flipV="1">
+            <a:off x="3186038" y="5229200"/>
+            <a:ext cx="1692686" cy="359355"/>
+          </a:xfrm>
+          <a:prstGeom prst="straightConnector1">
+            <a:avLst/>
+          </a:prstGeom>
+          <a:ln>
+            <a:tailEnd type="arrow"/>
+          </a:ln>
+        </p:spPr>
+        <p:style>
+          <a:lnRef idx="1">
+            <a:schemeClr val="dk1"/>
+          </a:lnRef>
+          <a:fillRef idx="0">
+            <a:schemeClr val="dk1"/>
+          </a:fillRef>
+          <a:effectRef idx="0">
+            <a:schemeClr val="dk1"/>
+          </a:effectRef>
+          <a:fontRef idx="minor">
+            <a:schemeClr val="tx1"/>
+          </a:fontRef>
+        </p:style>
+      </p:cxnSp>
+      <p:cxnSp>
+        <p:nvCxnSpPr>
+          <p:cNvPr id="161" name="Gerade Verbindung mit Pfeil 160"/>
+          <p:cNvCxnSpPr>
+            <a:endCxn id="146" idx="2"/>
+          </p:cNvCxnSpPr>
+          <p:nvPr/>
+        </p:nvCxnSpPr>
+        <p:spPr>
+          <a:xfrm flipV="1">
+            <a:off x="3186038" y="5227830"/>
+            <a:ext cx="2238173" cy="360725"/>
+          </a:xfrm>
+          <a:prstGeom prst="straightConnector1">
+            <a:avLst/>
+          </a:prstGeom>
+          <a:ln>
+            <a:tailEnd type="arrow"/>
+          </a:ln>
+        </p:spPr>
+        <p:style>
+          <a:lnRef idx="1">
+            <a:schemeClr val="dk1"/>
+          </a:lnRef>
+          <a:fillRef idx="0">
+            <a:schemeClr val="dk1"/>
+          </a:fillRef>
+          <a:effectRef idx="0">
+            <a:schemeClr val="dk1"/>
+          </a:effectRef>
+          <a:fontRef idx="minor">
+            <a:schemeClr val="tx1"/>
+          </a:fontRef>
+        </p:style>
+      </p:cxnSp>
+      <p:cxnSp>
+        <p:nvCxnSpPr>
+          <p:cNvPr id="164" name="Gerade Verbindung mit Pfeil 163"/>
+          <p:cNvCxnSpPr>
+            <a:endCxn id="147" idx="0"/>
+          </p:cNvCxnSpPr>
+          <p:nvPr/>
+        </p:nvCxnSpPr>
+        <p:spPr>
+          <a:xfrm>
+            <a:off x="3186038" y="5588555"/>
+            <a:ext cx="571091" cy="300359"/>
+          </a:xfrm>
+          <a:prstGeom prst="straightConnector1">
+            <a:avLst/>
+          </a:prstGeom>
+          <a:ln>
+            <a:tailEnd type="arrow"/>
+          </a:ln>
+        </p:spPr>
+        <p:style>
+          <a:lnRef idx="1">
+            <a:schemeClr val="dk1"/>
+          </a:lnRef>
+          <a:fillRef idx="0">
+            <a:schemeClr val="dk1"/>
+          </a:fillRef>
+          <a:effectRef idx="0">
+            <a:schemeClr val="dk1"/>
+          </a:effectRef>
+          <a:fontRef idx="minor">
+            <a:schemeClr val="tx1"/>
+          </a:fontRef>
+        </p:style>
+      </p:cxnSp>
+      <p:cxnSp>
+        <p:nvCxnSpPr>
+          <p:cNvPr id="167" name="Gerade Verbindung mit Pfeil 166"/>
+          <p:cNvCxnSpPr>
+            <a:endCxn id="148" idx="0"/>
+          </p:cNvCxnSpPr>
+          <p:nvPr/>
+        </p:nvCxnSpPr>
+        <p:spPr>
+          <a:xfrm>
+            <a:off x="3186038" y="5588555"/>
+            <a:ext cx="1125993" cy="300359"/>
+          </a:xfrm>
+          <a:prstGeom prst="straightConnector1">
+            <a:avLst/>
+          </a:prstGeom>
+          <a:ln>
+            <a:tailEnd type="arrow"/>
+          </a:ln>
+        </p:spPr>
+        <p:style>
+          <a:lnRef idx="1">
+            <a:schemeClr val="dk1"/>
+          </a:lnRef>
+          <a:fillRef idx="0">
+            <a:schemeClr val="dk1"/>
+          </a:fillRef>
+          <a:effectRef idx="0">
+            <a:schemeClr val="dk1"/>
+          </a:effectRef>
+          <a:fontRef idx="minor">
+            <a:schemeClr val="tx1"/>
+          </a:fontRef>
+        </p:style>
+      </p:cxnSp>
+      <p:cxnSp>
+        <p:nvCxnSpPr>
+          <p:cNvPr id="170" name="Gerade Verbindung mit Pfeil 169"/>
+          <p:cNvCxnSpPr/>
+          <p:nvPr/>
+        </p:nvCxnSpPr>
+        <p:spPr>
+          <a:xfrm>
+            <a:off x="3186038" y="5588555"/>
+            <a:ext cx="2238173" cy="424121"/>
+          </a:xfrm>
+          <a:prstGeom prst="straightConnector1">
+            <a:avLst/>
+          </a:prstGeom>
+          <a:ln>
+            <a:tailEnd type="arrow"/>
+          </a:ln>
+        </p:spPr>
+        <p:style>
+          <a:lnRef idx="1">
+            <a:schemeClr val="dk1"/>
+          </a:lnRef>
+          <a:fillRef idx="0">
+            <a:schemeClr val="dk1"/>
+          </a:fillRef>
+          <a:effectRef idx="0">
+            <a:schemeClr val="dk1"/>
+          </a:effectRef>
+          <a:fontRef idx="minor">
+            <a:schemeClr val="tx1"/>
+          </a:fontRef>
+        </p:style>
+      </p:cxnSp>
+      <p:cxnSp>
+        <p:nvCxnSpPr>
+          <p:cNvPr id="173" name="Gerade Verbindung mit Pfeil 172"/>
+          <p:cNvCxnSpPr>
+            <a:endCxn id="149" idx="0"/>
+          </p:cNvCxnSpPr>
+          <p:nvPr/>
+        </p:nvCxnSpPr>
+        <p:spPr>
+          <a:xfrm>
+            <a:off x="3186038" y="5588555"/>
+            <a:ext cx="1681788" cy="300359"/>
+          </a:xfrm>
+          <a:prstGeom prst="straightConnector1">
+            <a:avLst/>
+          </a:prstGeom>
+          <a:ln>
+            <a:tailEnd type="arrow"/>
+          </a:ln>
+        </p:spPr>
+        <p:style>
+          <a:lnRef idx="1">
+            <a:schemeClr val="dk1"/>
+          </a:lnRef>
+          <a:fillRef idx="0">
+            <a:schemeClr val="dk1"/>
+          </a:fillRef>
+          <a:effectRef idx="0">
+            <a:schemeClr val="dk1"/>
+          </a:effectRef>
+          <a:fontRef idx="minor">
+            <a:schemeClr val="tx1"/>
+          </a:fontRef>
+        </p:style>
+      </p:cxnSp>
+      <p:sp>
+        <p:nvSpPr>
+          <p:cNvPr id="221" name="Rechteck 220"/>
+          <p:cNvSpPr/>
+          <p:nvPr/>
+        </p:nvSpPr>
+        <p:spPr>
+          <a:xfrm>
+            <a:off x="10737144" y="5014790"/>
+            <a:ext cx="6089596" cy="4808456"/>
+          </a:xfrm>
+          <a:prstGeom prst="rect">
+            <a:avLst/>
+          </a:prstGeom>
+          <a:solidFill>
+            <a:schemeClr val="bg1"/>
+          </a:solidFill>
+          <a:ln>
+            <a:noFill/>
+          </a:ln>
+        </p:spPr>
+        <p:style>
+          <a:lnRef idx="2">
+            <a:schemeClr val="accent1">
+              <a:shade val="50000"/>
+            </a:schemeClr>
+          </a:lnRef>
+          <a:fillRef idx="1">
+            <a:schemeClr val="accent1"/>
+          </a:fillRef>
+          <a:effectRef idx="0">
+            <a:schemeClr val="accent1"/>
+          </a:effectRef>
+          <a:fontRef idx="minor">
+            <a:schemeClr val="lt1"/>
+          </a:fontRef>
+        </p:style>
+        <p:txBody>
+          <a:bodyPr lIns="72000" rIns="72000" rtlCol="0" anchor="ctr"/>
+          <a:lstStyle/>
+          <a:p>
+            <a:pPr algn="ctr"/>
+            <a:endParaRPr lang="de-DE" sz="1600" dirty="0" smtClean="0">
+              <a:solidFill>
+                <a:schemeClr val="tx1"/>
+              </a:solidFill>
+            </a:endParaRPr>
+          </a:p>
+        </p:txBody>
+      </p:sp>
+      <p:sp>
+        <p:nvSpPr>
+          <p:cNvPr id="163" name="Rechteck 162"/>
+          <p:cNvSpPr/>
+          <p:nvPr/>
+        </p:nvSpPr>
+        <p:spPr>
+          <a:xfrm>
+            <a:off x="10674940" y="7032564"/>
+            <a:ext cx="6151800" cy="350647"/>
+          </a:xfrm>
+          <a:prstGeom prst="rect">
+            <a:avLst/>
+          </a:prstGeom>
+          <a:solidFill>
+            <a:schemeClr val="bg1"/>
+          </a:solidFill>
+          <a:ln>
+            <a:noFill/>
+          </a:ln>
+        </p:spPr>
+        <p:style>
+          <a:lnRef idx="2">
+            <a:schemeClr val="accent1">
+              <a:shade val="50000"/>
+            </a:schemeClr>
+          </a:lnRef>
+          <a:fillRef idx="1">
+            <a:schemeClr val="accent1"/>
+          </a:fillRef>
+          <a:effectRef idx="0">
+            <a:schemeClr val="accent1"/>
+          </a:effectRef>
+          <a:fontRef idx="minor">
+            <a:schemeClr val="lt1"/>
+          </a:fontRef>
+        </p:style>
+        <p:txBody>
+          <a:bodyPr lIns="72000" rIns="72000" rtlCol="0" anchor="ctr"/>
+          <a:lstStyle/>
+          <a:p>
+            <a:pPr algn="ctr"/>
+            <a:r>
+              <a:rPr lang="de-DE" sz="1600" dirty="0" smtClean="0">
+                <a:solidFill>
+                  <a:schemeClr val="tx1"/>
+                </a:solidFill>
+              </a:rPr>
+              <a:t>Wie wirkt sich diese Optimierung aus?</a:t>
+            </a:r>
+          </a:p>
+        </p:txBody>
+      </p:sp>
+      <p:sp>
+        <p:nvSpPr>
+          <p:cNvPr id="184" name="Rechteck 183"/>
+          <p:cNvSpPr/>
+          <p:nvPr/>
+        </p:nvSpPr>
+        <p:spPr>
+          <a:xfrm>
+            <a:off x="10656806" y="-2244064"/>
+            <a:ext cx="6089596" cy="4808456"/>
+          </a:xfrm>
+          <a:prstGeom prst="rect">
+            <a:avLst/>
+          </a:prstGeom>
+          <a:solidFill>
+            <a:schemeClr val="bg1"/>
+          </a:solidFill>
+          <a:ln>
+            <a:noFill/>
+          </a:ln>
+        </p:spPr>
+        <p:style>
+          <a:lnRef idx="2">
+            <a:schemeClr val="accent1">
+              <a:shade val="50000"/>
+            </a:schemeClr>
+          </a:lnRef>
+          <a:fillRef idx="1">
+            <a:schemeClr val="accent1"/>
+          </a:fillRef>
+          <a:effectRef idx="0">
+            <a:schemeClr val="accent1"/>
+          </a:effectRef>
+          <a:fontRef idx="minor">
+            <a:schemeClr val="lt1"/>
+          </a:fontRef>
+        </p:style>
+        <p:txBody>
+          <a:bodyPr lIns="72000" rIns="72000" rtlCol="0" anchor="ctr"/>
+          <a:lstStyle/>
+          <a:p>
+            <a:pPr algn="ctr"/>
+            <a:endParaRPr lang="de-DE" sz="1600" dirty="0" smtClean="0">
+              <a:solidFill>
+                <a:schemeClr val="tx1"/>
+              </a:solidFill>
+            </a:endParaRPr>
+          </a:p>
+        </p:txBody>
+      </p:sp>
+      <p:pic>
+        <p:nvPicPr>
+          <p:cNvPr id="165" name="Picture 7"/>
+          <p:cNvPicPr>
+            <a:picLocks noChangeAspect="1" noChangeArrowheads="1"/>
+          </p:cNvPicPr>
+          <p:nvPr/>
+        </p:nvPicPr>
+        <p:blipFill>
+          <a:blip r:embed="rId5">
+            <a:extLst>
+              <a:ext uri="{28A0092B-C50C-407E-A947-70E740481C1C}">
+                <a14:useLocalDpi xmlns:a14="http://schemas.microsoft.com/office/drawing/2010/main" val="0"/>
+              </a:ext>
+            </a:extLst>
+          </a:blip>
+          <a:stretch>
+            <a:fillRect/>
+          </a:stretch>
+        </p:blipFill>
+        <p:spPr bwMode="auto">
+          <a:xfrm>
+            <a:off x="10828155" y="-1728704"/>
+            <a:ext cx="5591754" cy="1581324"/>
+          </a:xfrm>
+          <a:prstGeom prst="rect">
+            <a:avLst/>
+          </a:prstGeom>
+          <a:noFill/>
+          <a:ln>
+            <a:noFill/>
+          </a:ln>
+          <a:extLst>
+            <a:ext uri="{909E8E84-426E-40DD-AFC4-6F175D3DCCD1}">
+              <a14:hiddenFill xmlns:a14="http://schemas.microsoft.com/office/drawing/2010/main">
+                <a:solidFill>
+                  <a:schemeClr val="accent1"/>
+                </a:solidFill>
+              </a14:hiddenFill>
+            </a:ext>
+            <a:ext uri="{91240B29-F687-4F45-9708-019B960494DF}">
+              <a14:hiddenLine xmlns:a14="http://schemas.microsoft.com/office/drawing/2010/main" w="9525">
+                <a:solidFill>
+                  <a:schemeClr val="tx1"/>
+                </a:solidFill>
+                <a:miter lim="800000"/>
+                <a:headEnd/>
+                <a:tailEnd/>
+              </a14:hiddenLine>
+            </a:ext>
+          </a:extLst>
+        </p:spPr>
+      </p:pic>
+      <p:pic>
+        <p:nvPicPr>
+          <p:cNvPr id="166" name="Picture 8"/>
+          <p:cNvPicPr>
+            <a:picLocks noChangeAspect="1" noChangeArrowheads="1"/>
+          </p:cNvPicPr>
+          <p:nvPr/>
+        </p:nvPicPr>
+        <p:blipFill>
+          <a:blip r:embed="rId6">
+            <a:extLst>
+              <a:ext uri="{28A0092B-C50C-407E-A947-70E740481C1C}">
+                <a14:useLocalDpi xmlns:a14="http://schemas.microsoft.com/office/drawing/2010/main" val="0"/>
+              </a:ext>
+            </a:extLst>
+          </a:blip>
+          <a:stretch>
+            <a:fillRect/>
+          </a:stretch>
+        </p:blipFill>
+        <p:spPr bwMode="auto">
+          <a:xfrm>
+            <a:off x="10812211" y="439612"/>
+            <a:ext cx="5623644" cy="1590342"/>
+          </a:xfrm>
+          <a:prstGeom prst="rect">
+            <a:avLst/>
+          </a:prstGeom>
+          <a:noFill/>
+          <a:ln>
+            <a:noFill/>
+          </a:ln>
+          <a:extLst>
+            <a:ext uri="{909E8E84-426E-40DD-AFC4-6F175D3DCCD1}">
+              <a14:hiddenFill xmlns:a14="http://schemas.microsoft.com/office/drawing/2010/main">
+                <a:solidFill>
+                  <a:schemeClr val="accent1"/>
+                </a:solidFill>
+              </a14:hiddenFill>
+            </a:ext>
+            <a:ext uri="{91240B29-F687-4F45-9708-019B960494DF}">
+              <a14:hiddenLine xmlns:a14="http://schemas.microsoft.com/office/drawing/2010/main" w="9525">
+                <a:solidFill>
+                  <a:schemeClr val="tx1"/>
+                </a:solidFill>
+                <a:miter lim="800000"/>
+                <a:headEnd/>
+                <a:tailEnd/>
+              </a14:hiddenLine>
+            </a:ext>
+          </a:extLst>
+        </p:spPr>
+      </p:pic>
+      <p:sp>
+        <p:nvSpPr>
+          <p:cNvPr id="168" name="Rechteck 167"/>
+          <p:cNvSpPr/>
+          <p:nvPr/>
+        </p:nvSpPr>
+        <p:spPr>
+          <a:xfrm>
+            <a:off x="10812211" y="-2160752"/>
+            <a:ext cx="5623644" cy="373888"/>
+          </a:xfrm>
+          <a:prstGeom prst="rect">
+            <a:avLst/>
+          </a:prstGeom>
+          <a:solidFill>
+            <a:schemeClr val="accent3"/>
+          </a:solidFill>
+          <a:ln>
+            <a:noFill/>
+          </a:ln>
+        </p:spPr>
+        <p:style>
+          <a:lnRef idx="2">
+            <a:schemeClr val="accent1">
+              <a:shade val="50000"/>
+            </a:schemeClr>
+          </a:lnRef>
+          <a:fillRef idx="1">
+            <a:schemeClr val="accent1"/>
+          </a:fillRef>
+          <a:effectRef idx="0">
+            <a:schemeClr val="accent1"/>
+          </a:effectRef>
+          <a:fontRef idx="minor">
+            <a:schemeClr val="lt1"/>
+          </a:fontRef>
+        </p:style>
+        <p:txBody>
+          <a:bodyPr lIns="72000" rIns="72000" rtlCol="0" anchor="ctr"/>
+          <a:lstStyle/>
+          <a:p>
+            <a:pPr algn="ctr"/>
+            <a:r>
+              <a:rPr lang="de-DE" sz="1600" dirty="0" smtClean="0">
+                <a:solidFill>
+                  <a:schemeClr val="tx1"/>
+                </a:solidFill>
+              </a:rPr>
+              <a:t>Ladezeiten ohne Optimierung</a:t>
+            </a:r>
+          </a:p>
+        </p:txBody>
+      </p:sp>
+      <p:sp>
+        <p:nvSpPr>
+          <p:cNvPr id="203" name="Rechteck 202"/>
+          <p:cNvSpPr/>
+          <p:nvPr/>
+        </p:nvSpPr>
+        <p:spPr>
+          <a:xfrm>
+            <a:off x="10812210" y="-512"/>
+            <a:ext cx="5623644" cy="373888"/>
+          </a:xfrm>
+          <a:prstGeom prst="rect">
+            <a:avLst/>
+          </a:prstGeom>
+          <a:solidFill>
+            <a:schemeClr val="accent3"/>
+          </a:solidFill>
+          <a:ln>
+            <a:noFill/>
+          </a:ln>
+        </p:spPr>
+        <p:style>
+          <a:lnRef idx="2">
+            <a:schemeClr val="accent1">
+              <a:shade val="50000"/>
+            </a:schemeClr>
+          </a:lnRef>
+          <a:fillRef idx="1">
+            <a:schemeClr val="accent1"/>
+          </a:fillRef>
+          <a:effectRef idx="0">
+            <a:schemeClr val="accent1"/>
+          </a:effectRef>
+          <a:fontRef idx="minor">
+            <a:schemeClr val="lt1"/>
+          </a:fontRef>
+        </p:style>
+        <p:txBody>
+          <a:bodyPr lIns="72000" rIns="72000" rtlCol="0" anchor="ctr"/>
+          <a:lstStyle/>
+          <a:p>
+            <a:pPr algn="ctr"/>
+            <a:r>
+              <a:rPr lang="de-DE" sz="1600" dirty="0">
+                <a:solidFill>
+                  <a:schemeClr val="tx1"/>
+                </a:solidFill>
+              </a:rPr>
+              <a:t>Ladezeiten </a:t>
+            </a:r>
+            <a:r>
+              <a:rPr lang="de-DE" sz="1600" dirty="0" smtClean="0">
+                <a:solidFill>
+                  <a:schemeClr val="tx1"/>
+                </a:solidFill>
+              </a:rPr>
+              <a:t>mit Optimierung</a:t>
+            </a:r>
+            <a:endParaRPr lang="de-DE" sz="1600" dirty="0">
+              <a:solidFill>
+                <a:schemeClr val="tx1"/>
+              </a:solidFill>
+            </a:endParaRPr>
+          </a:p>
+        </p:txBody>
+      </p:sp>
+      <p:cxnSp>
+        <p:nvCxnSpPr>
+          <p:cNvPr id="171" name="Gerade Verbindung mit Pfeil 170"/>
+          <p:cNvCxnSpPr/>
+          <p:nvPr/>
+        </p:nvCxnSpPr>
+        <p:spPr>
+          <a:xfrm flipH="1" flipV="1">
+            <a:off x="12762744" y="-1584688"/>
+            <a:ext cx="2505378" cy="11420"/>
+          </a:xfrm>
+          <a:prstGeom prst="straightConnector1">
+            <a:avLst/>
+          </a:prstGeom>
+          <a:ln w="19050">
+            <a:solidFill>
+              <a:schemeClr val="tx2"/>
+            </a:solidFill>
+            <a:tailEnd type="arrow"/>
+          </a:ln>
+        </p:spPr>
+        <p:style>
+          <a:lnRef idx="1">
+            <a:schemeClr val="accent1"/>
+          </a:lnRef>
+          <a:fillRef idx="0">
+            <a:schemeClr val="accent1"/>
+          </a:fillRef>
+          <a:effectRef idx="0">
+            <a:schemeClr val="accent1"/>
+          </a:effectRef>
+          <a:fontRef idx="minor">
+            <a:schemeClr val="tx1"/>
+          </a:fontRef>
+        </p:style>
+      </p:cxnSp>
+      <p:cxnSp>
+        <p:nvCxnSpPr>
+          <p:cNvPr id="206" name="Gerade Verbindung mit Pfeil 205"/>
+          <p:cNvCxnSpPr/>
+          <p:nvPr/>
+        </p:nvCxnSpPr>
+        <p:spPr>
+          <a:xfrm flipH="1">
+            <a:off x="12606450" y="585991"/>
+            <a:ext cx="2664296" cy="1"/>
+          </a:xfrm>
+          <a:prstGeom prst="straightConnector1">
+            <a:avLst/>
+          </a:prstGeom>
+          <a:ln w="19050">
+            <a:solidFill>
+              <a:schemeClr val="tx2"/>
+            </a:solidFill>
+            <a:tailEnd type="arrow"/>
+          </a:ln>
+        </p:spPr>
+        <p:style>
+          <a:lnRef idx="1">
+            <a:schemeClr val="accent1"/>
+          </a:lnRef>
+          <a:fillRef idx="0">
+            <a:schemeClr val="accent1"/>
+          </a:fillRef>
+          <a:effectRef idx="0">
+            <a:schemeClr val="accent1"/>
+          </a:effectRef>
+          <a:fontRef idx="minor">
+            <a:schemeClr val="tx1"/>
+          </a:fontRef>
+        </p:style>
+      </p:cxnSp>
+      <p:sp>
+        <p:nvSpPr>
+          <p:cNvPr id="175" name="Rechteck 174"/>
+          <p:cNvSpPr/>
+          <p:nvPr/>
+        </p:nvSpPr>
+        <p:spPr>
+          <a:xfrm>
+            <a:off x="15270746" y="-1976143"/>
+            <a:ext cx="1319469" cy="3210926"/>
+          </a:xfrm>
+          <a:prstGeom prst="rect">
+            <a:avLst/>
+          </a:prstGeom>
+          <a:solidFill>
+            <a:schemeClr val="tx2">
+              <a:lumMod val="20000"/>
+              <a:lumOff val="80000"/>
+            </a:schemeClr>
+          </a:solidFill>
+          <a:ln>
+            <a:noFill/>
+          </a:ln>
+        </p:spPr>
+        <p:style>
+          <a:lnRef idx="2">
+            <a:schemeClr val="accent1">
+              <a:shade val="50000"/>
+            </a:schemeClr>
+          </a:lnRef>
+          <a:fillRef idx="1">
+            <a:schemeClr val="accent1"/>
+          </a:fillRef>
+          <a:effectRef idx="0">
+            <a:schemeClr val="accent1"/>
+          </a:effectRef>
+          <a:fontRef idx="minor">
+            <a:schemeClr val="lt1"/>
+          </a:fontRef>
+        </p:style>
+        <p:txBody>
+          <a:bodyPr lIns="72000" rIns="72000" rtlCol="0" anchor="ctr"/>
+          <a:lstStyle/>
+          <a:p>
+            <a:pPr algn="ctr"/>
+            <a:r>
+              <a:rPr lang="de-DE" sz="1600" dirty="0">
+                <a:solidFill>
+                  <a:schemeClr val="tx1"/>
+                </a:solidFill>
+              </a:rPr>
+              <a:t>lila </a:t>
+            </a:r>
+            <a:r>
+              <a:rPr lang="de-DE" sz="1600" dirty="0" smtClean="0">
+                <a:solidFill>
+                  <a:schemeClr val="tx1"/>
+                </a:solidFill>
+              </a:rPr>
+              <a:t>Linie zeigt Zeit bis Website bereit steht</a:t>
+            </a:r>
+          </a:p>
+        </p:txBody>
+      </p:sp>
+      <p:sp>
+        <p:nvSpPr>
+          <p:cNvPr id="222" name="Rechteck 221"/>
+          <p:cNvSpPr/>
+          <p:nvPr/>
+        </p:nvSpPr>
+        <p:spPr>
+          <a:xfrm>
+            <a:off x="10674940" y="7330350"/>
+            <a:ext cx="6151800" cy="350647"/>
+          </a:xfrm>
+          <a:prstGeom prst="rect">
+            <a:avLst/>
+          </a:prstGeom>
+          <a:noFill/>
+          <a:ln>
+            <a:noFill/>
+          </a:ln>
+        </p:spPr>
+        <p:style>
+          <a:lnRef idx="2">
+            <a:schemeClr val="accent1">
+              <a:shade val="50000"/>
+            </a:schemeClr>
+          </a:lnRef>
+          <a:fillRef idx="1">
+            <a:schemeClr val="accent1"/>
+          </a:fillRef>
+          <a:effectRef idx="0">
+            <a:schemeClr val="accent1"/>
+          </a:effectRef>
+          <a:fontRef idx="minor">
+            <a:schemeClr val="lt1"/>
+          </a:fontRef>
+        </p:style>
+        <p:txBody>
+          <a:bodyPr lIns="72000" rIns="72000" rtlCol="0" anchor="ctr"/>
+          <a:lstStyle/>
+          <a:p>
+            <a:pPr algn="ctr"/>
+            <a:r>
+              <a:rPr lang="de-DE" sz="1600" b="1" dirty="0" smtClean="0">
+                <a:solidFill>
+                  <a:schemeClr val="tx1"/>
+                </a:solidFill>
+              </a:rPr>
+              <a:t>Das sieht man im </a:t>
+            </a:r>
+            <a:r>
+              <a:rPr lang="de-DE" sz="1600" b="1" dirty="0" err="1" smtClean="0">
+                <a:solidFill>
+                  <a:schemeClr val="tx1"/>
+                </a:solidFill>
+              </a:rPr>
+              <a:t>OpenSpeedMonitor</a:t>
+            </a:r>
+            <a:endParaRPr lang="de-DE" sz="1600" b="1" dirty="0" smtClean="0">
+              <a:solidFill>
+                <a:schemeClr val="tx1"/>
+              </a:solidFill>
+            </a:endParaRPr>
+          </a:p>
+        </p:txBody>
+      </p:sp>
+    </p:spTree>
+    <p:extLst>
+      <p:ext uri="{BB962C8B-B14F-4D97-AF65-F5344CB8AC3E}">
+        <p14:creationId xmlns:p14="http://schemas.microsoft.com/office/powerpoint/2010/main" val="588291389"/>
+      </p:ext>
+    </p:extLst>
+  </p:cSld>
+  <p:clrMapOvr>
+    <a:masterClrMapping/>
+  </p:clrMapOvr>
+  <mc:AlternateContent xmlns:mc="http://schemas.openxmlformats.org/markup-compatibility/2006" xmlns:p14="http://schemas.microsoft.com/office/powerpoint/2010/main">
+    <mc:Choice Requires="p14">
+      <p:transition spd="med" p14:dur="700">
+        <p:fade/>
+      </p:transition>
+    </mc:Choice>
+    <mc:Fallback xmlns="">
+      <p:transition spd="med">
+        <p:fade/>
+      </p:transition>
+    </mc:Fallback>
+  </mc:AlternateContent>
+  <p:timing>
+    <p:tnLst>
+      <p:par>
+        <p:cTn id="1" dur="indefinite" restart="never" nodeType="tmRoot">
+          <p:childTnLst>
+            <p:seq concurrent="1" nextAc="seek">
+              <p:cTn id="2" dur="indefinite" nodeType="mainSeq">
+                <p:childTnLst>
+                  <p:par>
+                    <p:cTn id="3" fill="hold">
+                      <p:stCondLst>
+                        <p:cond delay="indefinite"/>
+                        <p:cond evt="onBegin" delay="0">
+                          <p:tn val="2"/>
+                        </p:cond>
+                      </p:stCondLst>
+                      <p:childTnLst>
+                        <p:par>
+                          <p:cTn id="4" fill="hold">
+                            <p:stCondLst>
+                              <p:cond delay="0"/>
+                            </p:stCondLst>
+                            <p:childTnLst>
+                              <p:par>
+                                <p:cTn id="5" presetID="2" presetClass="entr" presetSubtype="4" decel="100000" fill="hold" nodeType="withEffect">
+                                  <p:stCondLst>
+                                    <p:cond delay="0"/>
+                                  </p:stCondLst>
+                                  <p:childTnLst>
+                                    <p:set>
+                                      <p:cBhvr>
+                                        <p:cTn id="6" dur="1" fill="hold">
+                                          <p:stCondLst>
+                                            <p:cond delay="0"/>
+                                          </p:stCondLst>
+                                        </p:cTn>
+                                        <p:tgtEl>
+                                          <p:spTgt spid="1028"/>
+                                        </p:tgtEl>
+                                        <p:attrNameLst>
+                                          <p:attrName>style.visibility</p:attrName>
+                                        </p:attrNameLst>
+                                      </p:cBhvr>
+                                      <p:to>
+                                        <p:strVal val="visible"/>
+                                      </p:to>
+                                    </p:set>
+                                    <p:anim calcmode="lin" valueType="num">
+                                      <p:cBhvr additive="base">
+                                        <p:cTn id="7" dur="300" fill="hold"/>
+                                        <p:tgtEl>
+                                          <p:spTgt spid="1028"/>
+                                        </p:tgtEl>
+                                        <p:attrNameLst>
+                                          <p:attrName>ppt_x</p:attrName>
+                                        </p:attrNameLst>
+                                      </p:cBhvr>
+                                      <p:tavLst>
+                                        <p:tav tm="0">
+                                          <p:val>
+                                            <p:strVal val="#ppt_x"/>
+                                          </p:val>
+                                        </p:tav>
+                                        <p:tav tm="100000">
+                                          <p:val>
+                                            <p:strVal val="#ppt_x"/>
+                                          </p:val>
+                                        </p:tav>
+                                      </p:tavLst>
+                                    </p:anim>
+                                    <p:anim calcmode="lin" valueType="num">
+                                      <p:cBhvr additive="base">
+                                        <p:cTn id="8" dur="300" fill="hold"/>
+                                        <p:tgtEl>
+                                          <p:spTgt spid="1028"/>
+                                        </p:tgtEl>
+                                        <p:attrNameLst>
+                                          <p:attrName>ppt_y</p:attrName>
+                                        </p:attrNameLst>
+                                      </p:cBhvr>
+                                      <p:tavLst>
+                                        <p:tav tm="0">
+                                          <p:val>
+                                            <p:strVal val="1+#ppt_h/2"/>
+                                          </p:val>
+                                        </p:tav>
+                                        <p:tav tm="100000">
+                                          <p:val>
+                                            <p:strVal val="#ppt_y"/>
+                                          </p:val>
+                                        </p:tav>
+                                      </p:tavLst>
+                                    </p:anim>
+                                  </p:childTnLst>
+                                </p:cTn>
+                              </p:par>
+                            </p:childTnLst>
+                          </p:cTn>
+                        </p:par>
+                      </p:childTnLst>
+                    </p:cTn>
+                  </p:par>
+                  <p:par>
+                    <p:cTn id="9" fill="hold">
+                      <p:stCondLst>
+                        <p:cond delay="indefinite"/>
+                      </p:stCondLst>
+                      <p:childTnLst>
+                        <p:par>
+                          <p:cTn id="10" fill="hold">
+                            <p:stCondLst>
+                              <p:cond delay="0"/>
+                            </p:stCondLst>
+                            <p:childTnLst>
+                              <p:par>
+                                <p:cTn id="11" presetID="10" presetClass="entr" presetSubtype="0" fill="hold" nodeType="clickEffect">
+                                  <p:stCondLst>
+                                    <p:cond delay="0"/>
+                                  </p:stCondLst>
+                                  <p:childTnLst>
+                                    <p:set>
+                                      <p:cBhvr>
+                                        <p:cTn id="12" dur="1" fill="hold">
+                                          <p:stCondLst>
+                                            <p:cond delay="0"/>
+                                          </p:stCondLst>
+                                        </p:cTn>
+                                        <p:tgtEl>
+                                          <p:spTgt spid="1030"/>
+                                        </p:tgtEl>
+                                        <p:attrNameLst>
+                                          <p:attrName>style.visibility</p:attrName>
+                                        </p:attrNameLst>
+                                      </p:cBhvr>
+                                      <p:to>
+                                        <p:strVal val="visible"/>
+                                      </p:to>
+                                    </p:set>
+                                    <p:animEffect transition="in" filter="fade">
+                                      <p:cBhvr>
+                                        <p:cTn id="13" dur="300"/>
+                                        <p:tgtEl>
+                                          <p:spTgt spid="1030"/>
+                                        </p:tgtEl>
+                                      </p:cBhvr>
+                                    </p:animEffect>
+                                  </p:childTnLst>
+                                </p:cTn>
+                              </p:par>
+                              <p:par>
+                                <p:cTn id="14" presetID="10" presetClass="entr" presetSubtype="0" fill="hold" grpId="0" nodeType="withEffect">
+                                  <p:stCondLst>
+                                    <p:cond delay="0"/>
+                                  </p:stCondLst>
+                                  <p:childTnLst>
+                                    <p:set>
+                                      <p:cBhvr>
+                                        <p:cTn id="15" dur="1" fill="hold">
+                                          <p:stCondLst>
+                                            <p:cond delay="0"/>
+                                          </p:stCondLst>
+                                        </p:cTn>
+                                        <p:tgtEl>
+                                          <p:spTgt spid="14"/>
+                                        </p:tgtEl>
+                                        <p:attrNameLst>
+                                          <p:attrName>style.visibility</p:attrName>
+                                        </p:attrNameLst>
+                                      </p:cBhvr>
+                                      <p:to>
+                                        <p:strVal val="visible"/>
+                                      </p:to>
+                                    </p:set>
+                                    <p:animEffect transition="in" filter="fade">
+                                      <p:cBhvr>
+                                        <p:cTn id="16" dur="300"/>
+                                        <p:tgtEl>
+                                          <p:spTgt spid="14"/>
+                                        </p:tgtEl>
+                                      </p:cBhvr>
+                                    </p:animEffect>
+                                  </p:childTnLst>
+                                </p:cTn>
+                              </p:par>
+                              <p:par>
+                                <p:cTn id="17" presetID="10" presetClass="entr" presetSubtype="0" fill="hold" grpId="0" nodeType="withEffect">
+                                  <p:stCondLst>
+                                    <p:cond delay="0"/>
+                                  </p:stCondLst>
+                                  <p:childTnLst>
+                                    <p:set>
+                                      <p:cBhvr>
+                                        <p:cTn id="18" dur="1" fill="hold">
+                                          <p:stCondLst>
+                                            <p:cond delay="0"/>
+                                          </p:stCondLst>
+                                        </p:cTn>
+                                        <p:tgtEl>
+                                          <p:spTgt spid="13"/>
+                                        </p:tgtEl>
+                                        <p:attrNameLst>
+                                          <p:attrName>style.visibility</p:attrName>
+                                        </p:attrNameLst>
+                                      </p:cBhvr>
+                                      <p:to>
+                                        <p:strVal val="visible"/>
+                                      </p:to>
+                                    </p:set>
+                                    <p:animEffect transition="in" filter="fade">
+                                      <p:cBhvr>
+                                        <p:cTn id="19" dur="300"/>
+                                        <p:tgtEl>
+                                          <p:spTgt spid="13"/>
+                                        </p:tgtEl>
+                                      </p:cBhvr>
+                                    </p:animEffect>
+                                  </p:childTnLst>
+                                </p:cTn>
+                              </p:par>
+                            </p:childTnLst>
+                          </p:cTn>
+                        </p:par>
+                      </p:childTnLst>
+                    </p:cTn>
+                  </p:par>
+                  <p:par>
+                    <p:cTn id="20" fill="hold">
+                      <p:stCondLst>
+                        <p:cond delay="indefinite"/>
+                      </p:stCondLst>
+                      <p:childTnLst>
+                        <p:par>
+                          <p:cTn id="21" fill="hold">
+                            <p:stCondLst>
+                              <p:cond delay="0"/>
+                            </p:stCondLst>
+                            <p:childTnLst>
+                              <p:par>
+                                <p:cTn id="22" presetID="10" presetClass="entr" presetSubtype="0" fill="hold" nodeType="clickEffect">
+                                  <p:stCondLst>
+                                    <p:cond delay="0"/>
+                                  </p:stCondLst>
+                                  <p:childTnLst>
+                                    <p:set>
+                                      <p:cBhvr>
+                                        <p:cTn id="23" dur="1" fill="hold">
+                                          <p:stCondLst>
+                                            <p:cond delay="0"/>
+                                          </p:stCondLst>
+                                        </p:cTn>
+                                        <p:tgtEl>
+                                          <p:spTgt spid="16"/>
+                                        </p:tgtEl>
+                                        <p:attrNameLst>
+                                          <p:attrName>style.visibility</p:attrName>
+                                        </p:attrNameLst>
+                                      </p:cBhvr>
+                                      <p:to>
+                                        <p:strVal val="visible"/>
+                                      </p:to>
+                                    </p:set>
+                                    <p:animEffect transition="in" filter="fade">
+                                      <p:cBhvr>
+                                        <p:cTn id="24" dur="300"/>
+                                        <p:tgtEl>
+                                          <p:spTgt spid="16"/>
+                                        </p:tgtEl>
+                                      </p:cBhvr>
+                                    </p:animEffect>
+                                  </p:childTnLst>
+                                </p:cTn>
+                              </p:par>
+                              <p:par>
+                                <p:cTn id="25" presetID="10" presetClass="entr" presetSubtype="0" fill="hold" nodeType="withEffect">
+                                  <p:stCondLst>
+                                    <p:cond delay="0"/>
+                                  </p:stCondLst>
+                                  <p:childTnLst>
+                                    <p:set>
+                                      <p:cBhvr>
+                                        <p:cTn id="26" dur="1" fill="hold">
+                                          <p:stCondLst>
+                                            <p:cond delay="0"/>
+                                          </p:stCondLst>
+                                        </p:cTn>
+                                        <p:tgtEl>
+                                          <p:spTgt spid="22"/>
+                                        </p:tgtEl>
+                                        <p:attrNameLst>
+                                          <p:attrName>style.visibility</p:attrName>
+                                        </p:attrNameLst>
+                                      </p:cBhvr>
+                                      <p:to>
+                                        <p:strVal val="visible"/>
+                                      </p:to>
+                                    </p:set>
+                                    <p:animEffect transition="in" filter="fade">
+                                      <p:cBhvr>
+                                        <p:cTn id="27" dur="300"/>
+                                        <p:tgtEl>
+                                          <p:spTgt spid="22"/>
+                                        </p:tgtEl>
+                                      </p:cBhvr>
+                                    </p:animEffect>
+                                  </p:childTnLst>
+                                </p:cTn>
+                              </p:par>
+                              <p:par>
+                                <p:cTn id="28" presetID="10" presetClass="entr" presetSubtype="0" fill="hold" grpId="0" nodeType="withEffect">
+                                  <p:stCondLst>
+                                    <p:cond delay="0"/>
+                                  </p:stCondLst>
+                                  <p:childTnLst>
+                                    <p:set>
+                                      <p:cBhvr>
+                                        <p:cTn id="29" dur="1" fill="hold">
+                                          <p:stCondLst>
+                                            <p:cond delay="0"/>
+                                          </p:stCondLst>
+                                        </p:cTn>
+                                        <p:tgtEl>
+                                          <p:spTgt spid="18"/>
+                                        </p:tgtEl>
+                                        <p:attrNameLst>
+                                          <p:attrName>style.visibility</p:attrName>
+                                        </p:attrNameLst>
+                                      </p:cBhvr>
+                                      <p:to>
+                                        <p:strVal val="visible"/>
+                                      </p:to>
+                                    </p:set>
+                                    <p:animEffect transition="in" filter="fade">
+                                      <p:cBhvr>
+                                        <p:cTn id="30" dur="300"/>
+                                        <p:tgtEl>
+                                          <p:spTgt spid="18"/>
+                                        </p:tgtEl>
+                                      </p:cBhvr>
+                                    </p:animEffect>
+                                  </p:childTnLst>
+                                </p:cTn>
+                              </p:par>
+                              <p:par>
+                                <p:cTn id="31" presetID="10" presetClass="entr" presetSubtype="0" fill="hold" nodeType="withEffect">
+                                  <p:stCondLst>
+                                    <p:cond delay="0"/>
+                                  </p:stCondLst>
+                                  <p:childTnLst>
+                                    <p:set>
+                                      <p:cBhvr>
+                                        <p:cTn id="32" dur="1" fill="hold">
+                                          <p:stCondLst>
+                                            <p:cond delay="0"/>
+                                          </p:stCondLst>
+                                        </p:cTn>
+                                        <p:tgtEl>
+                                          <p:spTgt spid="27"/>
+                                        </p:tgtEl>
+                                        <p:attrNameLst>
+                                          <p:attrName>style.visibility</p:attrName>
+                                        </p:attrNameLst>
+                                      </p:cBhvr>
+                                      <p:to>
+                                        <p:strVal val="visible"/>
+                                      </p:to>
+                                    </p:set>
+                                    <p:animEffect transition="in" filter="fade">
+                                      <p:cBhvr>
+                                        <p:cTn id="33" dur="300"/>
+                                        <p:tgtEl>
+                                          <p:spTgt spid="27"/>
+                                        </p:tgtEl>
+                                      </p:cBhvr>
+                                    </p:animEffect>
+                                  </p:childTnLst>
+                                </p:cTn>
+                              </p:par>
+                              <p:par>
+                                <p:cTn id="34" presetID="10" presetClass="entr" presetSubtype="0" fill="hold" nodeType="withEffect">
+                                  <p:stCondLst>
+                                    <p:cond delay="0"/>
+                                  </p:stCondLst>
+                                  <p:childTnLst>
+                                    <p:set>
+                                      <p:cBhvr>
+                                        <p:cTn id="35" dur="1" fill="hold">
+                                          <p:stCondLst>
+                                            <p:cond delay="0"/>
+                                          </p:stCondLst>
+                                        </p:cTn>
+                                        <p:tgtEl>
+                                          <p:spTgt spid="31"/>
+                                        </p:tgtEl>
+                                        <p:attrNameLst>
+                                          <p:attrName>style.visibility</p:attrName>
+                                        </p:attrNameLst>
+                                      </p:cBhvr>
+                                      <p:to>
+                                        <p:strVal val="visible"/>
+                                      </p:to>
+                                    </p:set>
+                                    <p:animEffect transition="in" filter="fade">
+                                      <p:cBhvr>
+                                        <p:cTn id="36" dur="300"/>
+                                        <p:tgtEl>
+                                          <p:spTgt spid="31"/>
+                                        </p:tgtEl>
+                                      </p:cBhvr>
+                                    </p:animEffect>
+                                  </p:childTnLst>
+                                </p:cTn>
+                              </p:par>
+                              <p:par>
+                                <p:cTn id="37" presetID="10" presetClass="entr" presetSubtype="0" fill="hold" nodeType="withEffect">
+                                  <p:stCondLst>
+                                    <p:cond delay="0"/>
+                                  </p:stCondLst>
+                                  <p:childTnLst>
+                                    <p:set>
+                                      <p:cBhvr>
+                                        <p:cTn id="38" dur="1" fill="hold">
+                                          <p:stCondLst>
+                                            <p:cond delay="0"/>
+                                          </p:stCondLst>
+                                        </p:cTn>
+                                        <p:tgtEl>
+                                          <p:spTgt spid="34"/>
+                                        </p:tgtEl>
+                                        <p:attrNameLst>
+                                          <p:attrName>style.visibility</p:attrName>
+                                        </p:attrNameLst>
+                                      </p:cBhvr>
+                                      <p:to>
+                                        <p:strVal val="visible"/>
+                                      </p:to>
+                                    </p:set>
+                                    <p:animEffect transition="in" filter="fade">
+                                      <p:cBhvr>
+                                        <p:cTn id="39" dur="300"/>
+                                        <p:tgtEl>
+                                          <p:spTgt spid="34"/>
+                                        </p:tgtEl>
+                                      </p:cBhvr>
+                                    </p:animEffect>
+                                  </p:childTnLst>
+                                </p:cTn>
+                              </p:par>
+                            </p:childTnLst>
+                          </p:cTn>
+                        </p:par>
+                      </p:childTnLst>
+                    </p:cTn>
+                  </p:par>
+                  <p:par>
+                    <p:cTn id="40" fill="hold">
+                      <p:stCondLst>
+                        <p:cond delay="indefinite"/>
+                      </p:stCondLst>
+                      <p:childTnLst>
+                        <p:par>
+                          <p:cTn id="41" fill="hold">
+                            <p:stCondLst>
+                              <p:cond delay="0"/>
+                            </p:stCondLst>
+                            <p:childTnLst>
+                              <p:par>
+                                <p:cTn id="42" presetID="10" presetClass="entr" presetSubtype="0" fill="hold" grpId="0" nodeType="clickEffect">
+                                  <p:stCondLst>
+                                    <p:cond delay="0"/>
+                                  </p:stCondLst>
+                                  <p:childTnLst>
+                                    <p:set>
+                                      <p:cBhvr>
+                                        <p:cTn id="43" dur="1" fill="hold">
+                                          <p:stCondLst>
+                                            <p:cond delay="0"/>
+                                          </p:stCondLst>
+                                        </p:cTn>
+                                        <p:tgtEl>
+                                          <p:spTgt spid="151"/>
+                                        </p:tgtEl>
+                                        <p:attrNameLst>
+                                          <p:attrName>style.visibility</p:attrName>
+                                        </p:attrNameLst>
+                                      </p:cBhvr>
+                                      <p:to>
+                                        <p:strVal val="visible"/>
+                                      </p:to>
+                                    </p:set>
+                                    <p:animEffect transition="in" filter="fade">
+                                      <p:cBhvr>
+                                        <p:cTn id="44" dur="300"/>
+                                        <p:tgtEl>
+                                          <p:spTgt spid="151"/>
+                                        </p:tgtEl>
+                                      </p:cBhvr>
+                                    </p:animEffect>
+                                  </p:childTnLst>
+                                </p:cTn>
+                              </p:par>
+                              <p:par>
+                                <p:cTn id="45" presetID="10" presetClass="entr" presetSubtype="0" fill="hold" nodeType="withEffect">
+                                  <p:stCondLst>
+                                    <p:cond delay="0"/>
+                                  </p:stCondLst>
+                                  <p:childTnLst>
+                                    <p:set>
+                                      <p:cBhvr>
+                                        <p:cTn id="46" dur="1" fill="hold">
+                                          <p:stCondLst>
+                                            <p:cond delay="0"/>
+                                          </p:stCondLst>
+                                        </p:cTn>
+                                        <p:tgtEl>
+                                          <p:spTgt spid="152"/>
+                                        </p:tgtEl>
+                                        <p:attrNameLst>
+                                          <p:attrName>style.visibility</p:attrName>
+                                        </p:attrNameLst>
+                                      </p:cBhvr>
+                                      <p:to>
+                                        <p:strVal val="visible"/>
+                                      </p:to>
+                                    </p:set>
+                                    <p:animEffect transition="in" filter="fade">
+                                      <p:cBhvr>
+                                        <p:cTn id="47" dur="300"/>
+                                        <p:tgtEl>
+                                          <p:spTgt spid="152"/>
+                                        </p:tgtEl>
+                                      </p:cBhvr>
+                                    </p:animEffect>
+                                  </p:childTnLst>
+                                </p:cTn>
+                              </p:par>
+                              <p:par>
+                                <p:cTn id="48" presetID="10" presetClass="entr" presetSubtype="0" fill="hold" nodeType="withEffect">
+                                  <p:stCondLst>
+                                    <p:cond delay="0"/>
+                                  </p:stCondLst>
+                                  <p:childTnLst>
+                                    <p:set>
+                                      <p:cBhvr>
+                                        <p:cTn id="49" dur="1" fill="hold">
+                                          <p:stCondLst>
+                                            <p:cond delay="0"/>
+                                          </p:stCondLst>
+                                        </p:cTn>
+                                        <p:tgtEl>
+                                          <p:spTgt spid="155"/>
+                                        </p:tgtEl>
+                                        <p:attrNameLst>
+                                          <p:attrName>style.visibility</p:attrName>
+                                        </p:attrNameLst>
+                                      </p:cBhvr>
+                                      <p:to>
+                                        <p:strVal val="visible"/>
+                                      </p:to>
+                                    </p:set>
+                                    <p:animEffect transition="in" filter="fade">
+                                      <p:cBhvr>
+                                        <p:cTn id="50" dur="300"/>
+                                        <p:tgtEl>
+                                          <p:spTgt spid="155"/>
+                                        </p:tgtEl>
+                                      </p:cBhvr>
+                                    </p:animEffect>
+                                  </p:childTnLst>
+                                </p:cTn>
+                              </p:par>
+                              <p:par>
+                                <p:cTn id="51" presetID="10" presetClass="entr" presetSubtype="0" fill="hold" nodeType="withEffect">
+                                  <p:stCondLst>
+                                    <p:cond delay="0"/>
+                                  </p:stCondLst>
+                                  <p:childTnLst>
+                                    <p:set>
+                                      <p:cBhvr>
+                                        <p:cTn id="52" dur="1" fill="hold">
+                                          <p:stCondLst>
+                                            <p:cond delay="0"/>
+                                          </p:stCondLst>
+                                        </p:cTn>
+                                        <p:tgtEl>
+                                          <p:spTgt spid="158"/>
+                                        </p:tgtEl>
+                                        <p:attrNameLst>
+                                          <p:attrName>style.visibility</p:attrName>
+                                        </p:attrNameLst>
+                                      </p:cBhvr>
+                                      <p:to>
+                                        <p:strVal val="visible"/>
+                                      </p:to>
+                                    </p:set>
+                                    <p:animEffect transition="in" filter="fade">
+                                      <p:cBhvr>
+                                        <p:cTn id="53" dur="300"/>
+                                        <p:tgtEl>
+                                          <p:spTgt spid="158"/>
+                                        </p:tgtEl>
+                                      </p:cBhvr>
+                                    </p:animEffect>
+                                  </p:childTnLst>
+                                </p:cTn>
+                              </p:par>
+                              <p:par>
+                                <p:cTn id="54" presetID="10" presetClass="entr" presetSubtype="0" fill="hold" nodeType="withEffect">
+                                  <p:stCondLst>
+                                    <p:cond delay="0"/>
+                                  </p:stCondLst>
+                                  <p:childTnLst>
+                                    <p:set>
+                                      <p:cBhvr>
+                                        <p:cTn id="55" dur="1" fill="hold">
+                                          <p:stCondLst>
+                                            <p:cond delay="0"/>
+                                          </p:stCondLst>
+                                        </p:cTn>
+                                        <p:tgtEl>
+                                          <p:spTgt spid="161"/>
+                                        </p:tgtEl>
+                                        <p:attrNameLst>
+                                          <p:attrName>style.visibility</p:attrName>
+                                        </p:attrNameLst>
+                                      </p:cBhvr>
+                                      <p:to>
+                                        <p:strVal val="visible"/>
+                                      </p:to>
+                                    </p:set>
+                                    <p:animEffect transition="in" filter="fade">
+                                      <p:cBhvr>
+                                        <p:cTn id="56" dur="300"/>
+                                        <p:tgtEl>
+                                          <p:spTgt spid="161"/>
+                                        </p:tgtEl>
+                                      </p:cBhvr>
+                                    </p:animEffect>
+                                  </p:childTnLst>
+                                </p:cTn>
+                              </p:par>
+                              <p:par>
+                                <p:cTn id="57" presetID="10" presetClass="entr" presetSubtype="0" fill="hold" nodeType="withEffect">
+                                  <p:stCondLst>
+                                    <p:cond delay="0"/>
+                                  </p:stCondLst>
+                                  <p:childTnLst>
+                                    <p:set>
+                                      <p:cBhvr>
+                                        <p:cTn id="58" dur="1" fill="hold">
+                                          <p:stCondLst>
+                                            <p:cond delay="0"/>
+                                          </p:stCondLst>
+                                        </p:cTn>
+                                        <p:tgtEl>
+                                          <p:spTgt spid="164"/>
+                                        </p:tgtEl>
+                                        <p:attrNameLst>
+                                          <p:attrName>style.visibility</p:attrName>
+                                        </p:attrNameLst>
+                                      </p:cBhvr>
+                                      <p:to>
+                                        <p:strVal val="visible"/>
+                                      </p:to>
+                                    </p:set>
+                                    <p:animEffect transition="in" filter="fade">
+                                      <p:cBhvr>
+                                        <p:cTn id="59" dur="300"/>
+                                        <p:tgtEl>
+                                          <p:spTgt spid="164"/>
+                                        </p:tgtEl>
+                                      </p:cBhvr>
+                                    </p:animEffect>
+                                  </p:childTnLst>
+                                </p:cTn>
+                              </p:par>
+                              <p:par>
+                                <p:cTn id="60" presetID="10" presetClass="entr" presetSubtype="0" fill="hold" nodeType="withEffect">
+                                  <p:stCondLst>
+                                    <p:cond delay="0"/>
+                                  </p:stCondLst>
+                                  <p:childTnLst>
+                                    <p:set>
+                                      <p:cBhvr>
+                                        <p:cTn id="61" dur="1" fill="hold">
+                                          <p:stCondLst>
+                                            <p:cond delay="0"/>
+                                          </p:stCondLst>
+                                        </p:cTn>
+                                        <p:tgtEl>
+                                          <p:spTgt spid="167"/>
+                                        </p:tgtEl>
+                                        <p:attrNameLst>
+                                          <p:attrName>style.visibility</p:attrName>
+                                        </p:attrNameLst>
+                                      </p:cBhvr>
+                                      <p:to>
+                                        <p:strVal val="visible"/>
+                                      </p:to>
+                                    </p:set>
+                                    <p:animEffect transition="in" filter="fade">
+                                      <p:cBhvr>
+                                        <p:cTn id="62" dur="300"/>
+                                        <p:tgtEl>
+                                          <p:spTgt spid="167"/>
+                                        </p:tgtEl>
+                                      </p:cBhvr>
+                                    </p:animEffect>
+                                  </p:childTnLst>
+                                </p:cTn>
+                              </p:par>
+                              <p:par>
+                                <p:cTn id="63" presetID="10" presetClass="entr" presetSubtype="0" fill="hold" nodeType="withEffect">
+                                  <p:stCondLst>
+                                    <p:cond delay="0"/>
+                                  </p:stCondLst>
+                                  <p:childTnLst>
+                                    <p:set>
+                                      <p:cBhvr>
+                                        <p:cTn id="64" dur="1" fill="hold">
+                                          <p:stCondLst>
+                                            <p:cond delay="0"/>
+                                          </p:stCondLst>
+                                        </p:cTn>
+                                        <p:tgtEl>
+                                          <p:spTgt spid="170"/>
+                                        </p:tgtEl>
+                                        <p:attrNameLst>
+                                          <p:attrName>style.visibility</p:attrName>
+                                        </p:attrNameLst>
+                                      </p:cBhvr>
+                                      <p:to>
+                                        <p:strVal val="visible"/>
+                                      </p:to>
+                                    </p:set>
+                                    <p:animEffect transition="in" filter="fade">
+                                      <p:cBhvr>
+                                        <p:cTn id="65" dur="300"/>
+                                        <p:tgtEl>
+                                          <p:spTgt spid="170"/>
+                                        </p:tgtEl>
+                                      </p:cBhvr>
+                                    </p:animEffect>
+                                  </p:childTnLst>
+                                </p:cTn>
+                              </p:par>
+                              <p:par>
+                                <p:cTn id="66" presetID="10" presetClass="entr" presetSubtype="0" fill="hold" nodeType="withEffect">
+                                  <p:stCondLst>
+                                    <p:cond delay="0"/>
+                                  </p:stCondLst>
+                                  <p:childTnLst>
+                                    <p:set>
+                                      <p:cBhvr>
+                                        <p:cTn id="67" dur="1" fill="hold">
+                                          <p:stCondLst>
+                                            <p:cond delay="0"/>
+                                          </p:stCondLst>
+                                        </p:cTn>
+                                        <p:tgtEl>
+                                          <p:spTgt spid="173"/>
+                                        </p:tgtEl>
+                                        <p:attrNameLst>
+                                          <p:attrName>style.visibility</p:attrName>
+                                        </p:attrNameLst>
+                                      </p:cBhvr>
+                                      <p:to>
+                                        <p:strVal val="visible"/>
+                                      </p:to>
+                                    </p:set>
+                                    <p:animEffect transition="in" filter="fade">
+                                      <p:cBhvr>
+                                        <p:cTn id="68" dur="300"/>
+                                        <p:tgtEl>
+                                          <p:spTgt spid="173"/>
+                                        </p:tgtEl>
+                                      </p:cBhvr>
+                                    </p:animEffect>
+                                  </p:childTnLst>
+                                </p:cTn>
+                              </p:par>
+                            </p:childTnLst>
+                          </p:cTn>
+                        </p:par>
+                      </p:childTnLst>
+                    </p:cTn>
+                  </p:par>
+                  <p:par>
+                    <p:cTn id="69" fill="hold">
+                      <p:stCondLst>
+                        <p:cond delay="indefinite"/>
+                      </p:stCondLst>
+                      <p:childTnLst>
+                        <p:par>
+                          <p:cTn id="70" fill="hold">
+                            <p:stCondLst>
+                              <p:cond delay="0"/>
+                            </p:stCondLst>
+                            <p:childTnLst>
+                              <p:par>
+                                <p:cTn id="71" presetID="42" presetClass="path" presetSubtype="0" decel="100000" fill="hold" nodeType="clickEffect">
+                                  <p:stCondLst>
+                                    <p:cond delay="0"/>
+                                  </p:stCondLst>
+                                  <p:childTnLst>
+                                    <p:animMotion origin="layout" path="M 1.66667E-6 -3.7037E-7 L -0.31875 0.00232 " pathEditMode="fixed" rAng="0" ptsTypes="AA">
+                                      <p:cBhvr>
+                                        <p:cTn id="72" dur="300" fill="hold"/>
+                                        <p:tgtEl>
+                                          <p:spTgt spid="1030"/>
+                                        </p:tgtEl>
+                                        <p:attrNameLst>
+                                          <p:attrName>ppt_x</p:attrName>
+                                          <p:attrName>ppt_y</p:attrName>
+                                        </p:attrNameLst>
+                                      </p:cBhvr>
+                                      <p:rCtr x="-15937" y="116"/>
+                                    </p:animMotion>
+                                  </p:childTnLst>
+                                </p:cTn>
+                              </p:par>
+                              <p:par>
+                                <p:cTn id="73" presetID="42" presetClass="path" presetSubtype="0" decel="100000" fill="hold" nodeType="withEffect">
+                                  <p:stCondLst>
+                                    <p:cond delay="0"/>
+                                  </p:stCondLst>
+                                  <p:childTnLst>
+                                    <p:animMotion origin="layout" path="M 1.66667E-6 -3.7037E-7 L -0.31875 0.00232 " pathEditMode="fixed" rAng="0" ptsTypes="AA">
+                                      <p:cBhvr>
+                                        <p:cTn id="74" dur="300" fill="hold"/>
+                                        <p:tgtEl>
+                                          <p:spTgt spid="1028"/>
+                                        </p:tgtEl>
+                                        <p:attrNameLst>
+                                          <p:attrName>ppt_x</p:attrName>
+                                          <p:attrName>ppt_y</p:attrName>
+                                        </p:attrNameLst>
+                                      </p:cBhvr>
+                                      <p:rCtr x="-15937" y="116"/>
+                                    </p:animMotion>
+                                  </p:childTnLst>
+                                </p:cTn>
+                              </p:par>
+                              <p:par>
+                                <p:cTn id="75" presetID="2" presetClass="exit" presetSubtype="8" decel="100000" fill="hold" grpId="1" nodeType="withEffect">
+                                  <p:stCondLst>
+                                    <p:cond delay="0"/>
+                                  </p:stCondLst>
+                                  <p:childTnLst>
+                                    <p:anim calcmode="lin" valueType="num">
+                                      <p:cBhvr additive="base">
+                                        <p:cTn id="76" dur="300"/>
+                                        <p:tgtEl>
+                                          <p:spTgt spid="14"/>
+                                        </p:tgtEl>
+                                        <p:attrNameLst>
+                                          <p:attrName>ppt_x</p:attrName>
+                                        </p:attrNameLst>
+                                      </p:cBhvr>
+                                      <p:tavLst>
+                                        <p:tav tm="0">
+                                          <p:val>
+                                            <p:strVal val="ppt_x"/>
+                                          </p:val>
+                                        </p:tav>
+                                        <p:tav tm="100000">
+                                          <p:val>
+                                            <p:strVal val="0-ppt_w/2"/>
+                                          </p:val>
+                                        </p:tav>
+                                      </p:tavLst>
+                                    </p:anim>
+                                    <p:anim calcmode="lin" valueType="num">
+                                      <p:cBhvr additive="base">
+                                        <p:cTn id="77" dur="300"/>
+                                        <p:tgtEl>
+                                          <p:spTgt spid="14"/>
+                                        </p:tgtEl>
+                                        <p:attrNameLst>
+                                          <p:attrName>ppt_y</p:attrName>
+                                        </p:attrNameLst>
+                                      </p:cBhvr>
+                                      <p:tavLst>
+                                        <p:tav tm="0">
+                                          <p:val>
+                                            <p:strVal val="ppt_y"/>
+                                          </p:val>
+                                        </p:tav>
+                                        <p:tav tm="100000">
+                                          <p:val>
+                                            <p:strVal val="ppt_y"/>
+                                          </p:val>
+                                        </p:tav>
+                                      </p:tavLst>
+                                    </p:anim>
+                                    <p:set>
+                                      <p:cBhvr>
+                                        <p:cTn id="78" dur="1" fill="hold">
+                                          <p:stCondLst>
+                                            <p:cond delay="299"/>
+                                          </p:stCondLst>
+                                        </p:cTn>
+                                        <p:tgtEl>
+                                          <p:spTgt spid="14"/>
+                                        </p:tgtEl>
+                                        <p:attrNameLst>
+                                          <p:attrName>style.visibility</p:attrName>
+                                        </p:attrNameLst>
+                                      </p:cBhvr>
+                                      <p:to>
+                                        <p:strVal val="hidden"/>
+                                      </p:to>
+                                    </p:set>
+                                  </p:childTnLst>
+                                </p:cTn>
+                              </p:par>
+                              <p:par>
+                                <p:cTn id="79" presetID="2" presetClass="exit" presetSubtype="8" decel="100000" fill="hold" nodeType="withEffect">
+                                  <p:stCondLst>
+                                    <p:cond delay="0"/>
+                                  </p:stCondLst>
+                                  <p:childTnLst>
+                                    <p:anim calcmode="lin" valueType="num">
+                                      <p:cBhvr additive="base">
+                                        <p:cTn id="80" dur="300"/>
+                                        <p:tgtEl>
+                                          <p:spTgt spid="16"/>
+                                        </p:tgtEl>
+                                        <p:attrNameLst>
+                                          <p:attrName>ppt_x</p:attrName>
+                                        </p:attrNameLst>
+                                      </p:cBhvr>
+                                      <p:tavLst>
+                                        <p:tav tm="0">
+                                          <p:val>
+                                            <p:strVal val="ppt_x"/>
+                                          </p:val>
+                                        </p:tav>
+                                        <p:tav tm="100000">
+                                          <p:val>
+                                            <p:strVal val="0-ppt_w/2"/>
+                                          </p:val>
+                                        </p:tav>
+                                      </p:tavLst>
+                                    </p:anim>
+                                    <p:anim calcmode="lin" valueType="num">
+                                      <p:cBhvr additive="base">
+                                        <p:cTn id="81" dur="300"/>
+                                        <p:tgtEl>
+                                          <p:spTgt spid="16"/>
+                                        </p:tgtEl>
+                                        <p:attrNameLst>
+                                          <p:attrName>ppt_y</p:attrName>
+                                        </p:attrNameLst>
+                                      </p:cBhvr>
+                                      <p:tavLst>
+                                        <p:tav tm="0">
+                                          <p:val>
+                                            <p:strVal val="ppt_y"/>
+                                          </p:val>
+                                        </p:tav>
+                                        <p:tav tm="100000">
+                                          <p:val>
+                                            <p:strVal val="ppt_y"/>
+                                          </p:val>
+                                        </p:tav>
+                                      </p:tavLst>
+                                    </p:anim>
+                                    <p:set>
+                                      <p:cBhvr>
+                                        <p:cTn id="82" dur="1" fill="hold">
+                                          <p:stCondLst>
+                                            <p:cond delay="299"/>
+                                          </p:stCondLst>
+                                        </p:cTn>
+                                        <p:tgtEl>
+                                          <p:spTgt spid="16"/>
+                                        </p:tgtEl>
+                                        <p:attrNameLst>
+                                          <p:attrName>style.visibility</p:attrName>
+                                        </p:attrNameLst>
+                                      </p:cBhvr>
+                                      <p:to>
+                                        <p:strVal val="hidden"/>
+                                      </p:to>
+                                    </p:set>
+                                  </p:childTnLst>
+                                </p:cTn>
+                              </p:par>
+                              <p:par>
+                                <p:cTn id="83" presetID="2" presetClass="exit" presetSubtype="8" decel="100000" fill="hold" nodeType="withEffect">
+                                  <p:stCondLst>
+                                    <p:cond delay="0"/>
+                                  </p:stCondLst>
+                                  <p:childTnLst>
+                                    <p:anim calcmode="lin" valueType="num">
+                                      <p:cBhvr additive="base">
+                                        <p:cTn id="84" dur="300"/>
+                                        <p:tgtEl>
+                                          <p:spTgt spid="22"/>
+                                        </p:tgtEl>
+                                        <p:attrNameLst>
+                                          <p:attrName>ppt_x</p:attrName>
+                                        </p:attrNameLst>
+                                      </p:cBhvr>
+                                      <p:tavLst>
+                                        <p:tav tm="0">
+                                          <p:val>
+                                            <p:strVal val="ppt_x"/>
+                                          </p:val>
+                                        </p:tav>
+                                        <p:tav tm="100000">
+                                          <p:val>
+                                            <p:strVal val="0-ppt_w/2"/>
+                                          </p:val>
+                                        </p:tav>
+                                      </p:tavLst>
+                                    </p:anim>
+                                    <p:anim calcmode="lin" valueType="num">
+                                      <p:cBhvr additive="base">
+                                        <p:cTn id="85" dur="300"/>
+                                        <p:tgtEl>
+                                          <p:spTgt spid="22"/>
+                                        </p:tgtEl>
+                                        <p:attrNameLst>
+                                          <p:attrName>ppt_y</p:attrName>
+                                        </p:attrNameLst>
+                                      </p:cBhvr>
+                                      <p:tavLst>
+                                        <p:tav tm="0">
+                                          <p:val>
+                                            <p:strVal val="ppt_y"/>
+                                          </p:val>
+                                        </p:tav>
+                                        <p:tav tm="100000">
+                                          <p:val>
+                                            <p:strVal val="ppt_y"/>
+                                          </p:val>
+                                        </p:tav>
+                                      </p:tavLst>
+                                    </p:anim>
+                                    <p:set>
+                                      <p:cBhvr>
+                                        <p:cTn id="86" dur="1" fill="hold">
+                                          <p:stCondLst>
+                                            <p:cond delay="299"/>
+                                          </p:stCondLst>
+                                        </p:cTn>
+                                        <p:tgtEl>
+                                          <p:spTgt spid="22"/>
+                                        </p:tgtEl>
+                                        <p:attrNameLst>
+                                          <p:attrName>style.visibility</p:attrName>
+                                        </p:attrNameLst>
+                                      </p:cBhvr>
+                                      <p:to>
+                                        <p:strVal val="hidden"/>
+                                      </p:to>
+                                    </p:set>
+                                  </p:childTnLst>
+                                </p:cTn>
+                              </p:par>
+                              <p:par>
+                                <p:cTn id="87" presetID="2" presetClass="exit" presetSubtype="8" decel="100000" fill="hold" grpId="1" nodeType="withEffect">
+                                  <p:stCondLst>
+                                    <p:cond delay="0"/>
+                                  </p:stCondLst>
+                                  <p:childTnLst>
+                                    <p:anim calcmode="lin" valueType="num">
+                                      <p:cBhvr additive="base">
+                                        <p:cTn id="88" dur="300"/>
+                                        <p:tgtEl>
+                                          <p:spTgt spid="18"/>
+                                        </p:tgtEl>
+                                        <p:attrNameLst>
+                                          <p:attrName>ppt_x</p:attrName>
+                                        </p:attrNameLst>
+                                      </p:cBhvr>
+                                      <p:tavLst>
+                                        <p:tav tm="0">
+                                          <p:val>
+                                            <p:strVal val="ppt_x"/>
+                                          </p:val>
+                                        </p:tav>
+                                        <p:tav tm="100000">
+                                          <p:val>
+                                            <p:strVal val="0-ppt_w/2"/>
+                                          </p:val>
+                                        </p:tav>
+                                      </p:tavLst>
+                                    </p:anim>
+                                    <p:anim calcmode="lin" valueType="num">
+                                      <p:cBhvr additive="base">
+                                        <p:cTn id="89" dur="300"/>
+                                        <p:tgtEl>
+                                          <p:spTgt spid="18"/>
+                                        </p:tgtEl>
+                                        <p:attrNameLst>
+                                          <p:attrName>ppt_y</p:attrName>
+                                        </p:attrNameLst>
+                                      </p:cBhvr>
+                                      <p:tavLst>
+                                        <p:tav tm="0">
+                                          <p:val>
+                                            <p:strVal val="ppt_y"/>
+                                          </p:val>
+                                        </p:tav>
+                                        <p:tav tm="100000">
+                                          <p:val>
+                                            <p:strVal val="ppt_y"/>
+                                          </p:val>
+                                        </p:tav>
+                                      </p:tavLst>
+                                    </p:anim>
+                                    <p:set>
+                                      <p:cBhvr>
+                                        <p:cTn id="90" dur="1" fill="hold">
+                                          <p:stCondLst>
+                                            <p:cond delay="299"/>
+                                          </p:stCondLst>
+                                        </p:cTn>
+                                        <p:tgtEl>
+                                          <p:spTgt spid="18"/>
+                                        </p:tgtEl>
+                                        <p:attrNameLst>
+                                          <p:attrName>style.visibility</p:attrName>
+                                        </p:attrNameLst>
+                                      </p:cBhvr>
+                                      <p:to>
+                                        <p:strVal val="hidden"/>
+                                      </p:to>
+                                    </p:set>
+                                  </p:childTnLst>
+                                </p:cTn>
+                              </p:par>
+                              <p:par>
+                                <p:cTn id="91" presetID="2" presetClass="exit" presetSubtype="8" decel="100000" fill="hold" nodeType="withEffect">
+                                  <p:stCondLst>
+                                    <p:cond delay="0"/>
+                                  </p:stCondLst>
+                                  <p:childTnLst>
+                                    <p:anim calcmode="lin" valueType="num">
+                                      <p:cBhvr additive="base">
+                                        <p:cTn id="92" dur="300"/>
+                                        <p:tgtEl>
+                                          <p:spTgt spid="27"/>
+                                        </p:tgtEl>
+                                        <p:attrNameLst>
+                                          <p:attrName>ppt_x</p:attrName>
+                                        </p:attrNameLst>
+                                      </p:cBhvr>
+                                      <p:tavLst>
+                                        <p:tav tm="0">
+                                          <p:val>
+                                            <p:strVal val="ppt_x"/>
+                                          </p:val>
+                                        </p:tav>
+                                        <p:tav tm="100000">
+                                          <p:val>
+                                            <p:strVal val="0-ppt_w/2"/>
+                                          </p:val>
+                                        </p:tav>
+                                      </p:tavLst>
+                                    </p:anim>
+                                    <p:anim calcmode="lin" valueType="num">
+                                      <p:cBhvr additive="base">
+                                        <p:cTn id="93" dur="300"/>
+                                        <p:tgtEl>
+                                          <p:spTgt spid="27"/>
+                                        </p:tgtEl>
+                                        <p:attrNameLst>
+                                          <p:attrName>ppt_y</p:attrName>
+                                        </p:attrNameLst>
+                                      </p:cBhvr>
+                                      <p:tavLst>
+                                        <p:tav tm="0">
+                                          <p:val>
+                                            <p:strVal val="ppt_y"/>
+                                          </p:val>
+                                        </p:tav>
+                                        <p:tav tm="100000">
+                                          <p:val>
+                                            <p:strVal val="ppt_y"/>
+                                          </p:val>
+                                        </p:tav>
+                                      </p:tavLst>
+                                    </p:anim>
+                                    <p:set>
+                                      <p:cBhvr>
+                                        <p:cTn id="94" dur="1" fill="hold">
+                                          <p:stCondLst>
+                                            <p:cond delay="299"/>
+                                          </p:stCondLst>
+                                        </p:cTn>
+                                        <p:tgtEl>
+                                          <p:spTgt spid="27"/>
+                                        </p:tgtEl>
+                                        <p:attrNameLst>
+                                          <p:attrName>style.visibility</p:attrName>
+                                        </p:attrNameLst>
+                                      </p:cBhvr>
+                                      <p:to>
+                                        <p:strVal val="hidden"/>
+                                      </p:to>
+                                    </p:set>
+                                  </p:childTnLst>
+                                </p:cTn>
+                              </p:par>
+                              <p:par>
+                                <p:cTn id="95" presetID="2" presetClass="exit" presetSubtype="8" decel="100000" fill="hold" nodeType="withEffect">
+                                  <p:stCondLst>
+                                    <p:cond delay="0"/>
+                                  </p:stCondLst>
+                                  <p:childTnLst>
+                                    <p:anim calcmode="lin" valueType="num">
+                                      <p:cBhvr additive="base">
+                                        <p:cTn id="96" dur="300"/>
+                                        <p:tgtEl>
+                                          <p:spTgt spid="31"/>
+                                        </p:tgtEl>
+                                        <p:attrNameLst>
+                                          <p:attrName>ppt_x</p:attrName>
+                                        </p:attrNameLst>
+                                      </p:cBhvr>
+                                      <p:tavLst>
+                                        <p:tav tm="0">
+                                          <p:val>
+                                            <p:strVal val="ppt_x"/>
+                                          </p:val>
+                                        </p:tav>
+                                        <p:tav tm="100000">
+                                          <p:val>
+                                            <p:strVal val="0-ppt_w/2"/>
+                                          </p:val>
+                                        </p:tav>
+                                      </p:tavLst>
+                                    </p:anim>
+                                    <p:anim calcmode="lin" valueType="num">
+                                      <p:cBhvr additive="base">
+                                        <p:cTn id="97" dur="300"/>
+                                        <p:tgtEl>
+                                          <p:spTgt spid="31"/>
+                                        </p:tgtEl>
+                                        <p:attrNameLst>
+                                          <p:attrName>ppt_y</p:attrName>
+                                        </p:attrNameLst>
+                                      </p:cBhvr>
+                                      <p:tavLst>
+                                        <p:tav tm="0">
+                                          <p:val>
+                                            <p:strVal val="ppt_y"/>
+                                          </p:val>
+                                        </p:tav>
+                                        <p:tav tm="100000">
+                                          <p:val>
+                                            <p:strVal val="ppt_y"/>
+                                          </p:val>
+                                        </p:tav>
+                                      </p:tavLst>
+                                    </p:anim>
+                                    <p:set>
+                                      <p:cBhvr>
+                                        <p:cTn id="98" dur="1" fill="hold">
+                                          <p:stCondLst>
+                                            <p:cond delay="299"/>
+                                          </p:stCondLst>
+                                        </p:cTn>
+                                        <p:tgtEl>
+                                          <p:spTgt spid="31"/>
+                                        </p:tgtEl>
+                                        <p:attrNameLst>
+                                          <p:attrName>style.visibility</p:attrName>
+                                        </p:attrNameLst>
+                                      </p:cBhvr>
+                                      <p:to>
+                                        <p:strVal val="hidden"/>
+                                      </p:to>
+                                    </p:set>
+                                  </p:childTnLst>
+                                </p:cTn>
+                              </p:par>
+                              <p:par>
+                                <p:cTn id="99" presetID="2" presetClass="exit" presetSubtype="8" decel="100000" fill="hold" nodeType="withEffect">
+                                  <p:stCondLst>
+                                    <p:cond delay="0"/>
+                                  </p:stCondLst>
+                                  <p:childTnLst>
+                                    <p:anim calcmode="lin" valueType="num">
+                                      <p:cBhvr additive="base">
+                                        <p:cTn id="100" dur="300"/>
+                                        <p:tgtEl>
+                                          <p:spTgt spid="34"/>
+                                        </p:tgtEl>
+                                        <p:attrNameLst>
+                                          <p:attrName>ppt_x</p:attrName>
+                                        </p:attrNameLst>
+                                      </p:cBhvr>
+                                      <p:tavLst>
+                                        <p:tav tm="0">
+                                          <p:val>
+                                            <p:strVal val="ppt_x"/>
+                                          </p:val>
+                                        </p:tav>
+                                        <p:tav tm="100000">
+                                          <p:val>
+                                            <p:strVal val="0-ppt_w/2"/>
+                                          </p:val>
+                                        </p:tav>
+                                      </p:tavLst>
+                                    </p:anim>
+                                    <p:anim calcmode="lin" valueType="num">
+                                      <p:cBhvr additive="base">
+                                        <p:cTn id="101" dur="300"/>
+                                        <p:tgtEl>
+                                          <p:spTgt spid="34"/>
+                                        </p:tgtEl>
+                                        <p:attrNameLst>
+                                          <p:attrName>ppt_y</p:attrName>
+                                        </p:attrNameLst>
+                                      </p:cBhvr>
+                                      <p:tavLst>
+                                        <p:tav tm="0">
+                                          <p:val>
+                                            <p:strVal val="ppt_y"/>
+                                          </p:val>
+                                        </p:tav>
+                                        <p:tav tm="100000">
+                                          <p:val>
+                                            <p:strVal val="ppt_y"/>
+                                          </p:val>
+                                        </p:tav>
+                                      </p:tavLst>
+                                    </p:anim>
+                                    <p:set>
+                                      <p:cBhvr>
+                                        <p:cTn id="102" dur="1" fill="hold">
+                                          <p:stCondLst>
+                                            <p:cond delay="299"/>
+                                          </p:stCondLst>
+                                        </p:cTn>
+                                        <p:tgtEl>
+                                          <p:spTgt spid="34"/>
+                                        </p:tgtEl>
+                                        <p:attrNameLst>
+                                          <p:attrName>style.visibility</p:attrName>
+                                        </p:attrNameLst>
+                                      </p:cBhvr>
+                                      <p:to>
+                                        <p:strVal val="hidden"/>
+                                      </p:to>
+                                    </p:set>
+                                  </p:childTnLst>
+                                </p:cTn>
+                              </p:par>
+                              <p:par>
+                                <p:cTn id="103" presetID="2" presetClass="exit" presetSubtype="8" decel="100000" fill="hold" grpId="1" nodeType="withEffect">
+                                  <p:stCondLst>
+                                    <p:cond delay="0"/>
+                                  </p:stCondLst>
+                                  <p:childTnLst>
+                                    <p:anim calcmode="lin" valueType="num">
+                                      <p:cBhvr additive="base">
+                                        <p:cTn id="104" dur="300"/>
+                                        <p:tgtEl>
+                                          <p:spTgt spid="151"/>
+                                        </p:tgtEl>
+                                        <p:attrNameLst>
+                                          <p:attrName>ppt_x</p:attrName>
+                                        </p:attrNameLst>
+                                      </p:cBhvr>
+                                      <p:tavLst>
+                                        <p:tav tm="0">
+                                          <p:val>
+                                            <p:strVal val="ppt_x"/>
+                                          </p:val>
+                                        </p:tav>
+                                        <p:tav tm="100000">
+                                          <p:val>
+                                            <p:strVal val="0-ppt_w/2"/>
+                                          </p:val>
+                                        </p:tav>
+                                      </p:tavLst>
+                                    </p:anim>
+                                    <p:anim calcmode="lin" valueType="num">
+                                      <p:cBhvr additive="base">
+                                        <p:cTn id="105" dur="300"/>
+                                        <p:tgtEl>
+                                          <p:spTgt spid="151"/>
+                                        </p:tgtEl>
+                                        <p:attrNameLst>
+                                          <p:attrName>ppt_y</p:attrName>
+                                        </p:attrNameLst>
+                                      </p:cBhvr>
+                                      <p:tavLst>
+                                        <p:tav tm="0">
+                                          <p:val>
+                                            <p:strVal val="ppt_y"/>
+                                          </p:val>
+                                        </p:tav>
+                                        <p:tav tm="100000">
+                                          <p:val>
+                                            <p:strVal val="ppt_y"/>
+                                          </p:val>
+                                        </p:tav>
+                                      </p:tavLst>
+                                    </p:anim>
+                                    <p:set>
+                                      <p:cBhvr>
+                                        <p:cTn id="106" dur="1" fill="hold">
+                                          <p:stCondLst>
+                                            <p:cond delay="299"/>
+                                          </p:stCondLst>
+                                        </p:cTn>
+                                        <p:tgtEl>
+                                          <p:spTgt spid="151"/>
+                                        </p:tgtEl>
+                                        <p:attrNameLst>
+                                          <p:attrName>style.visibility</p:attrName>
+                                        </p:attrNameLst>
+                                      </p:cBhvr>
+                                      <p:to>
+                                        <p:strVal val="hidden"/>
+                                      </p:to>
+                                    </p:set>
+                                  </p:childTnLst>
+                                </p:cTn>
+                              </p:par>
+                              <p:par>
+                                <p:cTn id="107" presetID="2" presetClass="exit" presetSubtype="8" decel="100000" fill="hold" nodeType="withEffect">
+                                  <p:stCondLst>
+                                    <p:cond delay="0"/>
+                                  </p:stCondLst>
+                                  <p:childTnLst>
+                                    <p:anim calcmode="lin" valueType="num">
+                                      <p:cBhvr additive="base">
+                                        <p:cTn id="108" dur="300"/>
+                                        <p:tgtEl>
+                                          <p:spTgt spid="152"/>
+                                        </p:tgtEl>
+                                        <p:attrNameLst>
+                                          <p:attrName>ppt_x</p:attrName>
+                                        </p:attrNameLst>
+                                      </p:cBhvr>
+                                      <p:tavLst>
+                                        <p:tav tm="0">
+                                          <p:val>
+                                            <p:strVal val="ppt_x"/>
+                                          </p:val>
+                                        </p:tav>
+                                        <p:tav tm="100000">
+                                          <p:val>
+                                            <p:strVal val="0-ppt_w/2"/>
+                                          </p:val>
+                                        </p:tav>
+                                      </p:tavLst>
+                                    </p:anim>
+                                    <p:anim calcmode="lin" valueType="num">
+                                      <p:cBhvr additive="base">
+                                        <p:cTn id="109" dur="300"/>
+                                        <p:tgtEl>
+                                          <p:spTgt spid="152"/>
+                                        </p:tgtEl>
+                                        <p:attrNameLst>
+                                          <p:attrName>ppt_y</p:attrName>
+                                        </p:attrNameLst>
+                                      </p:cBhvr>
+                                      <p:tavLst>
+                                        <p:tav tm="0">
+                                          <p:val>
+                                            <p:strVal val="ppt_y"/>
+                                          </p:val>
+                                        </p:tav>
+                                        <p:tav tm="100000">
+                                          <p:val>
+                                            <p:strVal val="ppt_y"/>
+                                          </p:val>
+                                        </p:tav>
+                                      </p:tavLst>
+                                    </p:anim>
+                                    <p:set>
+                                      <p:cBhvr>
+                                        <p:cTn id="110" dur="1" fill="hold">
+                                          <p:stCondLst>
+                                            <p:cond delay="299"/>
+                                          </p:stCondLst>
+                                        </p:cTn>
+                                        <p:tgtEl>
+                                          <p:spTgt spid="152"/>
+                                        </p:tgtEl>
+                                        <p:attrNameLst>
+                                          <p:attrName>style.visibility</p:attrName>
+                                        </p:attrNameLst>
+                                      </p:cBhvr>
+                                      <p:to>
+                                        <p:strVal val="hidden"/>
+                                      </p:to>
+                                    </p:set>
+                                  </p:childTnLst>
+                                </p:cTn>
+                              </p:par>
+                              <p:par>
+                                <p:cTn id="111" presetID="2" presetClass="exit" presetSubtype="8" decel="100000" fill="hold" nodeType="withEffect">
+                                  <p:stCondLst>
+                                    <p:cond delay="0"/>
+                                  </p:stCondLst>
+                                  <p:childTnLst>
+                                    <p:anim calcmode="lin" valueType="num">
+                                      <p:cBhvr additive="base">
+                                        <p:cTn id="112" dur="300"/>
+                                        <p:tgtEl>
+                                          <p:spTgt spid="155"/>
+                                        </p:tgtEl>
+                                        <p:attrNameLst>
+                                          <p:attrName>ppt_x</p:attrName>
+                                        </p:attrNameLst>
+                                      </p:cBhvr>
+                                      <p:tavLst>
+                                        <p:tav tm="0">
+                                          <p:val>
+                                            <p:strVal val="ppt_x"/>
+                                          </p:val>
+                                        </p:tav>
+                                        <p:tav tm="100000">
+                                          <p:val>
+                                            <p:strVal val="0-ppt_w/2"/>
+                                          </p:val>
+                                        </p:tav>
+                                      </p:tavLst>
+                                    </p:anim>
+                                    <p:anim calcmode="lin" valueType="num">
+                                      <p:cBhvr additive="base">
+                                        <p:cTn id="113" dur="300"/>
+                                        <p:tgtEl>
+                                          <p:spTgt spid="155"/>
+                                        </p:tgtEl>
+                                        <p:attrNameLst>
+                                          <p:attrName>ppt_y</p:attrName>
+                                        </p:attrNameLst>
+                                      </p:cBhvr>
+                                      <p:tavLst>
+                                        <p:tav tm="0">
+                                          <p:val>
+                                            <p:strVal val="ppt_y"/>
+                                          </p:val>
+                                        </p:tav>
+                                        <p:tav tm="100000">
+                                          <p:val>
+                                            <p:strVal val="ppt_y"/>
+                                          </p:val>
+                                        </p:tav>
+                                      </p:tavLst>
+                                    </p:anim>
+                                    <p:set>
+                                      <p:cBhvr>
+                                        <p:cTn id="114" dur="1" fill="hold">
+                                          <p:stCondLst>
+                                            <p:cond delay="299"/>
+                                          </p:stCondLst>
+                                        </p:cTn>
+                                        <p:tgtEl>
+                                          <p:spTgt spid="155"/>
+                                        </p:tgtEl>
+                                        <p:attrNameLst>
+                                          <p:attrName>style.visibility</p:attrName>
+                                        </p:attrNameLst>
+                                      </p:cBhvr>
+                                      <p:to>
+                                        <p:strVal val="hidden"/>
+                                      </p:to>
+                                    </p:set>
+                                  </p:childTnLst>
+                                </p:cTn>
+                              </p:par>
+                              <p:par>
+                                <p:cTn id="115" presetID="2" presetClass="exit" presetSubtype="8" decel="100000" fill="hold" nodeType="withEffect">
+                                  <p:stCondLst>
+                                    <p:cond delay="0"/>
+                                  </p:stCondLst>
+                                  <p:childTnLst>
+                                    <p:anim calcmode="lin" valueType="num">
+                                      <p:cBhvr additive="base">
+                                        <p:cTn id="116" dur="300"/>
+                                        <p:tgtEl>
+                                          <p:spTgt spid="158"/>
+                                        </p:tgtEl>
+                                        <p:attrNameLst>
+                                          <p:attrName>ppt_x</p:attrName>
+                                        </p:attrNameLst>
+                                      </p:cBhvr>
+                                      <p:tavLst>
+                                        <p:tav tm="0">
+                                          <p:val>
+                                            <p:strVal val="ppt_x"/>
+                                          </p:val>
+                                        </p:tav>
+                                        <p:tav tm="100000">
+                                          <p:val>
+                                            <p:strVal val="0-ppt_w/2"/>
+                                          </p:val>
+                                        </p:tav>
+                                      </p:tavLst>
+                                    </p:anim>
+                                    <p:anim calcmode="lin" valueType="num">
+                                      <p:cBhvr additive="base">
+                                        <p:cTn id="117" dur="300"/>
+                                        <p:tgtEl>
+                                          <p:spTgt spid="158"/>
+                                        </p:tgtEl>
+                                        <p:attrNameLst>
+                                          <p:attrName>ppt_y</p:attrName>
+                                        </p:attrNameLst>
+                                      </p:cBhvr>
+                                      <p:tavLst>
+                                        <p:tav tm="0">
+                                          <p:val>
+                                            <p:strVal val="ppt_y"/>
+                                          </p:val>
+                                        </p:tav>
+                                        <p:tav tm="100000">
+                                          <p:val>
+                                            <p:strVal val="ppt_y"/>
+                                          </p:val>
+                                        </p:tav>
+                                      </p:tavLst>
+                                    </p:anim>
+                                    <p:set>
+                                      <p:cBhvr>
+                                        <p:cTn id="118" dur="1" fill="hold">
+                                          <p:stCondLst>
+                                            <p:cond delay="299"/>
+                                          </p:stCondLst>
+                                        </p:cTn>
+                                        <p:tgtEl>
+                                          <p:spTgt spid="158"/>
+                                        </p:tgtEl>
+                                        <p:attrNameLst>
+                                          <p:attrName>style.visibility</p:attrName>
+                                        </p:attrNameLst>
+                                      </p:cBhvr>
+                                      <p:to>
+                                        <p:strVal val="hidden"/>
+                                      </p:to>
+                                    </p:set>
+                                  </p:childTnLst>
+                                </p:cTn>
+                              </p:par>
+                              <p:par>
+                                <p:cTn id="119" presetID="2" presetClass="exit" presetSubtype="8" decel="100000" fill="hold" nodeType="withEffect">
+                                  <p:stCondLst>
+                                    <p:cond delay="0"/>
+                                  </p:stCondLst>
+                                  <p:childTnLst>
+                                    <p:anim calcmode="lin" valueType="num">
+                                      <p:cBhvr additive="base">
+                                        <p:cTn id="120" dur="300"/>
+                                        <p:tgtEl>
+                                          <p:spTgt spid="161"/>
+                                        </p:tgtEl>
+                                        <p:attrNameLst>
+                                          <p:attrName>ppt_x</p:attrName>
+                                        </p:attrNameLst>
+                                      </p:cBhvr>
+                                      <p:tavLst>
+                                        <p:tav tm="0">
+                                          <p:val>
+                                            <p:strVal val="ppt_x"/>
+                                          </p:val>
+                                        </p:tav>
+                                        <p:tav tm="100000">
+                                          <p:val>
+                                            <p:strVal val="0-ppt_w/2"/>
+                                          </p:val>
+                                        </p:tav>
+                                      </p:tavLst>
+                                    </p:anim>
+                                    <p:anim calcmode="lin" valueType="num">
+                                      <p:cBhvr additive="base">
+                                        <p:cTn id="121" dur="300"/>
+                                        <p:tgtEl>
+                                          <p:spTgt spid="161"/>
+                                        </p:tgtEl>
+                                        <p:attrNameLst>
+                                          <p:attrName>ppt_y</p:attrName>
+                                        </p:attrNameLst>
+                                      </p:cBhvr>
+                                      <p:tavLst>
+                                        <p:tav tm="0">
+                                          <p:val>
+                                            <p:strVal val="ppt_y"/>
+                                          </p:val>
+                                        </p:tav>
+                                        <p:tav tm="100000">
+                                          <p:val>
+                                            <p:strVal val="ppt_y"/>
+                                          </p:val>
+                                        </p:tav>
+                                      </p:tavLst>
+                                    </p:anim>
+                                    <p:set>
+                                      <p:cBhvr>
+                                        <p:cTn id="122" dur="1" fill="hold">
+                                          <p:stCondLst>
+                                            <p:cond delay="299"/>
+                                          </p:stCondLst>
+                                        </p:cTn>
+                                        <p:tgtEl>
+                                          <p:spTgt spid="161"/>
+                                        </p:tgtEl>
+                                        <p:attrNameLst>
+                                          <p:attrName>style.visibility</p:attrName>
+                                        </p:attrNameLst>
+                                      </p:cBhvr>
+                                      <p:to>
+                                        <p:strVal val="hidden"/>
+                                      </p:to>
+                                    </p:set>
+                                  </p:childTnLst>
+                                </p:cTn>
+                              </p:par>
+                              <p:par>
+                                <p:cTn id="123" presetID="2" presetClass="exit" presetSubtype="8" decel="100000" fill="hold" nodeType="withEffect">
+                                  <p:stCondLst>
+                                    <p:cond delay="0"/>
+                                  </p:stCondLst>
+                                  <p:childTnLst>
+                                    <p:anim calcmode="lin" valueType="num">
+                                      <p:cBhvr additive="base">
+                                        <p:cTn id="124" dur="300"/>
+                                        <p:tgtEl>
+                                          <p:spTgt spid="164"/>
+                                        </p:tgtEl>
+                                        <p:attrNameLst>
+                                          <p:attrName>ppt_x</p:attrName>
+                                        </p:attrNameLst>
+                                      </p:cBhvr>
+                                      <p:tavLst>
+                                        <p:tav tm="0">
+                                          <p:val>
+                                            <p:strVal val="ppt_x"/>
+                                          </p:val>
+                                        </p:tav>
+                                        <p:tav tm="100000">
+                                          <p:val>
+                                            <p:strVal val="0-ppt_w/2"/>
+                                          </p:val>
+                                        </p:tav>
+                                      </p:tavLst>
+                                    </p:anim>
+                                    <p:anim calcmode="lin" valueType="num">
+                                      <p:cBhvr additive="base">
+                                        <p:cTn id="125" dur="300"/>
+                                        <p:tgtEl>
+                                          <p:spTgt spid="164"/>
+                                        </p:tgtEl>
+                                        <p:attrNameLst>
+                                          <p:attrName>ppt_y</p:attrName>
+                                        </p:attrNameLst>
+                                      </p:cBhvr>
+                                      <p:tavLst>
+                                        <p:tav tm="0">
+                                          <p:val>
+                                            <p:strVal val="ppt_y"/>
+                                          </p:val>
+                                        </p:tav>
+                                        <p:tav tm="100000">
+                                          <p:val>
+                                            <p:strVal val="ppt_y"/>
+                                          </p:val>
+                                        </p:tav>
+                                      </p:tavLst>
+                                    </p:anim>
+                                    <p:set>
+                                      <p:cBhvr>
+                                        <p:cTn id="126" dur="1" fill="hold">
+                                          <p:stCondLst>
+                                            <p:cond delay="299"/>
+                                          </p:stCondLst>
+                                        </p:cTn>
+                                        <p:tgtEl>
+                                          <p:spTgt spid="164"/>
+                                        </p:tgtEl>
+                                        <p:attrNameLst>
+                                          <p:attrName>style.visibility</p:attrName>
+                                        </p:attrNameLst>
+                                      </p:cBhvr>
+                                      <p:to>
+                                        <p:strVal val="hidden"/>
+                                      </p:to>
+                                    </p:set>
+                                  </p:childTnLst>
+                                </p:cTn>
+                              </p:par>
+                              <p:par>
+                                <p:cTn id="127" presetID="2" presetClass="exit" presetSubtype="8" decel="100000" fill="hold" nodeType="withEffect">
+                                  <p:stCondLst>
+                                    <p:cond delay="0"/>
+                                  </p:stCondLst>
+                                  <p:childTnLst>
+                                    <p:anim calcmode="lin" valueType="num">
+                                      <p:cBhvr additive="base">
+                                        <p:cTn id="128" dur="300"/>
+                                        <p:tgtEl>
+                                          <p:spTgt spid="167"/>
+                                        </p:tgtEl>
+                                        <p:attrNameLst>
+                                          <p:attrName>ppt_x</p:attrName>
+                                        </p:attrNameLst>
+                                      </p:cBhvr>
+                                      <p:tavLst>
+                                        <p:tav tm="0">
+                                          <p:val>
+                                            <p:strVal val="ppt_x"/>
+                                          </p:val>
+                                        </p:tav>
+                                        <p:tav tm="100000">
+                                          <p:val>
+                                            <p:strVal val="0-ppt_w/2"/>
+                                          </p:val>
+                                        </p:tav>
+                                      </p:tavLst>
+                                    </p:anim>
+                                    <p:anim calcmode="lin" valueType="num">
+                                      <p:cBhvr additive="base">
+                                        <p:cTn id="129" dur="300"/>
+                                        <p:tgtEl>
+                                          <p:spTgt spid="167"/>
+                                        </p:tgtEl>
+                                        <p:attrNameLst>
+                                          <p:attrName>ppt_y</p:attrName>
+                                        </p:attrNameLst>
+                                      </p:cBhvr>
+                                      <p:tavLst>
+                                        <p:tav tm="0">
+                                          <p:val>
+                                            <p:strVal val="ppt_y"/>
+                                          </p:val>
+                                        </p:tav>
+                                        <p:tav tm="100000">
+                                          <p:val>
+                                            <p:strVal val="ppt_y"/>
+                                          </p:val>
+                                        </p:tav>
+                                      </p:tavLst>
+                                    </p:anim>
+                                    <p:set>
+                                      <p:cBhvr>
+                                        <p:cTn id="130" dur="1" fill="hold">
+                                          <p:stCondLst>
+                                            <p:cond delay="299"/>
+                                          </p:stCondLst>
+                                        </p:cTn>
+                                        <p:tgtEl>
+                                          <p:spTgt spid="167"/>
+                                        </p:tgtEl>
+                                        <p:attrNameLst>
+                                          <p:attrName>style.visibility</p:attrName>
+                                        </p:attrNameLst>
+                                      </p:cBhvr>
+                                      <p:to>
+                                        <p:strVal val="hidden"/>
+                                      </p:to>
+                                    </p:set>
+                                  </p:childTnLst>
+                                </p:cTn>
+                              </p:par>
+                              <p:par>
+                                <p:cTn id="131" presetID="2" presetClass="exit" presetSubtype="8" decel="100000" fill="hold" nodeType="withEffect">
+                                  <p:stCondLst>
+                                    <p:cond delay="0"/>
+                                  </p:stCondLst>
+                                  <p:childTnLst>
+                                    <p:anim calcmode="lin" valueType="num">
+                                      <p:cBhvr additive="base">
+                                        <p:cTn id="132" dur="300"/>
+                                        <p:tgtEl>
+                                          <p:spTgt spid="170"/>
+                                        </p:tgtEl>
+                                        <p:attrNameLst>
+                                          <p:attrName>ppt_x</p:attrName>
+                                        </p:attrNameLst>
+                                      </p:cBhvr>
+                                      <p:tavLst>
+                                        <p:tav tm="0">
+                                          <p:val>
+                                            <p:strVal val="ppt_x"/>
+                                          </p:val>
+                                        </p:tav>
+                                        <p:tav tm="100000">
+                                          <p:val>
+                                            <p:strVal val="0-ppt_w/2"/>
+                                          </p:val>
+                                        </p:tav>
+                                      </p:tavLst>
+                                    </p:anim>
+                                    <p:anim calcmode="lin" valueType="num">
+                                      <p:cBhvr additive="base">
+                                        <p:cTn id="133" dur="300"/>
+                                        <p:tgtEl>
+                                          <p:spTgt spid="170"/>
+                                        </p:tgtEl>
+                                        <p:attrNameLst>
+                                          <p:attrName>ppt_y</p:attrName>
+                                        </p:attrNameLst>
+                                      </p:cBhvr>
+                                      <p:tavLst>
+                                        <p:tav tm="0">
+                                          <p:val>
+                                            <p:strVal val="ppt_y"/>
+                                          </p:val>
+                                        </p:tav>
+                                        <p:tav tm="100000">
+                                          <p:val>
+                                            <p:strVal val="ppt_y"/>
+                                          </p:val>
+                                        </p:tav>
+                                      </p:tavLst>
+                                    </p:anim>
+                                    <p:set>
+                                      <p:cBhvr>
+                                        <p:cTn id="134" dur="1" fill="hold">
+                                          <p:stCondLst>
+                                            <p:cond delay="299"/>
+                                          </p:stCondLst>
+                                        </p:cTn>
+                                        <p:tgtEl>
+                                          <p:spTgt spid="170"/>
+                                        </p:tgtEl>
+                                        <p:attrNameLst>
+                                          <p:attrName>style.visibility</p:attrName>
+                                        </p:attrNameLst>
+                                      </p:cBhvr>
+                                      <p:to>
+                                        <p:strVal val="hidden"/>
+                                      </p:to>
+                                    </p:set>
+                                  </p:childTnLst>
+                                </p:cTn>
+                              </p:par>
+                              <p:par>
+                                <p:cTn id="135" presetID="2" presetClass="exit" presetSubtype="8" decel="100000" fill="hold" nodeType="withEffect">
+                                  <p:stCondLst>
+                                    <p:cond delay="0"/>
+                                  </p:stCondLst>
+                                  <p:childTnLst>
+                                    <p:anim calcmode="lin" valueType="num">
+                                      <p:cBhvr additive="base">
+                                        <p:cTn id="136" dur="300"/>
+                                        <p:tgtEl>
+                                          <p:spTgt spid="173"/>
+                                        </p:tgtEl>
+                                        <p:attrNameLst>
+                                          <p:attrName>ppt_x</p:attrName>
+                                        </p:attrNameLst>
+                                      </p:cBhvr>
+                                      <p:tavLst>
+                                        <p:tav tm="0">
+                                          <p:val>
+                                            <p:strVal val="ppt_x"/>
+                                          </p:val>
+                                        </p:tav>
+                                        <p:tav tm="100000">
+                                          <p:val>
+                                            <p:strVal val="0-ppt_w/2"/>
+                                          </p:val>
+                                        </p:tav>
+                                      </p:tavLst>
+                                    </p:anim>
+                                    <p:anim calcmode="lin" valueType="num">
+                                      <p:cBhvr additive="base">
+                                        <p:cTn id="137" dur="300"/>
+                                        <p:tgtEl>
+                                          <p:spTgt spid="173"/>
+                                        </p:tgtEl>
+                                        <p:attrNameLst>
+                                          <p:attrName>ppt_y</p:attrName>
+                                        </p:attrNameLst>
+                                      </p:cBhvr>
+                                      <p:tavLst>
+                                        <p:tav tm="0">
+                                          <p:val>
+                                            <p:strVal val="ppt_y"/>
+                                          </p:val>
+                                        </p:tav>
+                                        <p:tav tm="100000">
+                                          <p:val>
+                                            <p:strVal val="ppt_y"/>
+                                          </p:val>
+                                        </p:tav>
+                                      </p:tavLst>
+                                    </p:anim>
+                                    <p:set>
+                                      <p:cBhvr>
+                                        <p:cTn id="138" dur="1" fill="hold">
+                                          <p:stCondLst>
+                                            <p:cond delay="299"/>
+                                          </p:stCondLst>
+                                        </p:cTn>
+                                        <p:tgtEl>
+                                          <p:spTgt spid="173"/>
+                                        </p:tgtEl>
+                                        <p:attrNameLst>
+                                          <p:attrName>style.visibility</p:attrName>
+                                        </p:attrNameLst>
+                                      </p:cBhvr>
+                                      <p:to>
+                                        <p:strVal val="hidden"/>
+                                      </p:to>
+                                    </p:set>
+                                  </p:childTnLst>
+                                </p:cTn>
+                              </p:par>
+                              <p:par>
+                                <p:cTn id="139" presetID="2" presetClass="exit" presetSubtype="8" decel="100000" fill="hold" grpId="0" nodeType="withEffect" nodePh="1">
+                                  <p:stCondLst>
+                                    <p:cond delay="0"/>
+                                  </p:stCondLst>
+                                  <p:endCondLst>
+                                    <p:cond evt="begin" delay="0">
+                                      <p:tn val="139"/>
+                                    </p:cond>
+                                  </p:endCondLst>
+                                  <p:childTnLst>
+                                    <p:anim calcmode="lin" valueType="num">
+                                      <p:cBhvr additive="base">
+                                        <p:cTn id="140" dur="300"/>
+                                        <p:tgtEl>
+                                          <p:spTgt spid="64"/>
+                                        </p:tgtEl>
+                                        <p:attrNameLst>
+                                          <p:attrName>ppt_x</p:attrName>
+                                        </p:attrNameLst>
+                                      </p:cBhvr>
+                                      <p:tavLst>
+                                        <p:tav tm="0">
+                                          <p:val>
+                                            <p:strVal val="ppt_x"/>
+                                          </p:val>
+                                        </p:tav>
+                                        <p:tav tm="100000">
+                                          <p:val>
+                                            <p:strVal val="0-ppt_w/2"/>
+                                          </p:val>
+                                        </p:tav>
+                                      </p:tavLst>
+                                    </p:anim>
+                                    <p:anim calcmode="lin" valueType="num">
+                                      <p:cBhvr additive="base">
+                                        <p:cTn id="141" dur="300"/>
+                                        <p:tgtEl>
+                                          <p:spTgt spid="64"/>
+                                        </p:tgtEl>
+                                        <p:attrNameLst>
+                                          <p:attrName>ppt_y</p:attrName>
+                                        </p:attrNameLst>
+                                      </p:cBhvr>
+                                      <p:tavLst>
+                                        <p:tav tm="0">
+                                          <p:val>
+                                            <p:strVal val="ppt_y"/>
+                                          </p:val>
+                                        </p:tav>
+                                        <p:tav tm="100000">
+                                          <p:val>
+                                            <p:strVal val="ppt_y"/>
+                                          </p:val>
+                                        </p:tav>
+                                      </p:tavLst>
+                                    </p:anim>
+                                    <p:set>
+                                      <p:cBhvr>
+                                        <p:cTn id="142" dur="1" fill="hold">
+                                          <p:stCondLst>
+                                            <p:cond delay="299"/>
+                                          </p:stCondLst>
+                                        </p:cTn>
+                                        <p:tgtEl>
+                                          <p:spTgt spid="64"/>
+                                        </p:tgtEl>
+                                        <p:attrNameLst>
+                                          <p:attrName>style.visibility</p:attrName>
+                                        </p:attrNameLst>
+                                      </p:cBhvr>
+                                      <p:to>
+                                        <p:strVal val="hidden"/>
+                                      </p:to>
+                                    </p:set>
+                                  </p:childTnLst>
+                                </p:cTn>
+                              </p:par>
+                              <p:par>
+                                <p:cTn id="143" presetID="2" presetClass="exit" presetSubtype="8" decel="100000" fill="hold" grpId="1" nodeType="withEffect">
+                                  <p:stCondLst>
+                                    <p:cond delay="0"/>
+                                  </p:stCondLst>
+                                  <p:childTnLst>
+                                    <p:anim calcmode="lin" valueType="num">
+                                      <p:cBhvr additive="base">
+                                        <p:cTn id="144" dur="300"/>
+                                        <p:tgtEl>
+                                          <p:spTgt spid="13"/>
+                                        </p:tgtEl>
+                                        <p:attrNameLst>
+                                          <p:attrName>ppt_x</p:attrName>
+                                        </p:attrNameLst>
+                                      </p:cBhvr>
+                                      <p:tavLst>
+                                        <p:tav tm="0">
+                                          <p:val>
+                                            <p:strVal val="ppt_x"/>
+                                          </p:val>
+                                        </p:tav>
+                                        <p:tav tm="100000">
+                                          <p:val>
+                                            <p:strVal val="0-ppt_w/2"/>
+                                          </p:val>
+                                        </p:tav>
+                                      </p:tavLst>
+                                    </p:anim>
+                                    <p:anim calcmode="lin" valueType="num">
+                                      <p:cBhvr additive="base">
+                                        <p:cTn id="145" dur="300"/>
+                                        <p:tgtEl>
+                                          <p:spTgt spid="13"/>
+                                        </p:tgtEl>
+                                        <p:attrNameLst>
+                                          <p:attrName>ppt_y</p:attrName>
+                                        </p:attrNameLst>
+                                      </p:cBhvr>
+                                      <p:tavLst>
+                                        <p:tav tm="0">
+                                          <p:val>
+                                            <p:strVal val="ppt_y"/>
+                                          </p:val>
+                                        </p:tav>
+                                        <p:tav tm="100000">
+                                          <p:val>
+                                            <p:strVal val="ppt_y"/>
+                                          </p:val>
+                                        </p:tav>
+                                      </p:tavLst>
+                                    </p:anim>
+                                    <p:set>
+                                      <p:cBhvr>
+                                        <p:cTn id="146" dur="1" fill="hold">
+                                          <p:stCondLst>
+                                            <p:cond delay="299"/>
+                                          </p:stCondLst>
+                                        </p:cTn>
+                                        <p:tgtEl>
+                                          <p:spTgt spid="13"/>
+                                        </p:tgtEl>
+                                        <p:attrNameLst>
+                                          <p:attrName>style.visibility</p:attrName>
+                                        </p:attrNameLst>
+                                      </p:cBhvr>
+                                      <p:to>
+                                        <p:strVal val="hidden"/>
+                                      </p:to>
+                                    </p:set>
+                                  </p:childTnLst>
+                                </p:cTn>
+                              </p:par>
+                            </p:childTnLst>
+                          </p:cTn>
+                        </p:par>
+                        <p:par>
+                          <p:cTn id="147" fill="hold">
+                            <p:stCondLst>
+                              <p:cond delay="300"/>
+                            </p:stCondLst>
+                            <p:childTnLst>
+                              <p:par>
+                                <p:cTn id="148" presetID="42" presetClass="path" presetSubtype="0" decel="100000" fill="hold" grpId="0" nodeType="afterEffect">
+                                  <p:stCondLst>
+                                    <p:cond delay="0"/>
+                                  </p:stCondLst>
+                                  <p:childTnLst>
+                                    <p:animMotion origin="layout" path="M -0.81424 -0.4324 L -0.21389 -0.42499 " pathEditMode="fixed" rAng="0" ptsTypes="AA">
+                                      <p:cBhvr>
+                                        <p:cTn id="149" dur="300" spd="-100000" fill="hold"/>
+                                        <p:tgtEl>
+                                          <p:spTgt spid="163"/>
+                                        </p:tgtEl>
+                                        <p:attrNameLst>
+                                          <p:attrName>ppt_x</p:attrName>
+                                          <p:attrName>ppt_y</p:attrName>
+                                        </p:attrNameLst>
+                                      </p:cBhvr>
+                                      <p:rCtr x="30017" y="370"/>
+                                    </p:animMotion>
+                                  </p:childTnLst>
+                                </p:cTn>
+                              </p:par>
+                            </p:childTnLst>
+                          </p:cTn>
+                        </p:par>
+                      </p:childTnLst>
+                    </p:cTn>
+                  </p:par>
+                  <p:par>
+                    <p:cTn id="150" fill="hold">
+                      <p:stCondLst>
+                        <p:cond delay="indefinite"/>
+                      </p:stCondLst>
+                      <p:childTnLst>
+                        <p:par>
+                          <p:cTn id="151" fill="hold">
+                            <p:stCondLst>
+                              <p:cond delay="0"/>
+                            </p:stCondLst>
+                            <p:childTnLst>
+                              <p:par>
+                                <p:cTn id="152" presetID="42" presetClass="path" presetSubtype="0" decel="100000" fill="hold" grpId="2" nodeType="clickEffect">
+                                  <p:stCondLst>
+                                    <p:cond delay="0"/>
+                                  </p:stCondLst>
+                                  <p:childTnLst>
+                                    <p:animMotion origin="layout" path="M -0.8158 -0.43131 L -0.81389 -0.48687 " pathEditMode="fixed" rAng="0" ptsTypes="AA">
+                                      <p:cBhvr>
+                                        <p:cTn id="153" dur="300" fill="hold"/>
+                                        <p:tgtEl>
+                                          <p:spTgt spid="163"/>
+                                        </p:tgtEl>
+                                        <p:attrNameLst>
+                                          <p:attrName>ppt_x</p:attrName>
+                                          <p:attrName>ppt_y</p:attrName>
+                                        </p:attrNameLst>
+                                      </p:cBhvr>
+                                      <p:rCtr x="87" y="-2778"/>
+                                    </p:animMotion>
+                                  </p:childTnLst>
+                                </p:cTn>
+                              </p:par>
+                              <p:par>
+                                <p:cTn id="154" presetID="42" presetClass="path" presetSubtype="0" decel="100000" fill="hold" grpId="0" nodeType="withEffect">
+                                  <p:stCondLst>
+                                    <p:cond delay="0"/>
+                                  </p:stCondLst>
+                                  <p:childTnLst>
+                                    <p:animMotion origin="layout" path="M -0.81423 -0.4324 L -0.8203 -0.04838 " pathEditMode="fixed" rAng="0" ptsTypes="AA">
+                                      <p:cBhvr>
+                                        <p:cTn id="155" dur="300" spd="-100000" fill="hold"/>
+                                        <p:tgtEl>
+                                          <p:spTgt spid="222"/>
+                                        </p:tgtEl>
+                                        <p:attrNameLst>
+                                          <p:attrName>ppt_x</p:attrName>
+                                          <p:attrName>ppt_y</p:attrName>
+                                        </p:attrNameLst>
+                                      </p:cBhvr>
+                                      <p:rCtr x="-313" y="19190"/>
+                                    </p:animMotion>
+                                  </p:childTnLst>
+                                </p:cTn>
+                              </p:par>
+                            </p:childTnLst>
+                          </p:cTn>
+                        </p:par>
+                      </p:childTnLst>
+                    </p:cTn>
+                  </p:par>
+                  <p:par>
+                    <p:cTn id="156" fill="hold">
+                      <p:stCondLst>
+                        <p:cond delay="indefinite"/>
+                      </p:stCondLst>
+                      <p:childTnLst>
+                        <p:par>
+                          <p:cTn id="157" fill="hold">
+                            <p:stCondLst>
+                              <p:cond delay="0"/>
+                            </p:stCondLst>
+                            <p:childTnLst>
+                              <p:par>
+                                <p:cTn id="158" presetID="2" presetClass="exit" presetSubtype="2" decel="100000" fill="hold" grpId="1" nodeType="clickEffect">
+                                  <p:stCondLst>
+                                    <p:cond delay="0"/>
+                                  </p:stCondLst>
+                                  <p:childTnLst>
+                                    <p:anim calcmode="lin" valueType="num">
+                                      <p:cBhvr additive="base">
+                                        <p:cTn id="159" dur="300"/>
+                                        <p:tgtEl>
+                                          <p:spTgt spid="163"/>
+                                        </p:tgtEl>
+                                        <p:attrNameLst>
+                                          <p:attrName>ppt_x</p:attrName>
+                                        </p:attrNameLst>
+                                      </p:cBhvr>
+                                      <p:tavLst>
+                                        <p:tav tm="0">
+                                          <p:val>
+                                            <p:strVal val="ppt_x"/>
+                                          </p:val>
+                                        </p:tav>
+                                        <p:tav tm="100000">
+                                          <p:val>
+                                            <p:strVal val="1+ppt_w/2"/>
+                                          </p:val>
+                                        </p:tav>
+                                      </p:tavLst>
+                                    </p:anim>
+                                    <p:anim calcmode="lin" valueType="num">
+                                      <p:cBhvr additive="base">
+                                        <p:cTn id="160" dur="300"/>
+                                        <p:tgtEl>
+                                          <p:spTgt spid="163"/>
+                                        </p:tgtEl>
+                                        <p:attrNameLst>
+                                          <p:attrName>ppt_y</p:attrName>
+                                        </p:attrNameLst>
+                                      </p:cBhvr>
+                                      <p:tavLst>
+                                        <p:tav tm="0">
+                                          <p:val>
+                                            <p:strVal val="ppt_y"/>
+                                          </p:val>
+                                        </p:tav>
+                                        <p:tav tm="100000">
+                                          <p:val>
+                                            <p:strVal val="ppt_y"/>
+                                          </p:val>
+                                        </p:tav>
+                                      </p:tavLst>
+                                    </p:anim>
+                                    <p:set>
+                                      <p:cBhvr>
+                                        <p:cTn id="161" dur="1" fill="hold">
+                                          <p:stCondLst>
+                                            <p:cond delay="299"/>
+                                          </p:stCondLst>
+                                        </p:cTn>
+                                        <p:tgtEl>
+                                          <p:spTgt spid="163"/>
+                                        </p:tgtEl>
+                                        <p:attrNameLst>
+                                          <p:attrName>style.visibility</p:attrName>
+                                        </p:attrNameLst>
+                                      </p:cBhvr>
+                                      <p:to>
+                                        <p:strVal val="hidden"/>
+                                      </p:to>
+                                    </p:set>
+                                  </p:childTnLst>
+                                </p:cTn>
+                              </p:par>
+                              <p:par>
+                                <p:cTn id="162" presetID="2" presetClass="exit" presetSubtype="2" decel="100000" fill="hold" grpId="1" nodeType="withEffect">
+                                  <p:stCondLst>
+                                    <p:cond delay="0"/>
+                                  </p:stCondLst>
+                                  <p:childTnLst>
+                                    <p:anim calcmode="lin" valueType="num">
+                                      <p:cBhvr additive="base">
+                                        <p:cTn id="163" dur="300"/>
+                                        <p:tgtEl>
+                                          <p:spTgt spid="222"/>
+                                        </p:tgtEl>
+                                        <p:attrNameLst>
+                                          <p:attrName>ppt_x</p:attrName>
+                                        </p:attrNameLst>
+                                      </p:cBhvr>
+                                      <p:tavLst>
+                                        <p:tav tm="0">
+                                          <p:val>
+                                            <p:strVal val="ppt_x"/>
+                                          </p:val>
+                                        </p:tav>
+                                        <p:tav tm="100000">
+                                          <p:val>
+                                            <p:strVal val="1+ppt_w/2"/>
+                                          </p:val>
+                                        </p:tav>
+                                      </p:tavLst>
+                                    </p:anim>
+                                    <p:anim calcmode="lin" valueType="num">
+                                      <p:cBhvr additive="base">
+                                        <p:cTn id="164" dur="300"/>
+                                        <p:tgtEl>
+                                          <p:spTgt spid="222"/>
+                                        </p:tgtEl>
+                                        <p:attrNameLst>
+                                          <p:attrName>ppt_y</p:attrName>
+                                        </p:attrNameLst>
+                                      </p:cBhvr>
+                                      <p:tavLst>
+                                        <p:tav tm="0">
+                                          <p:val>
+                                            <p:strVal val="ppt_y"/>
+                                          </p:val>
+                                        </p:tav>
+                                        <p:tav tm="100000">
+                                          <p:val>
+                                            <p:strVal val="ppt_y"/>
+                                          </p:val>
+                                        </p:tav>
+                                      </p:tavLst>
+                                    </p:anim>
+                                    <p:set>
+                                      <p:cBhvr>
+                                        <p:cTn id="165" dur="1" fill="hold">
+                                          <p:stCondLst>
+                                            <p:cond delay="299"/>
+                                          </p:stCondLst>
+                                        </p:cTn>
+                                        <p:tgtEl>
+                                          <p:spTgt spid="222"/>
+                                        </p:tgtEl>
+                                        <p:attrNameLst>
+                                          <p:attrName>style.visibility</p:attrName>
+                                        </p:attrNameLst>
+                                      </p:cBhvr>
+                                      <p:to>
+                                        <p:strVal val="hidden"/>
+                                      </p:to>
+                                    </p:set>
+                                  </p:childTnLst>
+                                </p:cTn>
+                              </p:par>
+                            </p:childTnLst>
+                          </p:cTn>
+                        </p:par>
+                        <p:par>
+                          <p:cTn id="166" fill="hold">
+                            <p:stCondLst>
+                              <p:cond delay="300"/>
+                            </p:stCondLst>
+                            <p:childTnLst>
+                              <p:par>
+                                <p:cTn id="167" presetID="42" presetClass="path" presetSubtype="0" decel="100000" fill="hold" grpId="0" nodeType="afterEffect">
+                                  <p:stCondLst>
+                                    <p:cond delay="0"/>
+                                  </p:stCondLst>
+                                  <p:childTnLst>
+                                    <p:animMotion origin="layout" path="M -0.80538 0.62593 L -0.23941 0.90325 " pathEditMode="fixed" rAng="0" ptsTypes="AA">
+                                      <p:cBhvr>
+                                        <p:cTn id="168" dur="300" spd="-100000" fill="hold"/>
+                                        <p:tgtEl>
+                                          <p:spTgt spid="168"/>
+                                        </p:tgtEl>
+                                        <p:attrNameLst>
+                                          <p:attrName>ppt_x</p:attrName>
+                                          <p:attrName>ppt_y</p:attrName>
+                                        </p:attrNameLst>
+                                      </p:cBhvr>
+                                      <p:rCtr x="28299" y="13866"/>
+                                    </p:animMotion>
+                                  </p:childTnLst>
+                                </p:cTn>
+                              </p:par>
+                              <p:par>
+                                <p:cTn id="169" presetID="42" presetClass="path" presetSubtype="0" decel="100000" fill="hold" nodeType="withEffect">
+                                  <p:stCondLst>
+                                    <p:cond delay="0"/>
+                                  </p:stCondLst>
+                                  <p:childTnLst>
+                                    <p:animMotion origin="layout" path="M -0.80538 0.62617 L -0.23941 0.75233 " pathEditMode="fixed" rAng="0" ptsTypes="AA">
+                                      <p:cBhvr>
+                                        <p:cTn id="170" dur="300" spd="-100000" fill="hold"/>
+                                        <p:tgtEl>
+                                          <p:spTgt spid="165"/>
+                                        </p:tgtEl>
+                                        <p:attrNameLst>
+                                          <p:attrName>ppt_x</p:attrName>
+                                          <p:attrName>ppt_y</p:attrName>
+                                        </p:attrNameLst>
+                                      </p:cBhvr>
+                                      <p:rCtr x="28299" y="6296"/>
+                                    </p:animMotion>
+                                  </p:childTnLst>
+                                </p:cTn>
+                              </p:par>
+                              <p:par>
+                                <p:cTn id="171" presetID="42" presetClass="path" presetSubtype="0" decel="100000" fill="hold" grpId="0" nodeType="withEffect">
+                                  <p:stCondLst>
+                                    <p:cond delay="0"/>
+                                  </p:stCondLst>
+                                  <p:childTnLst>
+                                    <p:animMotion origin="layout" path="M -0.80538 0.62616 L -0.23941 0.58843 " pathEditMode="fixed" rAng="0" ptsTypes="AA">
+                                      <p:cBhvr>
+                                        <p:cTn id="172" dur="300" spd="-100000" fill="hold"/>
+                                        <p:tgtEl>
+                                          <p:spTgt spid="203"/>
+                                        </p:tgtEl>
+                                        <p:attrNameLst>
+                                          <p:attrName>ppt_x</p:attrName>
+                                          <p:attrName>ppt_y</p:attrName>
+                                        </p:attrNameLst>
+                                      </p:cBhvr>
+                                      <p:rCtr x="28299" y="-1898"/>
+                                    </p:animMotion>
+                                  </p:childTnLst>
+                                </p:cTn>
+                              </p:par>
+                              <p:par>
+                                <p:cTn id="173" presetID="42" presetClass="path" presetSubtype="0" decel="100000" fill="hold" nodeType="withEffect">
+                                  <p:stCondLst>
+                                    <p:cond delay="0"/>
+                                  </p:stCondLst>
+                                  <p:childTnLst>
+                                    <p:animMotion origin="layout" path="M -0.80538 0.62594 L -0.23941 0.43542 " pathEditMode="fixed" rAng="0" ptsTypes="AA">
+                                      <p:cBhvr>
+                                        <p:cTn id="174" dur="300" spd="-100000" fill="hold"/>
+                                        <p:tgtEl>
+                                          <p:spTgt spid="166"/>
+                                        </p:tgtEl>
+                                        <p:attrNameLst>
+                                          <p:attrName>ppt_x</p:attrName>
+                                          <p:attrName>ppt_y</p:attrName>
+                                        </p:attrNameLst>
+                                      </p:cBhvr>
+                                      <p:rCtr x="28299" y="-9537"/>
+                                    </p:animMotion>
+                                  </p:childTnLst>
+                                </p:cTn>
+                              </p:par>
+                              <p:par>
+                                <p:cTn id="175" presetID="42" presetClass="path" presetSubtype="0" decel="100000" fill="hold" grpId="0" nodeType="withEffect">
+                                  <p:stCondLst>
+                                    <p:cond delay="0"/>
+                                  </p:stCondLst>
+                                  <p:childTnLst>
+                                    <p:animMotion origin="layout" path="M -0.80538 0.62593 L -0.49166 0.66945 " pathEditMode="fixed" rAng="0" ptsTypes="AA">
+                                      <p:cBhvr>
+                                        <p:cTn id="176" dur="300" spd="-100000" fill="hold"/>
+                                        <p:tgtEl>
+                                          <p:spTgt spid="175"/>
+                                        </p:tgtEl>
+                                        <p:attrNameLst>
+                                          <p:attrName>ppt_x</p:attrName>
+                                          <p:attrName>ppt_y</p:attrName>
+                                        </p:attrNameLst>
+                                      </p:cBhvr>
+                                      <p:rCtr x="15677" y="2176"/>
+                                    </p:animMotion>
+                                  </p:childTnLst>
+                                </p:cTn>
+                              </p:par>
+                              <p:par>
+                                <p:cTn id="177" presetID="42" presetClass="path" presetSubtype="0" decel="100000" fill="hold" nodeType="withEffect">
+                                  <p:stCondLst>
+                                    <p:cond delay="0"/>
+                                  </p:stCondLst>
+                                  <p:childTnLst>
+                                    <p:animMotion origin="layout" path="M -0.80537 0.62593 L -0.28229 0.84562 " pathEditMode="fixed" rAng="0" ptsTypes="AA">
+                                      <p:cBhvr>
+                                        <p:cTn id="178" dur="300" spd="-100000" fill="hold"/>
+                                        <p:tgtEl>
+                                          <p:spTgt spid="171"/>
+                                        </p:tgtEl>
+                                        <p:attrNameLst>
+                                          <p:attrName>ppt_x</p:attrName>
+                                          <p:attrName>ppt_y</p:attrName>
+                                        </p:attrNameLst>
+                                      </p:cBhvr>
+                                      <p:rCtr x="26146" y="10972"/>
+                                    </p:animMotion>
+                                  </p:childTnLst>
+                                </p:cTn>
+                              </p:par>
+                              <p:par>
+                                <p:cTn id="179" presetID="42" presetClass="path" presetSubtype="0" decel="100000" fill="hold" nodeType="withEffect">
+                                  <p:stCondLst>
+                                    <p:cond delay="0"/>
+                                  </p:stCondLst>
+                                  <p:childTnLst>
+                                    <p:animMotion origin="layout" path="M -0.80557 0.62615 L -0.27396 0.5301 " pathEditMode="fixed" rAng="0" ptsTypes="AA">
+                                      <p:cBhvr>
+                                        <p:cTn id="180" dur="300" spd="-100000" fill="hold"/>
+                                        <p:tgtEl>
+                                          <p:spTgt spid="206"/>
+                                        </p:tgtEl>
+                                        <p:attrNameLst>
+                                          <p:attrName>ppt_x</p:attrName>
+                                          <p:attrName>ppt_y</p:attrName>
+                                        </p:attrNameLst>
+                                      </p:cBhvr>
+                                      <p:rCtr x="26580" y="-4815"/>
+                                    </p:animMotion>
+                                  </p:childTnLst>
+                                </p:cTn>
+                              </p:par>
+                            </p:childTnLst>
+                          </p:cTn>
+                        </p:par>
+                      </p:childTnLst>
+                    </p:cTn>
+                  </p:par>
+                </p:childTnLst>
+              </p:cTn>
+              <p:prevCondLst>
+                <p:cond evt="onPrev" delay="0">
+                  <p:tgtEl>
+                    <p:sldTgt/>
+                  </p:tgtEl>
+                </p:cond>
+              </p:prevCondLst>
+              <p:nextCondLst>
+                <p:cond evt="onNext" delay="0">
+                  <p:tgtEl>
+                    <p:sldTgt/>
+                  </p:tgtEl>
+                </p:cond>
+              </p:nextCondLst>
+            </p:seq>
+          </p:childTnLst>
+        </p:cTn>
+      </p:par>
+    </p:tnLst>
+    <p:bldLst>
+      <p:bldP spid="13" grpId="0" animBg="1"/>
+      <p:bldP spid="13" grpId="1" animBg="1"/>
+      <p:bldP spid="14" grpId="0" animBg="1"/>
+      <p:bldP spid="14" grpId="1" animBg="1"/>
+      <p:bldP spid="18" grpId="0"/>
+      <p:bldP spid="18" grpId="1"/>
+      <p:bldP spid="64" grpId="0"/>
+      <p:bldP spid="151" grpId="0"/>
+      <p:bldP spid="151" grpId="1"/>
+      <p:bldP spid="163" grpId="0" animBg="1"/>
+      <p:bldP spid="163" grpId="1" animBg="1"/>
+      <p:bldP spid="163" grpId="2" animBg="1"/>
+      <p:bldP spid="168" grpId="0" animBg="1"/>
+      <p:bldP spid="203" grpId="0" animBg="1"/>
+      <p:bldP spid="175" grpId="0" animBg="1"/>
+      <p:bldP spid="222" grpId="0"/>
+      <p:bldP spid="222" grpId="1"/>
+    </p:bldLst>
+  </p:timing>
+</p:sld>
+</file>
+
+<file path=ppt/slides/slide5.xml><?xml version="1.0" encoding="utf-8"?>
+<p:sld xmlns:a="http://schemas.openxmlformats.org/drawingml/2006/main" xmlns:r="http://schemas.openxmlformats.org/officeDocument/2006/relationships" xmlns:p="http://schemas.openxmlformats.org/presentationml/2006/main">
+  <p:cSld>
+    <p:spTree>
+      <p:nvGrpSpPr>
+        <p:cNvPr id="1" name=""/>
+        <p:cNvGrpSpPr/>
+        <p:nvPr/>
+      </p:nvGrpSpPr>
+      <p:grpSpPr>
+        <a:xfrm>
+          <a:off x="0" y="0"/>
+          <a:ext cx="0" cy="0"/>
+          <a:chOff x="0" y="0"/>
+          <a:chExt cx="0" cy="0"/>
+        </a:xfrm>
+      </p:grpSpPr>
+      <p:sp>
+        <p:nvSpPr>
+          <p:cNvPr id="3" name="Titel 2"/>
+          <p:cNvSpPr>
+            <a:spLocks noGrp="1"/>
+          </p:cNvSpPr>
+          <p:nvPr>
+            <p:ph type="title"/>
+          </p:nvPr>
+        </p:nvSpPr>
+        <p:spPr/>
+        <p:txBody>
+          <a:bodyPr/>
+          <a:lstStyle/>
+          <a:p>
+            <a:r>
+              <a:rPr lang="de-DE" dirty="0" err="1" smtClean="0"/>
+              <a:t>SIZE</a:t>
+            </a:r>
+            <a:r>
+              <a:rPr lang="de-DE" baseline="30000" dirty="0" err="1" smtClean="0"/>
+              <a:t>matters</a:t>
+            </a:r>
+            <a:endParaRPr lang="en-AU" baseline="30000" dirty="0"/>
+          </a:p>
+        </p:txBody>
+      </p:sp>
+      <p:sp>
+        <p:nvSpPr>
+          <p:cNvPr id="9" name="Inhaltsplatzhalter 8"/>
+          <p:cNvSpPr>
+            <a:spLocks noGrp="1"/>
+          </p:cNvSpPr>
+          <p:nvPr>
+            <p:ph sz="half" idx="1"/>
+          </p:nvPr>
+        </p:nvSpPr>
+        <p:spPr/>
+        <p:txBody>
+          <a:bodyPr/>
+          <a:lstStyle/>
+          <a:p>
+            <a:r>
+              <a:rPr lang="de-DE" dirty="0" smtClean="0"/>
+              <a:t>CSS</a:t>
+            </a:r>
+          </a:p>
+          <a:p>
+            <a:pPr lvl="1"/>
+            <a:r>
+              <a:rPr lang="de-DE" dirty="0" smtClean="0"/>
+              <a:t>217.1kB -&gt; 171.8kB </a:t>
+            </a:r>
+          </a:p>
+          <a:p>
+            <a:pPr lvl="1"/>
+            <a:r>
+              <a:rPr lang="de-DE" dirty="0" smtClean="0"/>
+              <a:t>Reduzierung um ca. 20%</a:t>
+            </a:r>
+            <a:endParaRPr lang="en-AU" dirty="0"/>
+          </a:p>
+        </p:txBody>
+      </p:sp>
+      <p:sp>
+        <p:nvSpPr>
+          <p:cNvPr id="10" name="Inhaltsplatzhalter 9"/>
+          <p:cNvSpPr>
+            <a:spLocks noGrp="1"/>
+          </p:cNvSpPr>
+          <p:nvPr>
+            <p:ph sz="half" idx="2"/>
+          </p:nvPr>
+        </p:nvSpPr>
+        <p:spPr/>
+        <p:txBody>
+          <a:bodyPr/>
+          <a:lstStyle/>
+          <a:p>
+            <a:r>
+              <a:rPr lang="de-DE" dirty="0" smtClean="0"/>
+              <a:t>JS</a:t>
+            </a:r>
+          </a:p>
+          <a:p>
+            <a:pPr lvl="1"/>
+            <a:r>
+              <a:rPr lang="de-DE" dirty="0" smtClean="0"/>
+              <a:t>250.5kB -&gt; 172.9kB</a:t>
+            </a:r>
+          </a:p>
+          <a:p>
+            <a:pPr lvl="1"/>
+            <a:r>
+              <a:rPr lang="de-DE" dirty="0" smtClean="0"/>
+              <a:t>Reduzierung um ca. 30%</a:t>
+            </a:r>
+            <a:endParaRPr lang="en-AU" dirty="0"/>
+          </a:p>
+        </p:txBody>
+      </p:sp>
+      <p:sp>
+        <p:nvSpPr>
+          <p:cNvPr id="11" name="Textplatzhalter 10"/>
+          <p:cNvSpPr>
+            <a:spLocks noGrp="1"/>
+          </p:cNvSpPr>
+          <p:nvPr>
+            <p:ph type="body" sz="quarter" idx="14"/>
+          </p:nvPr>
+        </p:nvSpPr>
+        <p:spPr/>
+        <p:txBody>
+          <a:bodyPr/>
+          <a:lstStyle/>
+          <a:p>
+            <a:endParaRPr lang="en-AU"/>
+          </a:p>
+        </p:txBody>
+      </p:sp>
+      <p:sp>
+        <p:nvSpPr>
+          <p:cNvPr id="6" name="Datumsplatzhalter 5"/>
+          <p:cNvSpPr>
+            <a:spLocks noGrp="1"/>
+          </p:cNvSpPr>
+          <p:nvPr>
+            <p:ph type="dt" sz="half" idx="15"/>
+          </p:nvPr>
+        </p:nvSpPr>
+        <p:spPr/>
+        <p:txBody>
+          <a:bodyPr/>
+          <a:lstStyle/>
+          <a:p>
+            <a:pPr>
+              <a:buClr>
+                <a:schemeClr val="tx2"/>
+              </a:buClr>
+              <a:buSzPct val="100000"/>
+              <a:buFont typeface="Wingdings" pitchFamily="2" charset="2"/>
+              <a:buNone/>
+            </a:pPr>
+            <a:r>
+              <a:rPr lang="de-DE" smtClean="0"/>
+              <a:t>© iteratec | Datum</a:t>
+            </a:r>
+            <a:endParaRPr lang="de-DE" dirty="0"/>
+          </a:p>
+        </p:txBody>
+      </p:sp>
+      <p:sp>
+        <p:nvSpPr>
+          <p:cNvPr id="7" name="Fußzeilenplatzhalter 6"/>
+          <p:cNvSpPr>
+            <a:spLocks noGrp="1"/>
+          </p:cNvSpPr>
+          <p:nvPr>
+            <p:ph type="ftr" sz="quarter" idx="16"/>
+          </p:nvPr>
+        </p:nvSpPr>
+        <p:spPr/>
+        <p:txBody>
+          <a:bodyPr/>
+          <a:lstStyle/>
+          <a:p>
+            <a:pPr algn="ctr">
+              <a:buClr>
+                <a:schemeClr val="tx2"/>
+              </a:buClr>
+              <a:buSzPct val="100000"/>
+              <a:buFont typeface="Wingdings" pitchFamily="2" charset="2"/>
+              <a:buNone/>
+            </a:pPr>
+            <a:r>
+              <a:rPr lang="de-DE" smtClean="0"/>
+              <a:t>Optional: Präsentationstitel</a:t>
+            </a:r>
+            <a:endParaRPr lang="de-DE" dirty="0"/>
+          </a:p>
+        </p:txBody>
+      </p:sp>
+      <p:sp>
+        <p:nvSpPr>
+          <p:cNvPr id="8" name="Foliennummernplatzhalter 7"/>
+          <p:cNvSpPr>
+            <a:spLocks noGrp="1"/>
+          </p:cNvSpPr>
+          <p:nvPr>
+            <p:ph type="sldNum" sz="quarter" idx="17"/>
+          </p:nvPr>
+        </p:nvSpPr>
+        <p:spPr/>
+        <p:txBody>
+          <a:bodyPr/>
+          <a:lstStyle/>
+          <a:p>
+            <a:pPr algn="r">
+              <a:buClr>
+                <a:schemeClr val="tx2"/>
+              </a:buClr>
+              <a:buSzPct val="100000"/>
+              <a:buFont typeface="Wingdings" pitchFamily="2" charset="2"/>
+              <a:buNone/>
+            </a:pPr>
+            <a:r>
+              <a:rPr lang="de-DE" smtClean="0"/>
+              <a:t>Seite </a:t>
+            </a:r>
+            <a:fld id="{26F0CC0A-7687-4B44-955F-AD67B8EF3E28}" type="slidenum">
+              <a:rPr lang="de-DE" smtClean="0"/>
+              <a:pPr algn="r">
+                <a:buClr>
+                  <a:schemeClr val="tx2"/>
+                </a:buClr>
+                <a:buSzPct val="100000"/>
+                <a:buFont typeface="Wingdings" pitchFamily="2" charset="2"/>
+                <a:buNone/>
+              </a:pPr>
+              <a:t>5</a:t>
+            </a:fld>
+            <a:endParaRPr lang="de-DE" dirty="0"/>
+          </a:p>
+        </p:txBody>
+      </p:sp>
+      <p:sp>
+        <p:nvSpPr>
+          <p:cNvPr id="5" name="Textplatzhalter 4"/>
+          <p:cNvSpPr>
+            <a:spLocks noGrp="1"/>
+          </p:cNvSpPr>
+          <p:nvPr>
+            <p:ph type="body" sz="quarter" idx="13"/>
+          </p:nvPr>
+        </p:nvSpPr>
+        <p:spPr/>
+        <p:txBody>
+          <a:bodyPr/>
+          <a:lstStyle/>
+          <a:p>
+            <a:r>
+              <a:rPr lang="de-DE" dirty="0" smtClean="0"/>
+              <a:t>Minimieren des Speicherbedarfs der Codebasis</a:t>
+            </a:r>
+            <a:endParaRPr lang="en-AU" dirty="0"/>
+          </a:p>
+        </p:txBody>
+      </p:sp>
+      <p:pic>
+        <p:nvPicPr>
+          <p:cNvPr id="1026" name="Picture 2"/>
+          <p:cNvPicPr>
+            <a:picLocks noChangeAspect="1" noChangeArrowheads="1"/>
+          </p:cNvPicPr>
+          <p:nvPr/>
+        </p:nvPicPr>
+        <p:blipFill rotWithShape="1">
+          <a:blip r:embed="rId2">
+            <a:extLst>
+              <a:ext uri="{28A0092B-C50C-407E-A947-70E740481C1C}">
+                <a14:useLocalDpi xmlns:a14="http://schemas.microsoft.com/office/drawing/2010/main" val="0"/>
+              </a:ext>
+            </a:extLst>
+          </a:blip>
+          <a:srcRect r="11226"/>
+          <a:stretch/>
+        </p:blipFill>
+        <p:spPr bwMode="auto">
+          <a:xfrm>
+            <a:off x="93557" y="3429000"/>
+            <a:ext cx="8956886" cy="936560"/>
+          </a:xfrm>
+          <a:prstGeom prst="rect">
+            <a:avLst/>
+          </a:prstGeom>
+          <a:noFill/>
+          <a:ln>
+            <a:noFill/>
+          </a:ln>
+          <a:extLst>
+            <a:ext uri="{909E8E84-426E-40DD-AFC4-6F175D3DCCD1}">
+              <a14:hiddenFill xmlns:a14="http://schemas.microsoft.com/office/drawing/2010/main">
+                <a:solidFill>
+                  <a:schemeClr val="accent1"/>
+                </a:solidFill>
+              </a14:hiddenFill>
+            </a:ext>
+            <a:ext uri="{91240B29-F687-4F45-9708-019B960494DF}">
+              <a14:hiddenLine xmlns:a14="http://schemas.microsoft.com/office/drawing/2010/main" w="9525">
+                <a:solidFill>
+                  <a:schemeClr val="tx1"/>
+                </a:solidFill>
+                <a:miter lim="800000"/>
+                <a:headEnd/>
+                <a:tailEnd/>
+              </a14:hiddenLine>
+            </a:ext>
+          </a:extLst>
+        </p:spPr>
+      </p:pic>
+      <p:pic>
+        <p:nvPicPr>
+          <p:cNvPr id="1027" name="Picture 3"/>
+          <p:cNvPicPr>
+            <a:picLocks noChangeAspect="1" noChangeArrowheads="1"/>
+          </p:cNvPicPr>
+          <p:nvPr/>
+        </p:nvPicPr>
+        <p:blipFill>
+          <a:blip r:embed="rId3">
+            <a:extLst>
+              <a:ext uri="{28A0092B-C50C-407E-A947-70E740481C1C}">
+                <a14:useLocalDpi xmlns:a14="http://schemas.microsoft.com/office/drawing/2010/main" val="0"/>
+              </a:ext>
+            </a:extLst>
+          </a:blip>
+          <a:srcRect/>
+          <a:stretch>
+            <a:fillRect/>
+          </a:stretch>
+        </p:blipFill>
+        <p:spPr bwMode="auto">
+          <a:xfrm>
+            <a:off x="589474" y="4837262"/>
+            <a:ext cx="7965052" cy="1117446"/>
+          </a:xfrm>
+          <a:prstGeom prst="rect">
+            <a:avLst/>
+          </a:prstGeom>
+          <a:noFill/>
+          <a:ln>
+            <a:noFill/>
+          </a:ln>
+          <a:extLst>
+            <a:ext uri="{909E8E84-426E-40DD-AFC4-6F175D3DCCD1}">
+              <a14:hiddenFill xmlns:a14="http://schemas.microsoft.com/office/drawing/2010/main">
+                <a:solidFill>
+                  <a:schemeClr val="accent1"/>
+                </a:solidFill>
+              </a14:hiddenFill>
+            </a:ext>
+            <a:ext uri="{91240B29-F687-4F45-9708-019B960494DF}">
+              <a14:hiddenLine xmlns:a14="http://schemas.microsoft.com/office/drawing/2010/main" w="9525">
+                <a:solidFill>
+                  <a:schemeClr val="tx1"/>
+                </a:solidFill>
+                <a:miter lim="800000"/>
+                <a:headEnd/>
+                <a:tailEnd/>
+              </a14:hiddenLine>
+            </a:ext>
+          </a:extLst>
+        </p:spPr>
+      </p:pic>
+    </p:spTree>
+    <p:extLst>
+      <p:ext uri="{BB962C8B-B14F-4D97-AF65-F5344CB8AC3E}">
+        <p14:creationId xmlns:p14="http://schemas.microsoft.com/office/powerpoint/2010/main" val="3445833711"/>
       </p:ext>
     </p:extLst>
   </p:cSld>
@@ -12658,4 +18902,289 @@
   </a:objectDefaults>
   <a:extraClrSchemeLst/>
 </a:theme>
+</file>
+
+<file path=ppt/theme/theme2.xml><?xml version="1.0" encoding="utf-8"?>
+<a:theme xmlns:a="http://schemas.openxmlformats.org/drawingml/2006/main" name="Larissa">
+  <a:themeElements>
+    <a:clrScheme name="Larissa">
+      <a:dk1>
+        <a:sysClr val="windowText" lastClr="000000"/>
+      </a:dk1>
+      <a:lt1>
+        <a:sysClr val="window" lastClr="FFFFFF"/>
+      </a:lt1>
+      <a:dk2>
+        <a:srgbClr val="1F497D"/>
+      </a:dk2>
+      <a:lt2>
+        <a:srgbClr val="EEECE1"/>
+      </a:lt2>
+      <a:accent1>
+        <a:srgbClr val="4F81BD"/>
+      </a:accent1>
+      <a:accent2>
+        <a:srgbClr val="C0504D"/>
+      </a:accent2>
+      <a:accent3>
+        <a:srgbClr val="9BBB59"/>
+      </a:accent3>
+      <a:accent4>
+        <a:srgbClr val="8064A2"/>
+      </a:accent4>
+      <a:accent5>
+        <a:srgbClr val="4BACC6"/>
+      </a:accent5>
+      <a:accent6>
+        <a:srgbClr val="F79646"/>
+      </a:accent6>
+      <a:hlink>
+        <a:srgbClr val="0000FF"/>
+      </a:hlink>
+      <a:folHlink>
+        <a:srgbClr val="800080"/>
+      </a:folHlink>
+    </a:clrScheme>
+    <a:fontScheme name="Larissa">
+      <a:majorFont>
+        <a:latin typeface="Calibri"/>
+        <a:ea typeface=""/>
+        <a:cs typeface=""/>
+        <a:font script="Jpan" typeface="ＭＳ Ｐゴシック"/>
+        <a:font script="Hang" typeface="맑은 고딕"/>
+        <a:font script="Hans" typeface="宋体"/>
+        <a:font script="Hant" typeface="新細明體"/>
+        <a:font script="Arab" typeface="Times New Roman"/>
+        <a:font script="Hebr" typeface="Times New Roman"/>
+        <a:font script="Thai" typeface="Angsana New"/>
+        <a:font script="Ethi" typeface="Nyala"/>
+        <a:font script="Beng" typeface="Vrinda"/>
+        <a:font script="Gujr" typeface="Shruti"/>
+        <a:font script="Khmr" typeface="MoolBoran"/>
+        <a:font script="Knda" typeface="Tunga"/>
+        <a:font script="Guru" typeface="Raavi"/>
+        <a:font script="Cans" typeface="Euphemia"/>
+        <a:font script="Cher" typeface="Plantagenet Cherokee"/>
+        <a:font script="Yiii" typeface="Microsoft Yi Baiti"/>
+        <a:font script="Tibt" typeface="Microsoft Himalaya"/>
+        <a:font script="Thaa" typeface="MV Boli"/>
+        <a:font script="Deva" typeface="Mangal"/>
+        <a:font script="Telu" typeface="Gautami"/>
+        <a:font script="Taml" typeface="Latha"/>
+        <a:font script="Syrc" typeface="Estrangelo Edessa"/>
+        <a:font script="Orya" typeface="Kalinga"/>
+        <a:font script="Mlym" typeface="Kartika"/>
+        <a:font script="Laoo" typeface="DokChampa"/>
+        <a:font script="Sinh" typeface="Iskoola Pota"/>
+        <a:font script="Mong" typeface="Mongolian Baiti"/>
+        <a:font script="Viet" typeface="Times New Roman"/>
+        <a:font script="Uigh" typeface="Microsoft Uighur"/>
+        <a:font script="Geor" typeface="Sylfaen"/>
+      </a:majorFont>
+      <a:minorFont>
+        <a:latin typeface="Calibri"/>
+        <a:ea typeface=""/>
+        <a:cs typeface=""/>
+        <a:font script="Jpan" typeface="ＭＳ Ｐゴシック"/>
+        <a:font script="Hang" typeface="맑은 고딕"/>
+        <a:font script="Hans" typeface="宋体"/>
+        <a:font script="Hant" typeface="新細明體"/>
+        <a:font script="Arab" typeface="Arial"/>
+        <a:font script="Hebr" typeface="Arial"/>
+        <a:font script="Thai" typeface="Cordia New"/>
+        <a:font script="Ethi" typeface="Nyala"/>
+        <a:font script="Beng" typeface="Vrinda"/>
+        <a:font script="Gujr" typeface="Shruti"/>
+        <a:font script="Khmr" typeface="DaunPenh"/>
+        <a:font script="Knda" typeface="Tunga"/>
+        <a:font script="Guru" typeface="Raavi"/>
+        <a:font script="Cans" typeface="Euphemia"/>
+        <a:font script="Cher" typeface="Plantagenet Cherokee"/>
+        <a:font script="Yiii" typeface="Microsoft Yi Baiti"/>
+        <a:font script="Tibt" typeface="Microsoft Himalaya"/>
+        <a:font script="Thaa" typeface="MV Boli"/>
+        <a:font script="Deva" typeface="Mangal"/>
+        <a:font script="Telu" typeface="Gautami"/>
+        <a:font script="Taml" typeface="Latha"/>
+        <a:font script="Syrc" typeface="Estrangelo Edessa"/>
+        <a:font script="Orya" typeface="Kalinga"/>
+        <a:font script="Mlym" typeface="Kartika"/>
+        <a:font script="Laoo" typeface="DokChampa"/>
+        <a:font script="Sinh" typeface="Iskoola Pota"/>
+        <a:font script="Mong" typeface="Mongolian Baiti"/>
+        <a:font script="Viet" typeface="Arial"/>
+        <a:font script="Uigh" typeface="Microsoft Uighur"/>
+        <a:font script="Geor" typeface="Sylfaen"/>
+      </a:minorFont>
+    </a:fontScheme>
+    <a:fmtScheme name="Larissa">
+      <a:fillStyleLst>
+        <a:solidFill>
+          <a:schemeClr val="phClr"/>
+        </a:solidFill>
+        <a:gradFill rotWithShape="1">
+          <a:gsLst>
+            <a:gs pos="0">
+              <a:schemeClr val="phClr">
+                <a:tint val="50000"/>
+                <a:satMod val="300000"/>
+              </a:schemeClr>
+            </a:gs>
+            <a:gs pos="35000">
+              <a:schemeClr val="phClr">
+                <a:tint val="37000"/>
+                <a:satMod val="300000"/>
+              </a:schemeClr>
+            </a:gs>
+            <a:gs pos="100000">
+              <a:schemeClr val="phClr">
+                <a:tint val="15000"/>
+                <a:satMod val="350000"/>
+              </a:schemeClr>
+            </a:gs>
+          </a:gsLst>
+          <a:lin ang="16200000" scaled="1"/>
+        </a:gradFill>
+        <a:gradFill rotWithShape="1">
+          <a:gsLst>
+            <a:gs pos="0">
+              <a:schemeClr val="phClr">
+                <a:shade val="51000"/>
+                <a:satMod val="130000"/>
+              </a:schemeClr>
+            </a:gs>
+            <a:gs pos="80000">
+              <a:schemeClr val="phClr">
+                <a:shade val="93000"/>
+                <a:satMod val="130000"/>
+              </a:schemeClr>
+            </a:gs>
+            <a:gs pos="100000">
+              <a:schemeClr val="phClr">
+                <a:shade val="94000"/>
+                <a:satMod val="135000"/>
+              </a:schemeClr>
+            </a:gs>
+          </a:gsLst>
+          <a:lin ang="16200000" scaled="0"/>
+        </a:gradFill>
+      </a:fillStyleLst>
+      <a:lnStyleLst>
+        <a:ln w="9525" cap="flat" cmpd="sng" algn="ctr">
+          <a:solidFill>
+            <a:schemeClr val="phClr">
+              <a:shade val="95000"/>
+              <a:satMod val="105000"/>
+            </a:schemeClr>
+          </a:solidFill>
+          <a:prstDash val="solid"/>
+        </a:ln>
+        <a:ln w="25400" cap="flat" cmpd="sng" algn="ctr">
+          <a:solidFill>
+            <a:schemeClr val="phClr"/>
+          </a:solidFill>
+          <a:prstDash val="solid"/>
+        </a:ln>
+        <a:ln w="38100" cap="flat" cmpd="sng" algn="ctr">
+          <a:solidFill>
+            <a:schemeClr val="phClr"/>
+          </a:solidFill>
+          <a:prstDash val="solid"/>
+        </a:ln>
+      </a:lnStyleLst>
+      <a:effectStyleLst>
+        <a:effectStyle>
+          <a:effectLst>
+            <a:outerShdw blurRad="40000" dist="20000" dir="5400000" rotWithShape="0">
+              <a:srgbClr val="000000">
+                <a:alpha val="38000"/>
+              </a:srgbClr>
+            </a:outerShdw>
+          </a:effectLst>
+        </a:effectStyle>
+        <a:effectStyle>
+          <a:effectLst>
+            <a:outerShdw blurRad="40000" dist="23000" dir="5400000" rotWithShape="0">
+              <a:srgbClr val="000000">
+                <a:alpha val="35000"/>
+              </a:srgbClr>
+            </a:outerShdw>
+          </a:effectLst>
+        </a:effectStyle>
+        <a:effectStyle>
+          <a:effectLst>
+            <a:outerShdw blurRad="40000" dist="23000" dir="5400000" rotWithShape="0">
+              <a:srgbClr val="000000">
+                <a:alpha val="35000"/>
+              </a:srgbClr>
+            </a:outerShdw>
+          </a:effectLst>
+          <a:scene3d>
+            <a:camera prst="orthographicFront">
+              <a:rot lat="0" lon="0" rev="0"/>
+            </a:camera>
+            <a:lightRig rig="threePt" dir="t">
+              <a:rot lat="0" lon="0" rev="1200000"/>
+            </a:lightRig>
+          </a:scene3d>
+          <a:sp3d>
+            <a:bevelT w="63500" h="25400"/>
+          </a:sp3d>
+        </a:effectStyle>
+      </a:effectStyleLst>
+      <a:bgFillStyleLst>
+        <a:solidFill>
+          <a:schemeClr val="phClr"/>
+        </a:solidFill>
+        <a:gradFill rotWithShape="1">
+          <a:gsLst>
+            <a:gs pos="0">
+              <a:schemeClr val="phClr">
+                <a:tint val="40000"/>
+                <a:satMod val="350000"/>
+              </a:schemeClr>
+            </a:gs>
+            <a:gs pos="40000">
+              <a:schemeClr val="phClr">
+                <a:tint val="45000"/>
+                <a:shade val="99000"/>
+                <a:satMod val="350000"/>
+              </a:schemeClr>
+            </a:gs>
+            <a:gs pos="100000">
+              <a:schemeClr val="phClr">
+                <a:shade val="20000"/>
+                <a:satMod val="255000"/>
+              </a:schemeClr>
+            </a:gs>
+          </a:gsLst>
+          <a:path path="circle">
+            <a:fillToRect l="50000" t="-80000" r="50000" b="180000"/>
+          </a:path>
+        </a:gradFill>
+        <a:gradFill rotWithShape="1">
+          <a:gsLst>
+            <a:gs pos="0">
+              <a:schemeClr val="phClr">
+                <a:tint val="80000"/>
+                <a:satMod val="300000"/>
+              </a:schemeClr>
+            </a:gs>
+            <a:gs pos="100000">
+              <a:schemeClr val="phClr">
+                <a:shade val="30000"/>
+                <a:satMod val="200000"/>
+              </a:schemeClr>
+            </a:gs>
+          </a:gsLst>
+          <a:path path="circle">
+            <a:fillToRect l="50000" t="50000" r="50000" b="50000"/>
+          </a:path>
+        </a:gradFill>
+      </a:bgFillStyleLst>
+    </a:fmtScheme>
+  </a:themeElements>
+  <a:objectDefaults/>
+  <a:extraClrSchemeLst/>
+</a:theme>
 </file>
--- a/doc/Workshop2015_Webperformance.pptx
+++ b/doc/Workshop2015_Webperformance.pptx
@@ -5,14 +5,17 @@
     <p:sldMasterId id="2147483762" r:id="rId1"/>
   </p:sldMasterIdLst>
   <p:notesMasterIdLst>
-    <p:notesMasterId r:id="rId7"/>
+    <p:notesMasterId r:id="rId10"/>
   </p:notesMasterIdLst>
   <p:sldIdLst>
     <p:sldId id="256" r:id="rId2"/>
     <p:sldId id="258" r:id="rId3"/>
-    <p:sldId id="257" r:id="rId4"/>
-    <p:sldId id="259" r:id="rId5"/>
-    <p:sldId id="260" r:id="rId6"/>
+    <p:sldId id="262" r:id="rId4"/>
+    <p:sldId id="257" r:id="rId5"/>
+    <p:sldId id="263" r:id="rId6"/>
+    <p:sldId id="264" r:id="rId7"/>
+    <p:sldId id="261" r:id="rId8"/>
+    <p:sldId id="260" r:id="rId9"/>
   </p:sldIdLst>
   <p:sldSz cx="9144000" cy="6858000" type="screen4x3"/>
   <p:notesSz cx="6797675" cy="9926638"/>
@@ -196,7 +199,7 @@
           <a:p>
             <a:fld id="{E59B349A-C721-4934-9DA3-4F19BB882D91}" type="datetimeFigureOut">
               <a:rPr lang="de-DE" smtClean="0"/>
-              <a:t>17.03.2015</a:t>
+              <a:t>18.03.2015</a:t>
             </a:fld>
             <a:endParaRPr lang="de-DE"/>
           </a:p>
@@ -529,7 +532,7 @@
           <a:p>
             <a:fld id="{E2310F1F-3D49-41D8-A938-C5163B68A510}" type="slidenum">
               <a:rPr lang="de-DE" smtClean="0"/>
-              <a:t>4</a:t>
+              <a:t>7</a:t>
             </a:fld>
             <a:endParaRPr lang="de-DE"/>
           </a:p>
@@ -5308,8 +5311,16 @@
               <a:buNone/>
             </a:pPr>
             <a:r>
-              <a:rPr lang="de-DE" smtClean="0"/>
-              <a:t>© iteratec | Datum</a:t>
+              <a:rPr lang="de-DE" dirty="0" smtClean="0"/>
+              <a:t>© </a:t>
+            </a:r>
+            <a:r>
+              <a:rPr lang="de-DE" dirty="0" err="1" smtClean="0"/>
+              <a:t>iteratec</a:t>
+            </a:r>
+            <a:r>
+              <a:rPr lang="de-DE" dirty="0" smtClean="0"/>
+              <a:t> | Datum</a:t>
             </a:r>
             <a:endParaRPr lang="de-DE" dirty="0"/>
           </a:p>
@@ -5328,7 +5339,11 @@
         <p:spPr/>
         <p:txBody>
           <a:bodyPr/>
-          <a:lstStyle/>
+          <a:lstStyle>
+            <a:lvl1pPr>
+              <a:defRPr/>
+            </a:lvl1pPr>
+          </a:lstStyle>
           <a:p>
             <a:pPr algn="ctr">
               <a:buClr>
@@ -5339,8 +5354,8 @@
               <a:buNone/>
             </a:pPr>
             <a:r>
-              <a:rPr lang="de-DE" smtClean="0"/>
-              <a:t>Optional: Präsentationstitel</a:t>
+              <a:rPr lang="de-DE" dirty="0" smtClean="0"/>
+              <a:t>Web</a:t>
             </a:r>
             <a:endParaRPr lang="de-DE" dirty="0"/>
           </a:p>
@@ -9336,12 +9351,12 @@
           <a:lstStyle/>
           <a:p>
             <a:r>
-              <a:rPr lang="de-DE" dirty="0" smtClean="0"/>
-              <a:t>Webperformance und </a:t>
-            </a:r>
-            <a:r>
               <a:rPr lang="de-DE" dirty="0" err="1" smtClean="0"/>
               <a:t>OpenSpeedMonitor</a:t>
+            </a:r>
+            <a:r>
+              <a:rPr lang="de-DE" dirty="0"/>
+              <a:t> und Webperformance</a:t>
             </a:r>
             <a:endParaRPr lang="de-DE" dirty="0"/>
           </a:p>
@@ -9405,8 +9420,12 @@
           <a:lstStyle/>
           <a:p>
             <a:r>
+              <a:rPr lang="de-DE" dirty="0" err="1"/>
+              <a:t>OpenSpeedMonitor</a:t>
+            </a:r>
+            <a:r>
               <a:rPr lang="de-DE" dirty="0"/>
-              <a:t>Performance-Monitoring</a:t>
+              <a:t> und Webperformance</a:t>
             </a:r>
             <a:endParaRPr lang="en-AU" dirty="0"/>
           </a:p>
@@ -11032,8 +11051,8 @@
               <a:t> und </a:t>
             </a:r>
             <a:r>
-              <a:rPr lang="de-DE" dirty="0" err="1" smtClean="0"/>
-              <a:t>WebPagetest</a:t>
+              <a:rPr lang="de-DE" dirty="0"/>
+              <a:t>Webperformance</a:t>
             </a:r>
             <a:endParaRPr lang="de-DE" dirty="0"/>
           </a:p>
@@ -11075,11 +11094,7 @@
           <a:p>
             <a:r>
               <a:rPr lang="de-DE" dirty="0" smtClean="0"/>
-              <a:t>Instanz </a:t>
-            </a:r>
-            <a:r>
-              <a:rPr lang="de-DE" dirty="0" err="1" smtClean="0"/>
-              <a:t>iteratec</a:t>
+              <a:t>Was wollen wir uns heute ansehen?</a:t>
             </a:r>
             <a:endParaRPr lang="de-DE" dirty="0"/>
           </a:p>
@@ -11185,6 +11200,387 @@
                 <a:buNone/>
               </a:pPr>
               <a:t>3</a:t>
+            </a:fld>
+            <a:endParaRPr lang="de-DE" dirty="0"/>
+          </a:p>
+        </p:txBody>
+      </p:sp>
+      <p:sp>
+        <p:nvSpPr>
+          <p:cNvPr id="70" name="Inhaltsplatzhalter 8"/>
+          <p:cNvSpPr>
+            <a:spLocks noGrp="1"/>
+          </p:cNvSpPr>
+          <p:nvPr>
+            <p:ph sz="half" idx="1"/>
+          </p:nvPr>
+        </p:nvSpPr>
+        <p:spPr>
+          <a:xfrm>
+            <a:off x="971600" y="1988840"/>
+            <a:ext cx="7920879" cy="3889452"/>
+          </a:xfrm>
+        </p:spPr>
+        <p:txBody>
+          <a:bodyPr/>
+          <a:lstStyle/>
+          <a:p>
+            <a:r>
+              <a:rPr lang="de-DE" sz="2000" dirty="0" smtClean="0"/>
+              <a:t>Welche Komponenten zur Performance-Messung gibt es bei </a:t>
+            </a:r>
+            <a:r>
+              <a:rPr lang="de-DE" sz="2000" dirty="0" err="1" smtClean="0"/>
+              <a:t>iteratec</a:t>
+            </a:r>
+            <a:r>
+              <a:rPr lang="de-DE" sz="2000" dirty="0" smtClean="0"/>
+              <a:t>?</a:t>
+            </a:r>
+          </a:p>
+          <a:p>
+            <a:r>
+              <a:rPr lang="de-DE" sz="2000" dirty="0" smtClean="0"/>
+              <a:t>Wie kann ich diese zur Messung und Analyse einsetzen?</a:t>
+            </a:r>
+          </a:p>
+          <a:p>
+            <a:r>
+              <a:rPr lang="en-AU" sz="2000" dirty="0" err="1" smtClean="0"/>
+              <a:t>Fehler</a:t>
+            </a:r>
+            <a:r>
+              <a:rPr lang="en-AU" sz="2000" dirty="0" smtClean="0"/>
+              <a:t>, die man </a:t>
+            </a:r>
+            <a:r>
+              <a:rPr lang="en-AU" sz="2000" dirty="0" err="1" smtClean="0"/>
+              <a:t>beim</a:t>
+            </a:r>
+            <a:r>
+              <a:rPr lang="en-AU" sz="2000" dirty="0" smtClean="0"/>
+              <a:t> </a:t>
+            </a:r>
+            <a:r>
+              <a:rPr lang="en-AU" sz="2000" dirty="0" err="1" smtClean="0"/>
+              <a:t>Bauen</a:t>
+            </a:r>
+            <a:r>
+              <a:rPr lang="en-AU" sz="2000" dirty="0" smtClean="0"/>
+              <a:t> von </a:t>
+            </a:r>
+            <a:r>
+              <a:rPr lang="en-AU" sz="2000" dirty="0" err="1" smtClean="0"/>
+              <a:t>Webanwendungen</a:t>
+            </a:r>
+            <a:r>
+              <a:rPr lang="en-AU" sz="2000" dirty="0" smtClean="0"/>
+              <a:t> </a:t>
+            </a:r>
+            <a:r>
+              <a:rPr lang="en-AU" sz="2000" dirty="0" err="1" smtClean="0"/>
+              <a:t>bzgl</a:t>
+            </a:r>
+            <a:r>
+              <a:rPr lang="en-AU" sz="2000" dirty="0" smtClean="0"/>
+              <a:t>. Performance </a:t>
+            </a:r>
+            <a:r>
+              <a:rPr lang="en-AU" sz="2000" dirty="0" err="1" smtClean="0"/>
+              <a:t>machen</a:t>
+            </a:r>
+            <a:r>
+              <a:rPr lang="en-AU" sz="2000" dirty="0" smtClean="0"/>
+              <a:t> </a:t>
+            </a:r>
+            <a:r>
+              <a:rPr lang="en-AU" sz="2000" dirty="0" err="1" smtClean="0"/>
+              <a:t>kann</a:t>
+            </a:r>
+            <a:r>
+              <a:rPr lang="en-AU" sz="2000" dirty="0" smtClean="0"/>
+              <a:t>.</a:t>
+            </a:r>
+          </a:p>
+          <a:p>
+            <a:r>
+              <a:rPr lang="en-AU" sz="2000" dirty="0" err="1" smtClean="0"/>
+              <a:t>Vorschläge</a:t>
+            </a:r>
+            <a:r>
+              <a:rPr lang="en-AU" sz="2000" dirty="0" smtClean="0"/>
+              <a:t> </a:t>
+            </a:r>
+            <a:r>
+              <a:rPr lang="en-AU" sz="2000" dirty="0" err="1" smtClean="0"/>
+              <a:t>zum</a:t>
+            </a:r>
+            <a:r>
+              <a:rPr lang="en-AU" sz="2000" dirty="0" smtClean="0"/>
+              <a:t> </a:t>
+            </a:r>
+            <a:r>
+              <a:rPr lang="en-AU" sz="2000" dirty="0" err="1" smtClean="0"/>
+              <a:t>Beheben</a:t>
+            </a:r>
+            <a:r>
+              <a:rPr lang="en-AU" sz="2000" dirty="0" smtClean="0"/>
+              <a:t> / </a:t>
+            </a:r>
+            <a:r>
+              <a:rPr lang="en-AU" sz="2000" dirty="0" err="1" smtClean="0"/>
+              <a:t>Vermeiden</a:t>
+            </a:r>
+            <a:r>
+              <a:rPr lang="en-AU" sz="2000" dirty="0" smtClean="0"/>
+              <a:t> </a:t>
+            </a:r>
+            <a:r>
+              <a:rPr lang="en-AU" sz="2000" dirty="0" err="1" smtClean="0"/>
+              <a:t>dieser</a:t>
+            </a:r>
+            <a:r>
+              <a:rPr lang="en-AU" sz="2000" dirty="0" smtClean="0"/>
+              <a:t> </a:t>
+            </a:r>
+            <a:r>
+              <a:rPr lang="en-AU" sz="2000" dirty="0" err="1" smtClean="0"/>
+              <a:t>Fehler</a:t>
+            </a:r>
+            <a:r>
+              <a:rPr lang="en-AU" sz="2000" dirty="0" smtClean="0"/>
+              <a:t>.</a:t>
+            </a:r>
+            <a:endParaRPr lang="en-AU" sz="2000" dirty="0"/>
+          </a:p>
+        </p:txBody>
+      </p:sp>
+    </p:spTree>
+    <p:extLst>
+      <p:ext uri="{BB962C8B-B14F-4D97-AF65-F5344CB8AC3E}">
+        <p14:creationId xmlns:p14="http://schemas.microsoft.com/office/powerpoint/2010/main" val="3874730446"/>
+      </p:ext>
+    </p:extLst>
+  </p:cSld>
+  <p:clrMapOvr>
+    <a:masterClrMapping/>
+  </p:clrMapOvr>
+  <mc:AlternateContent xmlns:mc="http://schemas.openxmlformats.org/markup-compatibility/2006" xmlns:p14="http://schemas.microsoft.com/office/powerpoint/2010/main">
+    <mc:Choice Requires="p14">
+      <p:transition spd="med" p14:dur="700">
+        <p:fade/>
+      </p:transition>
+    </mc:Choice>
+    <mc:Fallback xmlns="">
+      <p:transition spd="med">
+        <p:fade/>
+      </p:transition>
+    </mc:Fallback>
+  </mc:AlternateContent>
+  <p:timing>
+    <p:tnLst>
+      <p:par>
+        <p:cTn id="1" dur="indefinite" restart="never" nodeType="tmRoot"/>
+      </p:par>
+    </p:tnLst>
+  </p:timing>
+</p:sld>
+</file>
+
+<file path=ppt/slides/slide4.xml><?xml version="1.0" encoding="utf-8"?>
+<p:sld xmlns:a="http://schemas.openxmlformats.org/drawingml/2006/main" xmlns:r="http://schemas.openxmlformats.org/officeDocument/2006/relationships" xmlns:p="http://schemas.openxmlformats.org/presentationml/2006/main">
+  <p:cSld>
+    <p:spTree>
+      <p:nvGrpSpPr>
+        <p:cNvPr id="1" name=""/>
+        <p:cNvGrpSpPr/>
+        <p:nvPr/>
+      </p:nvGrpSpPr>
+      <p:grpSpPr>
+        <a:xfrm>
+          <a:off x="0" y="0"/>
+          <a:ext cx="0" cy="0"/>
+          <a:chOff x="0" y="0"/>
+          <a:chExt cx="0" cy="0"/>
+        </a:xfrm>
+      </p:grpSpPr>
+      <p:sp>
+        <p:nvSpPr>
+          <p:cNvPr id="3" name="Titel 2"/>
+          <p:cNvSpPr>
+            <a:spLocks noGrp="1"/>
+          </p:cNvSpPr>
+          <p:nvPr>
+            <p:ph type="title"/>
+          </p:nvPr>
+        </p:nvSpPr>
+        <p:spPr/>
+        <p:txBody>
+          <a:bodyPr/>
+          <a:lstStyle/>
+          <a:p>
+            <a:r>
+              <a:rPr lang="de-DE" dirty="0" err="1" smtClean="0"/>
+              <a:t>OpenSpeedMonitor</a:t>
+            </a:r>
+            <a:r>
+              <a:rPr lang="de-DE" dirty="0" smtClean="0"/>
+              <a:t> und </a:t>
+            </a:r>
+            <a:r>
+              <a:rPr lang="de-DE" dirty="0" err="1" smtClean="0"/>
+              <a:t>WebPagetest</a:t>
+            </a:r>
+            <a:endParaRPr lang="de-DE" dirty="0"/>
+          </a:p>
+        </p:txBody>
+      </p:sp>
+      <p:sp>
+        <p:nvSpPr>
+          <p:cNvPr id="4" name="Textplatzhalter 3"/>
+          <p:cNvSpPr>
+            <a:spLocks noGrp="1"/>
+          </p:cNvSpPr>
+          <p:nvPr>
+            <p:ph type="body" sz="quarter" idx="14"/>
+          </p:nvPr>
+        </p:nvSpPr>
+        <p:spPr/>
+        <p:txBody>
+          <a:bodyPr/>
+          <a:lstStyle/>
+          <a:p>
+            <a:endParaRPr lang="de-DE"/>
+          </a:p>
+        </p:txBody>
+      </p:sp>
+      <p:sp>
+        <p:nvSpPr>
+          <p:cNvPr id="5" name="Textplatzhalter 4"/>
+          <p:cNvSpPr>
+            <a:spLocks noGrp="1"/>
+          </p:cNvSpPr>
+          <p:nvPr>
+            <p:ph type="body" sz="quarter" idx="13"/>
+          </p:nvPr>
+        </p:nvSpPr>
+        <p:spPr/>
+        <p:txBody>
+          <a:bodyPr/>
+          <a:lstStyle/>
+          <a:p>
+            <a:r>
+              <a:rPr lang="de-DE" dirty="0" smtClean="0"/>
+              <a:t>Instanz </a:t>
+            </a:r>
+            <a:r>
+              <a:rPr lang="de-DE" dirty="0" err="1" smtClean="0"/>
+              <a:t>iteratec</a:t>
+            </a:r>
+            <a:endParaRPr lang="de-DE" dirty="0"/>
+          </a:p>
+        </p:txBody>
+      </p:sp>
+      <p:sp>
+        <p:nvSpPr>
+          <p:cNvPr id="6" name="Datumsplatzhalter 5"/>
+          <p:cNvSpPr>
+            <a:spLocks noGrp="1"/>
+          </p:cNvSpPr>
+          <p:nvPr>
+            <p:ph type="dt" sz="half" idx="15"/>
+          </p:nvPr>
+        </p:nvSpPr>
+        <p:spPr/>
+        <p:txBody>
+          <a:bodyPr/>
+          <a:lstStyle/>
+          <a:p>
+            <a:pPr>
+              <a:buClr>
+                <a:schemeClr val="tx2"/>
+              </a:buClr>
+              <a:buSzPct val="100000"/>
+              <a:buFont typeface="Wingdings" pitchFamily="2" charset="2"/>
+              <a:buNone/>
+            </a:pPr>
+            <a:r>
+              <a:rPr lang="de-DE" smtClean="0"/>
+              <a:t>© iteratec | Datum</a:t>
+            </a:r>
+            <a:endParaRPr lang="de-DE" dirty="0"/>
+          </a:p>
+        </p:txBody>
+      </p:sp>
+      <p:sp>
+        <p:nvSpPr>
+          <p:cNvPr id="7" name="Fußzeilenplatzhalter 6"/>
+          <p:cNvSpPr>
+            <a:spLocks noGrp="1"/>
+          </p:cNvSpPr>
+          <p:nvPr>
+            <p:ph type="ftr" sz="quarter" idx="16"/>
+          </p:nvPr>
+        </p:nvSpPr>
+        <p:spPr/>
+        <p:txBody>
+          <a:bodyPr/>
+          <a:lstStyle/>
+          <a:p>
+            <a:pPr algn="ctr">
+              <a:buClr>
+                <a:schemeClr val="tx2"/>
+              </a:buClr>
+              <a:buSzPct val="100000"/>
+              <a:buFont typeface="Wingdings" pitchFamily="2" charset="2"/>
+              <a:buNone/>
+            </a:pPr>
+            <a:r>
+              <a:rPr lang="de-DE" dirty="0" smtClean="0"/>
+              <a:t>Optional: Präsentationstitel</a:t>
+            </a:r>
+            <a:endParaRPr lang="de-DE" dirty="0"/>
+          </a:p>
+        </p:txBody>
+      </p:sp>
+      <p:sp>
+        <p:nvSpPr>
+          <p:cNvPr id="8" name="Foliennummernplatzhalter 7"/>
+          <p:cNvSpPr>
+            <a:spLocks noGrp="1"/>
+          </p:cNvSpPr>
+          <p:nvPr>
+            <p:ph type="sldNum" sz="quarter" idx="17"/>
+          </p:nvPr>
+        </p:nvSpPr>
+        <p:spPr/>
+        <p:txBody>
+          <a:bodyPr/>
+          <a:lstStyle/>
+          <a:p>
+            <a:pPr algn="r">
+              <a:buClr>
+                <a:schemeClr val="tx2"/>
+              </a:buClr>
+              <a:buSzPct val="100000"/>
+              <a:buFont typeface="Wingdings" pitchFamily="2" charset="2"/>
+              <a:buNone/>
+            </a:pPr>
+            <a:r>
+              <a:rPr lang="de-DE" smtClean="0"/>
+              <a:t>Seite </a:t>
+            </a:r>
+            <a:fld id="{26F0CC0A-7687-4B44-955F-AD67B8EF3E28}" type="slidenum">
+              <a:rPr lang="de-DE" smtClean="0"/>
+              <a:pPr algn="r">
+                <a:buClr>
+                  <a:schemeClr val="tx2"/>
+                </a:buClr>
+                <a:buSzPct val="100000"/>
+                <a:buFont typeface="Wingdings" pitchFamily="2" charset="2"/>
+                <a:buNone/>
+              </a:pPr>
+              <a:t>4</a:t>
             </a:fld>
             <a:endParaRPr lang="de-DE" dirty="0"/>
           </a:p>
@@ -12773,11 +13169,6 @@
               </a:rPr>
               <a:t>WEBANWENDUNGEN</a:t>
             </a:r>
-            <a:endParaRPr lang="de-DE" sz="1200" b="1" dirty="0" smtClean="0">
-              <a:solidFill>
-                <a:schemeClr val="tx2"/>
-              </a:solidFill>
-            </a:endParaRPr>
           </a:p>
         </p:txBody>
       </p:sp>
@@ -13085,7 +13476,6 @@
               <a:rPr lang="de-DE" sz="2800" b="1" dirty="0" smtClean="0"/>
               <a:t>2x</a:t>
             </a:r>
-            <a:endParaRPr lang="de-DE" sz="2800" b="1" dirty="0" smtClean="0"/>
           </a:p>
         </p:txBody>
       </p:sp>
@@ -13124,13 +13514,8 @@
             </a:pPr>
             <a:r>
               <a:rPr lang="de-DE" sz="2000" b="1" dirty="0" smtClean="0"/>
-              <a:t>1</a:t>
-            </a:r>
-            <a:r>
-              <a:rPr lang="de-DE" sz="2000" b="1" dirty="0" smtClean="0"/>
-              <a:t>x Nexus5</a:t>
-            </a:r>
-            <a:endParaRPr lang="de-DE" sz="2000" b="1" dirty="0" smtClean="0"/>
+              <a:t>1x Nexus5</a:t>
+            </a:r>
           </a:p>
         </p:txBody>
       </p:sp>
@@ -13166,7 +13551,7 @@
 </p:sld>
 </file>
 
-<file path=ppt/slides/slide4.xml><?xml version="1.0" encoding="utf-8"?>
+<file path=ppt/slides/slide5.xml><?xml version="1.0" encoding="utf-8"?>
 <p:sld xmlns:a="http://schemas.openxmlformats.org/drawingml/2006/main" xmlns:r="http://schemas.openxmlformats.org/officeDocument/2006/relationships" xmlns:p="http://schemas.openxmlformats.org/presentationml/2006/main">
   <p:cSld>
     <p:spTree>
@@ -13185,57 +13570,6 @@
       </p:grpSpPr>
       <p:sp>
         <p:nvSpPr>
-          <p:cNvPr id="2" name="Inhaltsplatzhalter 1"/>
-          <p:cNvSpPr>
-            <a:spLocks noGrp="1"/>
-          </p:cNvSpPr>
-          <p:nvPr>
-            <p:ph idx="1"/>
-          </p:nvPr>
-        </p:nvSpPr>
-        <p:spPr>
-          <a:xfrm>
-            <a:off x="249735" y="1063369"/>
-            <a:ext cx="8640762" cy="863873"/>
-          </a:xfrm>
-        </p:spPr>
-        <p:txBody>
-          <a:bodyPr/>
-          <a:lstStyle/>
-          <a:p>
-            <a:r>
-              <a:rPr lang="de-DE" dirty="0" smtClean="0"/>
-              <a:t>Grundidee: </a:t>
-            </a:r>
-            <a:endParaRPr lang="de-DE" dirty="0"/>
-          </a:p>
-          <a:p>
-            <a:pPr lvl="1"/>
-            <a:r>
-              <a:rPr lang="de-DE" dirty="0" smtClean="0"/>
-              <a:t>Bilder die initial sichtbar sind sollten direkt geladen werden </a:t>
-            </a:r>
-          </a:p>
-          <a:p>
-            <a:pPr lvl="1"/>
-            <a:r>
-              <a:rPr lang="de-DE" dirty="0" err="1"/>
-              <a:t>A</a:t>
-            </a:r>
-            <a:r>
-              <a:rPr lang="de-DE" dirty="0" err="1" smtClean="0"/>
-              <a:t>alle</a:t>
-            </a:r>
-            <a:r>
-              <a:rPr lang="de-DE" dirty="0" smtClean="0"/>
-              <a:t> anderen Bilder werden erst anschließend nachgeladen.</a:t>
-            </a:r>
-            <a:endParaRPr lang="de-DE" dirty="0"/>
-          </a:p>
-        </p:txBody>
-      </p:sp>
-      <p:sp>
-        <p:nvSpPr>
           <p:cNvPr id="3" name="Titel 2"/>
           <p:cNvSpPr>
             <a:spLocks noGrp="1"/>
@@ -13250,8 +13584,16 @@
           <a:lstStyle/>
           <a:p>
             <a:r>
+              <a:rPr lang="de-DE" dirty="0" err="1" smtClean="0"/>
+              <a:t>OpenSpeedMonitor</a:t>
+            </a:r>
+            <a:r>
               <a:rPr lang="de-DE" dirty="0" smtClean="0"/>
-              <a:t>Performance-Optimierung</a:t>
+              <a:t> und </a:t>
+            </a:r>
+            <a:r>
+              <a:rPr lang="de-DE" dirty="0"/>
+              <a:t>Webperformance</a:t>
             </a:r>
             <a:endParaRPr lang="de-DE" dirty="0"/>
           </a:p>
@@ -13267,17 +13609,12 @@
             <p:ph type="body" sz="quarter" idx="14"/>
           </p:nvPr>
         </p:nvSpPr>
-        <p:spPr>
-          <a:xfrm>
-            <a:off x="16906774" y="188913"/>
-            <a:ext cx="842690" cy="342900"/>
-          </a:xfrm>
-        </p:spPr>
+        <p:spPr/>
         <p:txBody>
           <a:bodyPr/>
           <a:lstStyle/>
           <a:p>
-            <a:endParaRPr lang="de-DE" dirty="0"/>
+            <a:endParaRPr lang="de-DE"/>
           </a:p>
         </p:txBody>
       </p:sp>
@@ -13298,39 +13635,7 @@
           <a:p>
             <a:r>
               <a:rPr lang="de-DE" dirty="0" smtClean="0"/>
-              <a:t>Nur </a:t>
-            </a:r>
-            <a:r>
-              <a:rPr lang="de-DE" dirty="0" err="1" smtClean="0"/>
-              <a:t>above</a:t>
-            </a:r>
-            <a:r>
-              <a:rPr lang="de-DE" dirty="0" smtClean="0"/>
-              <a:t> </a:t>
-            </a:r>
-            <a:r>
-              <a:rPr lang="de-DE" dirty="0" err="1" smtClean="0"/>
-              <a:t>the</a:t>
-            </a:r>
-            <a:r>
-              <a:rPr lang="de-DE" dirty="0" smtClean="0"/>
-              <a:t> </a:t>
-            </a:r>
-            <a:r>
-              <a:rPr lang="de-DE" dirty="0" err="1"/>
-              <a:t>fold</a:t>
-            </a:r>
-            <a:r>
-              <a:rPr lang="de-DE" dirty="0"/>
-              <a:t> </a:t>
-            </a:r>
-            <a:r>
-              <a:rPr lang="de-DE" dirty="0" err="1" smtClean="0"/>
-              <a:t>images</a:t>
-            </a:r>
-            <a:r>
-              <a:rPr lang="de-DE" dirty="0" smtClean="0"/>
-              <a:t> initial laden</a:t>
+              <a:t>Beispiel-Webseite</a:t>
             </a:r>
             <a:endParaRPr lang="de-DE" dirty="0"/>
           </a:p>
@@ -13391,7 +13696,7 @@
               <a:buNone/>
             </a:pPr>
             <a:r>
-              <a:rPr lang="de-DE" smtClean="0"/>
+              <a:rPr lang="de-DE" dirty="0" smtClean="0"/>
               <a:t>Optional: Präsentationstitel</a:t>
             </a:r>
             <a:endParaRPr lang="de-DE" dirty="0"/>
@@ -13435,7 +13740,1148 @@
                 <a:buFont typeface="Wingdings" pitchFamily="2" charset="2"/>
                 <a:buNone/>
               </a:pPr>
-              <a:t>4</a:t>
+              <a:t>5</a:t>
+            </a:fld>
+            <a:endParaRPr lang="de-DE" dirty="0"/>
+          </a:p>
+        </p:txBody>
+      </p:sp>
+      <p:pic>
+        <p:nvPicPr>
+          <p:cNvPr id="9" name="Grafik 8"/>
+          <p:cNvPicPr>
+            <a:picLocks noChangeAspect="1"/>
+          </p:cNvPicPr>
+          <p:nvPr/>
+        </p:nvPicPr>
+        <p:blipFill>
+          <a:blip r:embed="rId2" cstate="print">
+            <a:extLst>
+              <a:ext uri="{28A0092B-C50C-407E-A947-70E740481C1C}">
+                <a14:useLocalDpi xmlns:a14="http://schemas.microsoft.com/office/drawing/2010/main" val="0"/>
+              </a:ext>
+            </a:extLst>
+          </a:blip>
+          <a:stretch>
+            <a:fillRect/>
+          </a:stretch>
+        </p:blipFill>
+        <p:spPr>
+          <a:xfrm>
+            <a:off x="4067944" y="980728"/>
+            <a:ext cx="5616624" cy="14138907"/>
+          </a:xfrm>
+          <a:prstGeom prst="rect">
+            <a:avLst/>
+          </a:prstGeom>
+        </p:spPr>
+      </p:pic>
+      <p:sp>
+        <p:nvSpPr>
+          <p:cNvPr id="10" name="Textfeld 9"/>
+          <p:cNvSpPr txBox="1"/>
+          <p:nvPr/>
+        </p:nvSpPr>
+        <p:spPr>
+          <a:xfrm>
+            <a:off x="251520" y="2060848"/>
+            <a:ext cx="4896544" cy="4464496"/>
+          </a:xfrm>
+          <a:prstGeom prst="rect">
+            <a:avLst/>
+          </a:prstGeom>
+        </p:spPr>
+        <p:txBody>
+          <a:bodyPr vert="horz" wrap="square" lIns="0" tIns="0" rIns="0" bIns="0" rtlCol="0">
+            <a:noAutofit/>
+          </a:bodyPr>
+          <a:lstStyle/>
+          <a:p>
+            <a:pPr>
+              <a:lnSpc>
+                <a:spcPct val="110000"/>
+              </a:lnSpc>
+              <a:spcBef>
+                <a:spcPts val="800"/>
+              </a:spcBef>
+              <a:buClr>
+                <a:schemeClr val="tx2"/>
+              </a:buClr>
+              <a:buSzPct val="80000"/>
+            </a:pPr>
+            <a:r>
+              <a:rPr lang="de-DE" sz="1200" dirty="0">
+                <a:hlinkClick r:id="rId3"/>
+              </a:rPr>
+              <a:t>http://perf-test-suite-experiments.wpt.iteratec.de</a:t>
+            </a:r>
+            <a:r>
+              <a:rPr lang="de-DE" sz="1200" dirty="0" smtClean="0">
+                <a:hlinkClick r:id="rId3"/>
+              </a:rPr>
+              <a:t>/</a:t>
+            </a:r>
+            <a:endParaRPr lang="de-DE" sz="1200" dirty="0" smtClean="0"/>
+          </a:p>
+          <a:p>
+            <a:pPr marL="270000" indent="-270000">
+              <a:lnSpc>
+                <a:spcPct val="110000"/>
+              </a:lnSpc>
+              <a:spcBef>
+                <a:spcPts val="800"/>
+              </a:spcBef>
+              <a:buClr>
+                <a:schemeClr val="tx2"/>
+              </a:buClr>
+              <a:buSzPct val="80000"/>
+              <a:buFont typeface="Wingdings" panose="05000000000000000000" pitchFamily="2" charset="2"/>
+              <a:buChar char="n"/>
+            </a:pPr>
+            <a:r>
+              <a:rPr lang="de-DE" dirty="0" smtClean="0"/>
+              <a:t>Stellt typische Produktliste eines Shops dar</a:t>
+            </a:r>
+          </a:p>
+          <a:p>
+            <a:pPr marL="270000" indent="-270000">
+              <a:lnSpc>
+                <a:spcPct val="110000"/>
+              </a:lnSpc>
+              <a:spcBef>
+                <a:spcPts val="800"/>
+              </a:spcBef>
+              <a:buClr>
+                <a:schemeClr val="tx2"/>
+              </a:buClr>
+              <a:buSzPct val="80000"/>
+              <a:buFont typeface="Wingdings" panose="05000000000000000000" pitchFamily="2" charset="2"/>
+              <a:buChar char="n"/>
+            </a:pPr>
+            <a:r>
+              <a:rPr lang="de-DE" dirty="0" err="1" smtClean="0"/>
+              <a:t>Performt</a:t>
+            </a:r>
+            <a:r>
+              <a:rPr lang="de-DE" dirty="0" smtClean="0"/>
+              <a:t> sehr schlecht</a:t>
+            </a:r>
+          </a:p>
+          <a:p>
+            <a:pPr marL="270000" indent="-270000">
+              <a:lnSpc>
+                <a:spcPct val="110000"/>
+              </a:lnSpc>
+              <a:spcBef>
+                <a:spcPts val="800"/>
+              </a:spcBef>
+              <a:buClr>
+                <a:schemeClr val="tx2"/>
+              </a:buClr>
+              <a:buSzPct val="80000"/>
+              <a:buFont typeface="Wingdings" panose="05000000000000000000" pitchFamily="2" charset="2"/>
+              <a:buChar char="n"/>
+            </a:pPr>
+            <a:endParaRPr lang="de-DE" b="1" dirty="0" smtClean="0"/>
+          </a:p>
+          <a:p>
+            <a:pPr marL="270000" indent="-270000">
+              <a:lnSpc>
+                <a:spcPct val="110000"/>
+              </a:lnSpc>
+              <a:spcBef>
+                <a:spcPts val="800"/>
+              </a:spcBef>
+              <a:buClr>
+                <a:schemeClr val="tx2"/>
+              </a:buClr>
+              <a:buSzPct val="80000"/>
+              <a:buFont typeface="Wingdings" panose="05000000000000000000" pitchFamily="2" charset="2"/>
+              <a:buChar char="n"/>
+            </a:pPr>
+            <a:r>
+              <a:rPr lang="de-DE" b="1" dirty="0" smtClean="0"/>
+              <a:t>Woran und wie sieht man das?</a:t>
+            </a:r>
+          </a:p>
+          <a:p>
+            <a:pPr marL="727200" lvl="1" indent="-270000">
+              <a:lnSpc>
+                <a:spcPct val="110000"/>
+              </a:lnSpc>
+              <a:spcBef>
+                <a:spcPts val="800"/>
+              </a:spcBef>
+              <a:buClr>
+                <a:schemeClr val="tx2"/>
+              </a:buClr>
+              <a:buSzPct val="80000"/>
+              <a:buFont typeface="Wingdings" panose="05000000000000000000" pitchFamily="2" charset="2"/>
+              <a:buChar char="n"/>
+            </a:pPr>
+            <a:r>
+              <a:rPr lang="de-DE" dirty="0" smtClean="0"/>
+              <a:t>Developer-Tools Browser</a:t>
+            </a:r>
+          </a:p>
+          <a:p>
+            <a:pPr marL="727200" lvl="1" indent="-270000">
+              <a:lnSpc>
+                <a:spcPct val="110000"/>
+              </a:lnSpc>
+              <a:spcBef>
+                <a:spcPts val="800"/>
+              </a:spcBef>
+              <a:buClr>
+                <a:schemeClr val="tx2"/>
+              </a:buClr>
+              <a:buSzPct val="80000"/>
+              <a:buFont typeface="Wingdings" panose="05000000000000000000" pitchFamily="2" charset="2"/>
+              <a:buChar char="n"/>
+            </a:pPr>
+            <a:r>
+              <a:rPr lang="de-DE" dirty="0" err="1" smtClean="0"/>
+              <a:t>OpenSpeedMonitor</a:t>
+            </a:r>
+            <a:r>
+              <a:rPr lang="de-DE" dirty="0" smtClean="0"/>
+              <a:t> / Webpagetest</a:t>
+            </a:r>
+            <a:endParaRPr lang="de-DE" dirty="0" smtClean="0"/>
+          </a:p>
+        </p:txBody>
+      </p:sp>
+    </p:spTree>
+    <p:extLst>
+      <p:ext uri="{BB962C8B-B14F-4D97-AF65-F5344CB8AC3E}">
+        <p14:creationId xmlns:p14="http://schemas.microsoft.com/office/powerpoint/2010/main" val="1571239353"/>
+      </p:ext>
+    </p:extLst>
+  </p:cSld>
+  <p:clrMapOvr>
+    <a:masterClrMapping/>
+  </p:clrMapOvr>
+  <mc:AlternateContent xmlns:mc="http://schemas.openxmlformats.org/markup-compatibility/2006" xmlns:p14="http://schemas.microsoft.com/office/powerpoint/2010/main">
+    <mc:Choice Requires="p14">
+      <p:transition spd="med" p14:dur="700">
+        <p:fade/>
+      </p:transition>
+    </mc:Choice>
+    <mc:Fallback xmlns="">
+      <p:transition spd="med">
+        <p:fade/>
+      </p:transition>
+    </mc:Fallback>
+  </mc:AlternateContent>
+  <p:timing>
+    <p:tnLst>
+      <p:par>
+        <p:cTn id="1" dur="indefinite" restart="never" nodeType="tmRoot"/>
+      </p:par>
+    </p:tnLst>
+  </p:timing>
+</p:sld>
+</file>
+
+<file path=ppt/slides/slide6.xml><?xml version="1.0" encoding="utf-8"?>
+<p:sld xmlns:a="http://schemas.openxmlformats.org/drawingml/2006/main" xmlns:r="http://schemas.openxmlformats.org/officeDocument/2006/relationships" xmlns:p="http://schemas.openxmlformats.org/presentationml/2006/main">
+  <p:cSld>
+    <p:spTree>
+      <p:nvGrpSpPr>
+        <p:cNvPr id="1" name=""/>
+        <p:cNvGrpSpPr/>
+        <p:nvPr/>
+      </p:nvGrpSpPr>
+      <p:grpSpPr>
+        <a:xfrm>
+          <a:off x="0" y="0"/>
+          <a:ext cx="0" cy="0"/>
+          <a:chOff x="0" y="0"/>
+          <a:chExt cx="0" cy="0"/>
+        </a:xfrm>
+      </p:grpSpPr>
+      <p:sp>
+        <p:nvSpPr>
+          <p:cNvPr id="3" name="Titel 2"/>
+          <p:cNvSpPr>
+            <a:spLocks noGrp="1"/>
+          </p:cNvSpPr>
+          <p:nvPr>
+            <p:ph type="title"/>
+          </p:nvPr>
+        </p:nvSpPr>
+        <p:spPr/>
+        <p:txBody>
+          <a:bodyPr/>
+          <a:lstStyle/>
+          <a:p>
+            <a:r>
+              <a:rPr lang="de-DE" dirty="0" err="1" smtClean="0"/>
+              <a:t>OpenSpeedMonitor</a:t>
+            </a:r>
+            <a:r>
+              <a:rPr lang="de-DE" dirty="0" smtClean="0"/>
+              <a:t> und </a:t>
+            </a:r>
+            <a:r>
+              <a:rPr lang="de-DE" dirty="0"/>
+              <a:t>Webperformance</a:t>
+            </a:r>
+            <a:endParaRPr lang="de-DE" dirty="0"/>
+          </a:p>
+        </p:txBody>
+      </p:sp>
+      <p:sp>
+        <p:nvSpPr>
+          <p:cNvPr id="4" name="Textplatzhalter 3"/>
+          <p:cNvSpPr>
+            <a:spLocks noGrp="1"/>
+          </p:cNvSpPr>
+          <p:nvPr>
+            <p:ph type="body" sz="quarter" idx="14"/>
+          </p:nvPr>
+        </p:nvSpPr>
+        <p:spPr/>
+        <p:txBody>
+          <a:bodyPr/>
+          <a:lstStyle/>
+          <a:p>
+            <a:endParaRPr lang="de-DE"/>
+          </a:p>
+        </p:txBody>
+      </p:sp>
+      <p:sp>
+        <p:nvSpPr>
+          <p:cNvPr id="5" name="Textplatzhalter 4"/>
+          <p:cNvSpPr>
+            <a:spLocks noGrp="1"/>
+          </p:cNvSpPr>
+          <p:nvPr>
+            <p:ph type="body" sz="quarter" idx="13"/>
+          </p:nvPr>
+        </p:nvSpPr>
+        <p:spPr/>
+        <p:txBody>
+          <a:bodyPr/>
+          <a:lstStyle/>
+          <a:p>
+            <a:r>
+              <a:rPr lang="de-DE" dirty="0" smtClean="0"/>
+              <a:t>Beispiel-Webseite</a:t>
+            </a:r>
+            <a:endParaRPr lang="de-DE" dirty="0"/>
+          </a:p>
+        </p:txBody>
+      </p:sp>
+      <p:sp>
+        <p:nvSpPr>
+          <p:cNvPr id="6" name="Datumsplatzhalter 5"/>
+          <p:cNvSpPr>
+            <a:spLocks noGrp="1"/>
+          </p:cNvSpPr>
+          <p:nvPr>
+            <p:ph type="dt" sz="half" idx="15"/>
+          </p:nvPr>
+        </p:nvSpPr>
+        <p:spPr/>
+        <p:txBody>
+          <a:bodyPr/>
+          <a:lstStyle/>
+          <a:p>
+            <a:pPr>
+              <a:buClr>
+                <a:schemeClr val="tx2"/>
+              </a:buClr>
+              <a:buSzPct val="100000"/>
+              <a:buFont typeface="Wingdings" pitchFamily="2" charset="2"/>
+              <a:buNone/>
+            </a:pPr>
+            <a:r>
+              <a:rPr lang="de-DE" smtClean="0"/>
+              <a:t>© iteratec | Datum</a:t>
+            </a:r>
+            <a:endParaRPr lang="de-DE" dirty="0"/>
+          </a:p>
+        </p:txBody>
+      </p:sp>
+      <p:sp>
+        <p:nvSpPr>
+          <p:cNvPr id="7" name="Fußzeilenplatzhalter 6"/>
+          <p:cNvSpPr>
+            <a:spLocks noGrp="1"/>
+          </p:cNvSpPr>
+          <p:nvPr>
+            <p:ph type="ftr" sz="quarter" idx="16"/>
+          </p:nvPr>
+        </p:nvSpPr>
+        <p:spPr/>
+        <p:txBody>
+          <a:bodyPr/>
+          <a:lstStyle/>
+          <a:p>
+            <a:pPr algn="ctr">
+              <a:buClr>
+                <a:schemeClr val="tx2"/>
+              </a:buClr>
+              <a:buSzPct val="100000"/>
+              <a:buFont typeface="Wingdings" pitchFamily="2" charset="2"/>
+              <a:buNone/>
+            </a:pPr>
+            <a:r>
+              <a:rPr lang="de-DE" dirty="0" smtClean="0"/>
+              <a:t>Optional: Präsentationstitel</a:t>
+            </a:r>
+            <a:endParaRPr lang="de-DE" dirty="0"/>
+          </a:p>
+        </p:txBody>
+      </p:sp>
+      <p:sp>
+        <p:nvSpPr>
+          <p:cNvPr id="8" name="Foliennummernplatzhalter 7"/>
+          <p:cNvSpPr>
+            <a:spLocks noGrp="1"/>
+          </p:cNvSpPr>
+          <p:nvPr>
+            <p:ph type="sldNum" sz="quarter" idx="17"/>
+          </p:nvPr>
+        </p:nvSpPr>
+        <p:spPr/>
+        <p:txBody>
+          <a:bodyPr/>
+          <a:lstStyle/>
+          <a:p>
+            <a:pPr algn="r">
+              <a:buClr>
+                <a:schemeClr val="tx2"/>
+              </a:buClr>
+              <a:buSzPct val="100000"/>
+              <a:buFont typeface="Wingdings" pitchFamily="2" charset="2"/>
+              <a:buNone/>
+            </a:pPr>
+            <a:r>
+              <a:rPr lang="de-DE" smtClean="0"/>
+              <a:t>Seite </a:t>
+            </a:r>
+            <a:fld id="{26F0CC0A-7687-4B44-955F-AD67B8EF3E28}" type="slidenum">
+              <a:rPr lang="de-DE" smtClean="0"/>
+              <a:pPr algn="r">
+                <a:buClr>
+                  <a:schemeClr val="tx2"/>
+                </a:buClr>
+                <a:buSzPct val="100000"/>
+                <a:buFont typeface="Wingdings" pitchFamily="2" charset="2"/>
+                <a:buNone/>
+              </a:pPr>
+              <a:t>6</a:t>
+            </a:fld>
+            <a:endParaRPr lang="de-DE" dirty="0"/>
+          </a:p>
+        </p:txBody>
+      </p:sp>
+      <p:pic>
+        <p:nvPicPr>
+          <p:cNvPr id="9" name="Grafik 8"/>
+          <p:cNvPicPr>
+            <a:picLocks noChangeAspect="1"/>
+          </p:cNvPicPr>
+          <p:nvPr/>
+        </p:nvPicPr>
+        <p:blipFill>
+          <a:blip r:embed="rId2" cstate="print">
+            <a:extLst>
+              <a:ext uri="{28A0092B-C50C-407E-A947-70E740481C1C}">
+                <a14:useLocalDpi xmlns:a14="http://schemas.microsoft.com/office/drawing/2010/main" val="0"/>
+              </a:ext>
+            </a:extLst>
+          </a:blip>
+          <a:stretch>
+            <a:fillRect/>
+          </a:stretch>
+        </p:blipFill>
+        <p:spPr>
+          <a:xfrm>
+            <a:off x="4067944" y="980728"/>
+            <a:ext cx="5616624" cy="14138907"/>
+          </a:xfrm>
+          <a:prstGeom prst="rect">
+            <a:avLst/>
+          </a:prstGeom>
+        </p:spPr>
+      </p:pic>
+      <p:sp>
+        <p:nvSpPr>
+          <p:cNvPr id="10" name="Textfeld 9"/>
+          <p:cNvSpPr txBox="1"/>
+          <p:nvPr/>
+        </p:nvSpPr>
+        <p:spPr>
+          <a:xfrm>
+            <a:off x="251520" y="1340768"/>
+            <a:ext cx="4896544" cy="5112568"/>
+          </a:xfrm>
+          <a:prstGeom prst="rect">
+            <a:avLst/>
+          </a:prstGeom>
+        </p:spPr>
+        <p:txBody>
+          <a:bodyPr vert="horz" wrap="square" lIns="0" tIns="0" rIns="0" bIns="0" rtlCol="0">
+            <a:noAutofit/>
+          </a:bodyPr>
+          <a:lstStyle/>
+          <a:p>
+            <a:pPr>
+              <a:lnSpc>
+                <a:spcPct val="110000"/>
+              </a:lnSpc>
+              <a:spcBef>
+                <a:spcPts val="800"/>
+              </a:spcBef>
+              <a:buClr>
+                <a:schemeClr val="tx2"/>
+              </a:buClr>
+              <a:buSzPct val="80000"/>
+            </a:pPr>
+            <a:r>
+              <a:rPr lang="de-DE" sz="1200" dirty="0">
+                <a:hlinkClick r:id="rId3"/>
+              </a:rPr>
+              <a:t>http://perf-test-suite-experiments.wpt.iteratec.de</a:t>
+            </a:r>
+            <a:r>
+              <a:rPr lang="de-DE" sz="1200" dirty="0" smtClean="0">
+                <a:hlinkClick r:id="rId3"/>
+              </a:rPr>
+              <a:t>/</a:t>
+            </a:r>
+            <a:endParaRPr lang="de-DE" sz="1200" dirty="0" smtClean="0"/>
+          </a:p>
+          <a:p>
+            <a:pPr marL="270000" indent="-270000">
+              <a:lnSpc>
+                <a:spcPct val="110000"/>
+              </a:lnSpc>
+              <a:spcBef>
+                <a:spcPts val="800"/>
+              </a:spcBef>
+              <a:buClr>
+                <a:schemeClr val="tx2"/>
+              </a:buClr>
+              <a:buSzPct val="80000"/>
+              <a:buFont typeface="Wingdings" panose="05000000000000000000" pitchFamily="2" charset="2"/>
+              <a:buChar char="n"/>
+            </a:pPr>
+            <a:r>
+              <a:rPr lang="de-DE" sz="1600" dirty="0" smtClean="0"/>
+              <a:t>Immer positiv denken:</a:t>
+            </a:r>
+            <a:br>
+              <a:rPr lang="de-DE" sz="1600" dirty="0" smtClean="0"/>
+            </a:br>
+            <a:r>
+              <a:rPr lang="de-DE" sz="1600" dirty="0" smtClean="0"/>
+              <a:t>Viel Potenzial zur Optimierung!</a:t>
+            </a:r>
+          </a:p>
+          <a:p>
+            <a:pPr marL="270000" indent="-270000">
+              <a:lnSpc>
+                <a:spcPct val="110000"/>
+              </a:lnSpc>
+              <a:spcBef>
+                <a:spcPts val="800"/>
+              </a:spcBef>
+              <a:buClr>
+                <a:schemeClr val="tx2"/>
+              </a:buClr>
+              <a:buSzPct val="80000"/>
+              <a:buFont typeface="Wingdings" panose="05000000000000000000" pitchFamily="2" charset="2"/>
+              <a:buChar char="n"/>
+            </a:pPr>
+            <a:endParaRPr lang="de-DE" sz="1600" dirty="0"/>
+          </a:p>
+          <a:p>
+            <a:pPr marL="270000" indent="-270000">
+              <a:lnSpc>
+                <a:spcPct val="110000"/>
+              </a:lnSpc>
+              <a:spcBef>
+                <a:spcPts val="800"/>
+              </a:spcBef>
+              <a:buClr>
+                <a:schemeClr val="tx2"/>
+              </a:buClr>
+              <a:buSzPct val="80000"/>
+              <a:buFont typeface="Wingdings" panose="05000000000000000000" pitchFamily="2" charset="2"/>
+              <a:buChar char="n"/>
+            </a:pPr>
+            <a:r>
+              <a:rPr lang="de-DE" sz="1600" dirty="0" smtClean="0"/>
+              <a:t>Der Code der Seite liegt auf </a:t>
+            </a:r>
+            <a:r>
+              <a:rPr lang="de-DE" sz="1600" dirty="0" err="1" smtClean="0"/>
+              <a:t>github</a:t>
+            </a:r>
+            <a:r>
+              <a:rPr lang="de-DE" sz="1600" dirty="0" smtClean="0"/>
+              <a:t>:</a:t>
+            </a:r>
+            <a:br>
+              <a:rPr lang="de-DE" sz="1600" dirty="0" smtClean="0"/>
+            </a:br>
+            <a:r>
+              <a:rPr lang="de-DE" sz="1100" i="1" dirty="0" err="1"/>
+              <a:t>git</a:t>
+            </a:r>
+            <a:r>
+              <a:rPr lang="de-DE" sz="1100" i="1" dirty="0"/>
+              <a:t> </a:t>
+            </a:r>
+            <a:r>
+              <a:rPr lang="de-DE" sz="1100" i="1" dirty="0" err="1"/>
+              <a:t>clone</a:t>
+            </a:r>
+            <a:r>
+              <a:rPr lang="de-DE" sz="1100" i="1" dirty="0"/>
+              <a:t> https://github.com/IteraSpeed/perf-test-suite-experiments.git</a:t>
+            </a:r>
+          </a:p>
+          <a:p>
+            <a:pPr marL="270000" indent="-270000">
+              <a:lnSpc>
+                <a:spcPct val="110000"/>
+              </a:lnSpc>
+              <a:spcBef>
+                <a:spcPts val="800"/>
+              </a:spcBef>
+              <a:buClr>
+                <a:schemeClr val="tx2"/>
+              </a:buClr>
+              <a:buSzPct val="80000"/>
+              <a:buFont typeface="Wingdings" panose="05000000000000000000" pitchFamily="2" charset="2"/>
+              <a:buChar char="n"/>
+            </a:pPr>
+            <a:r>
+              <a:rPr lang="de-DE" sz="1600" dirty="0" smtClean="0"/>
+              <a:t>Mit dem folgenden User könnt ihr eigene Seiten pushen:</a:t>
+            </a:r>
+            <a:br>
+              <a:rPr lang="de-DE" sz="1600" dirty="0" smtClean="0"/>
+            </a:br>
+            <a:r>
+              <a:rPr lang="de-DE" sz="1600" dirty="0" smtClean="0"/>
+              <a:t>Username = </a:t>
+            </a:r>
+            <a:r>
+              <a:rPr lang="de-DE" sz="2400" b="1" dirty="0" err="1" smtClean="0"/>
+              <a:t>wpt-iteratec</a:t>
+            </a:r>
+            <a:r>
+              <a:rPr lang="de-DE" sz="1600" dirty="0"/>
+              <a:t/>
+            </a:r>
+            <a:br>
+              <a:rPr lang="de-DE" sz="1600" dirty="0"/>
+            </a:br>
+            <a:r>
+              <a:rPr lang="de-DE" sz="1600" dirty="0" smtClean="0"/>
+              <a:t>Passwort = </a:t>
+            </a:r>
+            <a:r>
+              <a:rPr lang="de-DE" sz="2400" b="1" dirty="0" smtClean="0"/>
+              <a:t>DMhewcuRb1</a:t>
+            </a:r>
+            <a:r>
+              <a:rPr lang="de-DE" sz="1600" b="1" dirty="0" smtClean="0"/>
+              <a:t/>
+            </a:r>
+            <a:br>
+              <a:rPr lang="de-DE" sz="1600" b="1" dirty="0" smtClean="0"/>
+            </a:br>
+            <a:r>
+              <a:rPr lang="de-DE" sz="1600" dirty="0" err="1" smtClean="0"/>
+              <a:t>z.B</a:t>
+            </a:r>
+            <a:r>
+              <a:rPr lang="de-DE" sz="1600" dirty="0" smtClean="0"/>
+              <a:t>:</a:t>
+            </a:r>
+            <a:br>
+              <a:rPr lang="de-DE" sz="1600" dirty="0" smtClean="0"/>
+            </a:br>
+            <a:r>
+              <a:rPr lang="de-DE" sz="1200" i="1" dirty="0" smtClean="0"/>
+              <a:t>cd </a:t>
+            </a:r>
+            <a:r>
+              <a:rPr lang="de-DE" sz="1200" i="1" dirty="0" err="1" smtClean="0"/>
+              <a:t>perf</a:t>
+            </a:r>
+            <a:r>
+              <a:rPr lang="de-DE" sz="1200" i="1" dirty="0" smtClean="0"/>
+              <a:t>-test-suite-experiments</a:t>
+            </a:r>
+            <a:br>
+              <a:rPr lang="de-DE" sz="1200" i="1" dirty="0" smtClean="0"/>
+            </a:br>
+            <a:r>
+              <a:rPr lang="de-DE" sz="1200" i="1" dirty="0" err="1" smtClean="0"/>
+              <a:t>cp</a:t>
+            </a:r>
+            <a:r>
+              <a:rPr lang="de-DE" sz="1200" i="1" dirty="0" smtClean="0"/>
+              <a:t> </a:t>
+            </a:r>
+            <a:r>
+              <a:rPr lang="de-DE" sz="1200" i="1" dirty="0" err="1" smtClean="0"/>
+              <a:t>index.php</a:t>
+            </a:r>
+            <a:r>
+              <a:rPr lang="de-DE" sz="1200" i="1" dirty="0" smtClean="0"/>
+              <a:t> </a:t>
+            </a:r>
+            <a:r>
+              <a:rPr lang="de-DE" sz="1200" i="1" dirty="0" err="1" smtClean="0"/>
+              <a:t>nilskuhn.php</a:t>
+            </a:r>
+            <a:r>
+              <a:rPr lang="de-DE" sz="1200" i="1" dirty="0" smtClean="0"/>
+              <a:t/>
+            </a:r>
+            <a:br>
+              <a:rPr lang="de-DE" sz="1200" i="1" dirty="0" smtClean="0"/>
+            </a:br>
+            <a:r>
+              <a:rPr lang="de-DE" sz="1200" i="1" dirty="0" smtClean="0"/>
+              <a:t>… Optimierung</a:t>
+            </a:r>
+            <a:br>
+              <a:rPr lang="de-DE" sz="1200" i="1" dirty="0" smtClean="0"/>
+            </a:br>
+            <a:r>
+              <a:rPr lang="de-DE" sz="1200" i="1" dirty="0" err="1" smtClean="0"/>
+              <a:t>git</a:t>
+            </a:r>
+            <a:r>
+              <a:rPr lang="de-DE" sz="1200" i="1" dirty="0" smtClean="0"/>
+              <a:t> </a:t>
+            </a:r>
+            <a:r>
+              <a:rPr lang="de-DE" sz="1200" i="1" dirty="0" err="1" smtClean="0"/>
+              <a:t>add</a:t>
+            </a:r>
+            <a:r>
+              <a:rPr lang="de-DE" sz="1200" i="1" dirty="0" smtClean="0"/>
+              <a:t> </a:t>
+            </a:r>
+            <a:r>
+              <a:rPr lang="de-DE" sz="1200" i="1" dirty="0" err="1" smtClean="0"/>
+              <a:t>nilskuhn.php</a:t>
+            </a:r>
+            <a:r>
+              <a:rPr lang="de-DE" sz="1200" i="1" dirty="0" smtClean="0"/>
+              <a:t/>
+            </a:r>
+            <a:br>
+              <a:rPr lang="de-DE" sz="1200" i="1" dirty="0" smtClean="0"/>
+            </a:br>
+            <a:r>
+              <a:rPr lang="de-DE" sz="1200" i="1" dirty="0" err="1" smtClean="0"/>
+              <a:t>git</a:t>
+            </a:r>
+            <a:r>
+              <a:rPr lang="de-DE" sz="1200" i="1" dirty="0" smtClean="0"/>
+              <a:t> </a:t>
+            </a:r>
+            <a:r>
+              <a:rPr lang="de-DE" sz="1200" i="1" dirty="0" err="1" smtClean="0"/>
+              <a:t>commit</a:t>
+            </a:r>
+            <a:r>
+              <a:rPr lang="de-DE" sz="1200" i="1" dirty="0" smtClean="0"/>
+              <a:t> -m „a </a:t>
+            </a:r>
+            <a:r>
+              <a:rPr lang="de-DE" sz="1200" i="1" dirty="0" err="1" smtClean="0"/>
+              <a:t>lot</a:t>
+            </a:r>
+            <a:r>
+              <a:rPr lang="de-DE" sz="1200" i="1" dirty="0" smtClean="0"/>
+              <a:t> </a:t>
+            </a:r>
+            <a:r>
+              <a:rPr lang="de-DE" sz="1200" i="1" dirty="0" err="1" smtClean="0"/>
+              <a:t>faster</a:t>
+            </a:r>
+            <a:r>
+              <a:rPr lang="de-DE" sz="1200" i="1" dirty="0" smtClean="0"/>
+              <a:t> </a:t>
+            </a:r>
+            <a:r>
+              <a:rPr lang="de-DE" sz="1200" i="1" dirty="0" err="1" smtClean="0"/>
+              <a:t>now</a:t>
+            </a:r>
+            <a:r>
+              <a:rPr lang="de-DE" sz="1200" i="1" dirty="0" smtClean="0"/>
+              <a:t>“</a:t>
+            </a:r>
+            <a:br>
+              <a:rPr lang="de-DE" sz="1200" i="1" dirty="0" smtClean="0"/>
+            </a:br>
+            <a:r>
+              <a:rPr lang="de-DE" sz="1200" i="1" dirty="0" err="1" smtClean="0"/>
+              <a:t>git</a:t>
+            </a:r>
+            <a:r>
+              <a:rPr lang="de-DE" sz="1200" i="1" dirty="0" smtClean="0"/>
+              <a:t> push </a:t>
+            </a:r>
+            <a:r>
+              <a:rPr lang="de-DE" sz="1200" i="1" dirty="0" err="1" smtClean="0"/>
+              <a:t>origin</a:t>
+            </a:r>
+            <a:r>
+              <a:rPr lang="de-DE" sz="1200" i="1" dirty="0" smtClean="0"/>
+              <a:t> </a:t>
+            </a:r>
+            <a:r>
+              <a:rPr lang="de-DE" sz="1200" i="1" dirty="0" err="1" smtClean="0"/>
+              <a:t>master:master</a:t>
+            </a:r>
+            <a:endParaRPr lang="de-DE" sz="1200" i="1" dirty="0" smtClean="0"/>
+          </a:p>
+          <a:p>
+            <a:pPr marL="270000" indent="-270000">
+              <a:lnSpc>
+                <a:spcPct val="110000"/>
+              </a:lnSpc>
+              <a:spcBef>
+                <a:spcPts val="800"/>
+              </a:spcBef>
+              <a:buClr>
+                <a:schemeClr val="tx2"/>
+              </a:buClr>
+              <a:buSzPct val="80000"/>
+              <a:buFont typeface="Wingdings" panose="05000000000000000000" pitchFamily="2" charset="2"/>
+              <a:buChar char="n"/>
+            </a:pPr>
+            <a:r>
+              <a:rPr lang="de-DE" sz="1600" dirty="0" smtClean="0"/>
+              <a:t>Jeder push ist nach 1 Minute online</a:t>
+            </a:r>
+            <a:r>
+              <a:rPr lang="de-DE" sz="1600" i="1" dirty="0" smtClean="0"/>
+              <a:t/>
+            </a:r>
+            <a:br>
+              <a:rPr lang="de-DE" sz="1600" i="1" dirty="0" smtClean="0"/>
+            </a:br>
+            <a:endParaRPr lang="de-DE" sz="1600" i="1" dirty="0" smtClean="0"/>
+          </a:p>
+        </p:txBody>
+      </p:sp>
+    </p:spTree>
+    <p:extLst>
+      <p:ext uri="{BB962C8B-B14F-4D97-AF65-F5344CB8AC3E}">
+        <p14:creationId xmlns:p14="http://schemas.microsoft.com/office/powerpoint/2010/main" val="1297730921"/>
+      </p:ext>
+    </p:extLst>
+  </p:cSld>
+  <p:clrMapOvr>
+    <a:masterClrMapping/>
+  </p:clrMapOvr>
+  <mc:AlternateContent xmlns:mc="http://schemas.openxmlformats.org/markup-compatibility/2006" xmlns:p14="http://schemas.microsoft.com/office/powerpoint/2010/main">
+    <mc:Choice Requires="p14">
+      <p:transition spd="med" p14:dur="700">
+        <p:fade/>
+      </p:transition>
+    </mc:Choice>
+    <mc:Fallback xmlns="">
+      <p:transition spd="med">
+        <p:fade/>
+      </p:transition>
+    </mc:Fallback>
+  </mc:AlternateContent>
+  <p:timing>
+    <p:tnLst>
+      <p:par>
+        <p:cTn id="1" dur="indefinite" restart="never" nodeType="tmRoot"/>
+      </p:par>
+    </p:tnLst>
+  </p:timing>
+</p:sld>
+</file>
+
+<file path=ppt/slides/slide7.xml><?xml version="1.0" encoding="utf-8"?>
+<p:sld xmlns:a="http://schemas.openxmlformats.org/drawingml/2006/main" xmlns:r="http://schemas.openxmlformats.org/officeDocument/2006/relationships" xmlns:p="http://schemas.openxmlformats.org/presentationml/2006/main">
+  <p:cSld>
+    <p:spTree>
+      <p:nvGrpSpPr>
+        <p:cNvPr id="1" name=""/>
+        <p:cNvGrpSpPr/>
+        <p:nvPr/>
+      </p:nvGrpSpPr>
+      <p:grpSpPr>
+        <a:xfrm>
+          <a:off x="0" y="0"/>
+          <a:ext cx="0" cy="0"/>
+          <a:chOff x="0" y="0"/>
+          <a:chExt cx="0" cy="0"/>
+        </a:xfrm>
+      </p:grpSpPr>
+      <p:sp>
+        <p:nvSpPr>
+          <p:cNvPr id="2" name="Inhaltsplatzhalter 1"/>
+          <p:cNvSpPr>
+            <a:spLocks noGrp="1"/>
+          </p:cNvSpPr>
+          <p:nvPr>
+            <p:ph idx="1"/>
+          </p:nvPr>
+        </p:nvSpPr>
+        <p:spPr>
+          <a:xfrm>
+            <a:off x="249735" y="1063369"/>
+            <a:ext cx="8640762" cy="863873"/>
+          </a:xfrm>
+        </p:spPr>
+        <p:txBody>
+          <a:bodyPr/>
+          <a:lstStyle/>
+          <a:p>
+            <a:r>
+              <a:rPr lang="de-DE" dirty="0" smtClean="0"/>
+              <a:t>Grundidee: </a:t>
+            </a:r>
+            <a:endParaRPr lang="de-DE" dirty="0"/>
+          </a:p>
+          <a:p>
+            <a:pPr lvl="1"/>
+            <a:r>
+              <a:rPr lang="de-DE" dirty="0" smtClean="0"/>
+              <a:t>Bilder die initial sichtbar sind sollten direkt geladen werden </a:t>
+            </a:r>
+          </a:p>
+          <a:p>
+            <a:pPr lvl="1"/>
+            <a:r>
+              <a:rPr lang="de-DE" dirty="0" err="1"/>
+              <a:t>A</a:t>
+            </a:r>
+            <a:r>
+              <a:rPr lang="de-DE" dirty="0" err="1" smtClean="0"/>
+              <a:t>alle</a:t>
+            </a:r>
+            <a:r>
+              <a:rPr lang="de-DE" dirty="0" smtClean="0"/>
+              <a:t> anderen Bilder werden erst anschließend nachgeladen.</a:t>
+            </a:r>
+            <a:endParaRPr lang="de-DE" dirty="0"/>
+          </a:p>
+        </p:txBody>
+      </p:sp>
+      <p:sp>
+        <p:nvSpPr>
+          <p:cNvPr id="3" name="Titel 2"/>
+          <p:cNvSpPr>
+            <a:spLocks noGrp="1"/>
+          </p:cNvSpPr>
+          <p:nvPr>
+            <p:ph type="title"/>
+          </p:nvPr>
+        </p:nvSpPr>
+        <p:spPr/>
+        <p:txBody>
+          <a:bodyPr/>
+          <a:lstStyle/>
+          <a:p>
+            <a:r>
+              <a:rPr lang="de-DE" dirty="0" smtClean="0"/>
+              <a:t>Performance-Optimierung</a:t>
+            </a:r>
+            <a:endParaRPr lang="de-DE" dirty="0"/>
+          </a:p>
+        </p:txBody>
+      </p:sp>
+      <p:sp>
+        <p:nvSpPr>
+          <p:cNvPr id="4" name="Textplatzhalter 3"/>
+          <p:cNvSpPr>
+            <a:spLocks noGrp="1"/>
+          </p:cNvSpPr>
+          <p:nvPr>
+            <p:ph type="body" sz="quarter" idx="14"/>
+          </p:nvPr>
+        </p:nvSpPr>
+        <p:spPr>
+          <a:xfrm>
+            <a:off x="16906774" y="188913"/>
+            <a:ext cx="842690" cy="342900"/>
+          </a:xfrm>
+        </p:spPr>
+        <p:txBody>
+          <a:bodyPr/>
+          <a:lstStyle/>
+          <a:p>
+            <a:endParaRPr lang="de-DE" dirty="0"/>
+          </a:p>
+        </p:txBody>
+      </p:sp>
+      <p:sp>
+        <p:nvSpPr>
+          <p:cNvPr id="5" name="Textplatzhalter 4"/>
+          <p:cNvSpPr>
+            <a:spLocks noGrp="1"/>
+          </p:cNvSpPr>
+          <p:nvPr>
+            <p:ph type="body" sz="quarter" idx="13"/>
+          </p:nvPr>
+        </p:nvSpPr>
+        <p:spPr/>
+        <p:txBody>
+          <a:bodyPr/>
+          <a:lstStyle/>
+          <a:p>
+            <a:r>
+              <a:rPr lang="de-DE" dirty="0" smtClean="0"/>
+              <a:t>Nur </a:t>
+            </a:r>
+            <a:r>
+              <a:rPr lang="de-DE" dirty="0" err="1" smtClean="0"/>
+              <a:t>above</a:t>
+            </a:r>
+            <a:r>
+              <a:rPr lang="de-DE" dirty="0" smtClean="0"/>
+              <a:t> </a:t>
+            </a:r>
+            <a:r>
+              <a:rPr lang="de-DE" dirty="0" err="1" smtClean="0"/>
+              <a:t>the</a:t>
+            </a:r>
+            <a:r>
+              <a:rPr lang="de-DE" dirty="0" smtClean="0"/>
+              <a:t> </a:t>
+            </a:r>
+            <a:r>
+              <a:rPr lang="de-DE" dirty="0" err="1"/>
+              <a:t>fold</a:t>
+            </a:r>
+            <a:r>
+              <a:rPr lang="de-DE" dirty="0"/>
+              <a:t> </a:t>
+            </a:r>
+            <a:r>
+              <a:rPr lang="de-DE" dirty="0" err="1" smtClean="0"/>
+              <a:t>images</a:t>
+            </a:r>
+            <a:r>
+              <a:rPr lang="de-DE" dirty="0" smtClean="0"/>
+              <a:t> initial laden</a:t>
+            </a:r>
+            <a:endParaRPr lang="de-DE" dirty="0"/>
+          </a:p>
+        </p:txBody>
+      </p:sp>
+      <p:sp>
+        <p:nvSpPr>
+          <p:cNvPr id="6" name="Datumsplatzhalter 5"/>
+          <p:cNvSpPr>
+            <a:spLocks noGrp="1"/>
+          </p:cNvSpPr>
+          <p:nvPr>
+            <p:ph type="dt" sz="half" idx="15"/>
+          </p:nvPr>
+        </p:nvSpPr>
+        <p:spPr/>
+        <p:txBody>
+          <a:bodyPr/>
+          <a:lstStyle/>
+          <a:p>
+            <a:pPr>
+              <a:buClr>
+                <a:schemeClr val="tx2"/>
+              </a:buClr>
+              <a:buSzPct val="100000"/>
+              <a:buFont typeface="Wingdings" pitchFamily="2" charset="2"/>
+              <a:buNone/>
+            </a:pPr>
+            <a:r>
+              <a:rPr lang="de-DE" smtClean="0"/>
+              <a:t>© iteratec | Datum</a:t>
+            </a:r>
+            <a:endParaRPr lang="de-DE" dirty="0"/>
+          </a:p>
+        </p:txBody>
+      </p:sp>
+      <p:sp>
+        <p:nvSpPr>
+          <p:cNvPr id="7" name="Fußzeilenplatzhalter 6"/>
+          <p:cNvSpPr>
+            <a:spLocks noGrp="1"/>
+          </p:cNvSpPr>
+          <p:nvPr>
+            <p:ph type="ftr" sz="quarter" idx="16"/>
+          </p:nvPr>
+        </p:nvSpPr>
+        <p:spPr/>
+        <p:txBody>
+          <a:bodyPr/>
+          <a:lstStyle/>
+          <a:p>
+            <a:pPr algn="ctr">
+              <a:buClr>
+                <a:schemeClr val="tx2"/>
+              </a:buClr>
+              <a:buSzPct val="100000"/>
+              <a:buFont typeface="Wingdings" pitchFamily="2" charset="2"/>
+              <a:buNone/>
+            </a:pPr>
+            <a:r>
+              <a:rPr lang="de-DE" smtClean="0"/>
+              <a:t>Optional: Präsentationstitel</a:t>
+            </a:r>
+            <a:endParaRPr lang="de-DE" dirty="0"/>
+          </a:p>
+        </p:txBody>
+      </p:sp>
+      <p:sp>
+        <p:nvSpPr>
+          <p:cNvPr id="8" name="Foliennummernplatzhalter 7"/>
+          <p:cNvSpPr>
+            <a:spLocks noGrp="1"/>
+          </p:cNvSpPr>
+          <p:nvPr>
+            <p:ph type="sldNum" sz="quarter" idx="17"/>
+          </p:nvPr>
+        </p:nvSpPr>
+        <p:spPr/>
+        <p:txBody>
+          <a:bodyPr/>
+          <a:lstStyle/>
+          <a:p>
+            <a:pPr algn="r">
+              <a:buClr>
+                <a:schemeClr val="tx2"/>
+              </a:buClr>
+              <a:buSzPct val="100000"/>
+              <a:buFont typeface="Wingdings" pitchFamily="2" charset="2"/>
+              <a:buNone/>
+            </a:pPr>
+            <a:r>
+              <a:rPr lang="de-DE" smtClean="0"/>
+              <a:t>Seite </a:t>
+            </a:r>
+            <a:fld id="{26F0CC0A-7687-4B44-955F-AD67B8EF3E28}" type="slidenum">
+              <a:rPr lang="de-DE" smtClean="0"/>
+              <a:pPr algn="r">
+                <a:buClr>
+                  <a:schemeClr val="tx2"/>
+                </a:buClr>
+                <a:buSzPct val="100000"/>
+                <a:buFont typeface="Wingdings" pitchFamily="2" charset="2"/>
+                <a:buNone/>
+              </a:pPr>
+              <a:t>7</a:t>
             </a:fld>
             <a:endParaRPr lang="de-DE" dirty="0"/>
           </a:p>
@@ -15541,7 +16987,7 @@
     </p:spTree>
     <p:extLst>
       <p:ext uri="{BB962C8B-B14F-4D97-AF65-F5344CB8AC3E}">
-        <p14:creationId xmlns:p14="http://schemas.microsoft.com/office/powerpoint/2010/main" val="588291389"/>
+        <p14:creationId xmlns:p14="http://schemas.microsoft.com/office/powerpoint/2010/main" val="3257162693"/>
       </p:ext>
     </p:extLst>
   </p:cSld>
@@ -18191,7 +19637,7 @@
 </p:sld>
 </file>
 
-<file path=ppt/slides/slide5.xml><?xml version="1.0" encoding="utf-8"?>
+<file path=ppt/slides/slide8.xml><?xml version="1.0" encoding="utf-8"?>
 <p:sld xmlns:a="http://schemas.openxmlformats.org/drawingml/2006/main" xmlns:r="http://schemas.openxmlformats.org/officeDocument/2006/relationships" xmlns:p="http://schemas.openxmlformats.org/presentationml/2006/main">
   <p:cSld>
     <p:spTree>
@@ -18427,7 +19873,7 @@
                 <a:buFont typeface="Wingdings" pitchFamily="2" charset="2"/>
                 <a:buNone/>
               </a:pPr>
-              <a:t>5</a:t>
+              <a:t>8</a:t>
             </a:fld>
             <a:endParaRPr lang="de-DE" dirty="0"/>
           </a:p>
